--- a/thesis/figures/figures.pptx
+++ b/thesis/figures/figures.pptx
@@ -3791,1327 +3791,1388 @@
           <a:chExt cx="0" cy="0"/>
         </a:xfrm>
       </p:grpSpPr>
-      <p:sp>
-        <p:nvSpPr>
-          <p:cNvPr id="4" name="Rounded Rectangle 3">
-            <a:extLst>
-              <a:ext uri="{FF2B5EF4-FFF2-40B4-BE49-F238E27FC236}">
-                <a16:creationId xmlns:a16="http://schemas.microsoft.com/office/drawing/2014/main" id="{14CE1B95-6201-BF45-B7F9-B640B99E1943}"/>
-              </a:ext>
-            </a:extLst>
-          </p:cNvPr>
-          <p:cNvSpPr/>
+      <p:grpSp>
+        <p:nvGrpSpPr>
+          <p:cNvPr id="20" name="Group 19">
+            <a:extLst>
+              <a:ext uri="{FF2B5EF4-FFF2-40B4-BE49-F238E27FC236}">
+                <a16:creationId xmlns:a16="http://schemas.microsoft.com/office/drawing/2014/main" id="{3242C6C7-1D08-BA11-C4D3-6D9B35CEDE64}"/>
+              </a:ext>
+            </a:extLst>
+          </p:cNvPr>
+          <p:cNvGrpSpPr/>
           <p:nvPr/>
-        </p:nvSpPr>
-        <p:spPr>
+        </p:nvGrpSpPr>
+        <p:grpSpPr>
           <a:xfrm>
-            <a:off x="4611067" y="636414"/>
-            <a:ext cx="3478846" cy="2791326"/>
+            <a:off x="703305" y="680450"/>
+            <a:ext cx="10110141" cy="5497100"/>
+            <a:chOff x="1791127" y="636414"/>
+            <a:chExt cx="8562577" cy="4304439"/>
           </a:xfrm>
-          <a:prstGeom prst="roundRect">
-            <a:avLst/>
-          </a:prstGeom>
-          <a:ln/>
-        </p:spPr>
-        <p:style>
-          <a:lnRef idx="2">
-            <a:schemeClr val="dk1"/>
-          </a:lnRef>
-          <a:fillRef idx="1">
-            <a:schemeClr val="lt1"/>
-          </a:fillRef>
-          <a:effectRef idx="0">
-            <a:schemeClr val="dk1"/>
-          </a:effectRef>
-          <a:fontRef idx="minor">
-            <a:schemeClr val="dk1"/>
-          </a:fontRef>
-        </p:style>
-        <p:txBody>
-          <a:bodyPr rtlCol="0" anchor="t"/>
-          <a:lstStyle/>
-          <a:p>
-            <a:pPr algn="ctr"/>
-            <a:r>
-              <a:rPr lang="en-DE" dirty="0"/>
-              <a:t>Agent</a:t>
-            </a:r>
-          </a:p>
-        </p:txBody>
-      </p:sp>
-      <mc:AlternateContent xmlns:mc="http://schemas.openxmlformats.org/markup-compatibility/2006">
-        <mc:Choice xmlns:a14="http://schemas.microsoft.com/office/drawing/2010/main" Requires="a14">
-          <p:sp>
-            <p:nvSpPr>
-              <p:cNvPr id="5" name="Rounded Rectangle 4">
-                <a:extLst>
-                  <a:ext uri="{FF2B5EF4-FFF2-40B4-BE49-F238E27FC236}">
-                    <a16:creationId xmlns:a16="http://schemas.microsoft.com/office/drawing/2014/main" id="{7B1C03DF-B3BD-0F4E-84AA-C4E7C5C5A9F7}"/>
-                  </a:ext>
-                </a:extLst>
-              </p:cNvPr>
-              <p:cNvSpPr/>
-              <p:nvPr/>
-            </p:nvSpPr>
-            <p:spPr>
-              <a:xfrm>
-                <a:off x="5608890" y="1266067"/>
-                <a:ext cx="1483200" cy="577515"/>
-              </a:xfrm>
-              <a:prstGeom prst="roundRect">
-                <a:avLst/>
-              </a:prstGeom>
-            </p:spPr>
-            <p:style>
-              <a:lnRef idx="2">
-                <a:schemeClr val="dk1"/>
-              </a:lnRef>
-              <a:fillRef idx="1">
-                <a:schemeClr val="lt1"/>
-              </a:fillRef>
-              <a:effectRef idx="0">
-                <a:schemeClr val="dk1"/>
-              </a:effectRef>
-              <a:fontRef idx="minor">
-                <a:schemeClr val="dk1"/>
-              </a:fontRef>
-            </p:style>
-            <p:txBody>
-              <a:bodyPr rtlCol="0" anchor="ctr"/>
-              <a:lstStyle/>
-              <a:p>
-                <a:pPr algn="ctr"/>
-                <a:r>
-                  <a:rPr lang="en-DE" dirty="0"/>
-                  <a:t>Policy </a:t>
-                </a:r>
-                <a14:m>
-                  <m:oMath xmlns:m="http://schemas.openxmlformats.org/officeDocument/2006/math">
-                    <m:r>
-                      <a:rPr lang="en-DE" i="1" smtClean="0">
-                        <a:latin typeface="Cambria Math" panose="02040503050406030204" pitchFamily="18" charset="0"/>
-                        <a:ea typeface="Cambria Math" panose="02040503050406030204" pitchFamily="18" charset="0"/>
-                      </a:rPr>
-                      <m:t>𝜋</m:t>
-                    </m:r>
-                  </m:oMath>
-                </a14:m>
-                <a:endParaRPr lang="en-DE" dirty="0"/>
-              </a:p>
-            </p:txBody>
-          </p:sp>
-        </mc:Choice>
-        <mc:Fallback>
-          <p:sp>
-            <p:nvSpPr>
-              <p:cNvPr id="5" name="Rounded Rectangle 4">
-                <a:extLst>
-                  <a:ext uri="{FF2B5EF4-FFF2-40B4-BE49-F238E27FC236}">
-                    <a16:creationId xmlns:a16="http://schemas.microsoft.com/office/drawing/2014/main" id="{7B1C03DF-B3BD-0F4E-84AA-C4E7C5C5A9F7}"/>
-                  </a:ext>
-                </a:extLst>
-              </p:cNvPr>
-              <p:cNvSpPr>
-                <a:spLocks noRot="1" noChangeAspect="1" noMove="1" noResize="1" noEditPoints="1" noAdjustHandles="1" noChangeArrowheads="1" noChangeShapeType="1" noTextEdit="1"/>
-              </p:cNvSpPr>
-              <p:nvPr/>
-            </p:nvSpPr>
-            <p:spPr>
-              <a:xfrm>
-                <a:off x="5608890" y="1266067"/>
-                <a:ext cx="1483200" cy="577515"/>
-              </a:xfrm>
-              <a:prstGeom prst="roundRect">
-                <a:avLst/>
-              </a:prstGeom>
-              <a:blipFill>
-                <a:blip r:embed="rId3"/>
-                <a:stretch>
-                  <a:fillRect/>
-                </a:stretch>
-              </a:blipFill>
-            </p:spPr>
-            <p:txBody>
-              <a:bodyPr/>
-              <a:lstStyle/>
-              <a:p>
-                <a:r>
-                  <a:rPr lang="en-DE">
-                    <a:noFill/>
-                  </a:rPr>
-                  <a:t> </a:t>
-                </a:r>
-              </a:p>
-            </p:txBody>
-          </p:sp>
-        </mc:Fallback>
-      </mc:AlternateContent>
-      <p:sp>
-        <p:nvSpPr>
-          <p:cNvPr id="6" name="Rounded Rectangle 5">
-            <a:extLst>
-              <a:ext uri="{FF2B5EF4-FFF2-40B4-BE49-F238E27FC236}">
-                <a16:creationId xmlns:a16="http://schemas.microsoft.com/office/drawing/2014/main" id="{AF8A7403-F7E6-CC48-95A8-8C2311B203BB}"/>
-              </a:ext>
-            </a:extLst>
-          </p:cNvPr>
-          <p:cNvSpPr/>
-          <p:nvPr/>
-        </p:nvSpPr>
-        <p:spPr>
-          <a:xfrm>
-            <a:off x="5608890" y="2483262"/>
-            <a:ext cx="1483895" cy="577515"/>
-          </a:xfrm>
-          <a:prstGeom prst="roundRect">
-            <a:avLst/>
-          </a:prstGeom>
-        </p:spPr>
-        <p:style>
-          <a:lnRef idx="2">
-            <a:schemeClr val="dk1"/>
-          </a:lnRef>
-          <a:fillRef idx="1">
-            <a:schemeClr val="lt1"/>
-          </a:fillRef>
-          <a:effectRef idx="0">
-            <a:schemeClr val="dk1"/>
-          </a:effectRef>
-          <a:fontRef idx="minor">
-            <a:schemeClr val="dk1"/>
-          </a:fontRef>
-        </p:style>
-        <p:txBody>
-          <a:bodyPr rtlCol="0" anchor="ctr"/>
-          <a:lstStyle/>
-          <a:p>
-            <a:pPr algn="ctr"/>
-            <a:r>
-              <a:rPr lang="en-DE" dirty="0"/>
-              <a:t>RL Algorithm</a:t>
-            </a:r>
-          </a:p>
-        </p:txBody>
-      </p:sp>
-      <p:cxnSp>
-        <p:nvCxnSpPr>
-          <p:cNvPr id="8" name="Straight Arrow Connector 7">
-            <a:extLst>
-              <a:ext uri="{FF2B5EF4-FFF2-40B4-BE49-F238E27FC236}">
-                <a16:creationId xmlns:a16="http://schemas.microsoft.com/office/drawing/2014/main" id="{2994E9CD-C0B2-0E46-82B9-4E7BE6009764}"/>
-              </a:ext>
-            </a:extLst>
-          </p:cNvPr>
-          <p:cNvCxnSpPr>
-            <a:stCxn id="6" idx="0"/>
-            <a:endCxn id="5" idx="2"/>
-          </p:cNvCxnSpPr>
-          <p:nvPr/>
-        </p:nvCxnSpPr>
-        <p:spPr>
-          <a:xfrm flipH="1" flipV="1">
-            <a:off x="6350490" y="1843582"/>
-            <a:ext cx="348" cy="639680"/>
-          </a:xfrm>
-          <a:prstGeom prst="straightConnector1">
-            <a:avLst/>
-          </a:prstGeom>
-          <a:ln>
-            <a:tailEnd type="triangle"/>
-          </a:ln>
-        </p:spPr>
-        <p:style>
-          <a:lnRef idx="1">
-            <a:schemeClr val="dk1"/>
-          </a:lnRef>
-          <a:fillRef idx="0">
-            <a:schemeClr val="dk1"/>
-          </a:fillRef>
-          <a:effectRef idx="0">
-            <a:schemeClr val="dk1"/>
-          </a:effectRef>
-          <a:fontRef idx="minor">
-            <a:schemeClr val="tx1"/>
-          </a:fontRef>
-        </p:style>
-      </p:cxnSp>
-      <p:sp>
-        <p:nvSpPr>
-          <p:cNvPr id="9" name="TextBox 8">
-            <a:extLst>
-              <a:ext uri="{FF2B5EF4-FFF2-40B4-BE49-F238E27FC236}">
-                <a16:creationId xmlns:a16="http://schemas.microsoft.com/office/drawing/2014/main" id="{33440869-735D-584C-9B74-B2A2085C7529}"/>
-              </a:ext>
-            </a:extLst>
-          </p:cNvPr>
-          <p:cNvSpPr txBox="1"/>
-          <p:nvPr/>
-        </p:nvSpPr>
-        <p:spPr>
-          <a:xfrm>
-            <a:off x="6306435" y="1848277"/>
-            <a:ext cx="930442" cy="646331"/>
-          </a:xfrm>
-          <a:prstGeom prst="rect">
-            <a:avLst/>
-          </a:prstGeom>
-          <a:noFill/>
-        </p:spPr>
-        <p:txBody>
-          <a:bodyPr wrap="square" rtlCol="0">
-            <a:spAutoFit/>
-          </a:bodyPr>
-          <a:lstStyle/>
-          <a:p>
-            <a:r>
-              <a:rPr lang="en-DE" dirty="0"/>
-              <a:t>Policy Update</a:t>
-            </a:r>
-          </a:p>
-        </p:txBody>
-      </p:sp>
-      <p:cxnSp>
-        <p:nvCxnSpPr>
-          <p:cNvPr id="13" name="Straight Arrow Connector 12">
-            <a:extLst>
-              <a:ext uri="{FF2B5EF4-FFF2-40B4-BE49-F238E27FC236}">
-                <a16:creationId xmlns:a16="http://schemas.microsoft.com/office/drawing/2014/main" id="{5C02FB6D-7E44-2E41-A0C3-5C533241419F}"/>
-              </a:ext>
-            </a:extLst>
-          </p:cNvPr>
-          <p:cNvCxnSpPr>
-            <a:cxnSpLocks/>
-            <a:stCxn id="5" idx="3"/>
-          </p:cNvCxnSpPr>
-          <p:nvPr/>
-        </p:nvCxnSpPr>
-        <p:spPr>
-          <a:xfrm flipV="1">
-            <a:off x="7092090" y="1551156"/>
-            <a:ext cx="997823" cy="3669"/>
-          </a:xfrm>
-          <a:prstGeom prst="straightConnector1">
-            <a:avLst/>
-          </a:prstGeom>
-          <a:ln>
-            <a:tailEnd type="triangle"/>
-          </a:ln>
-        </p:spPr>
-        <p:style>
-          <a:lnRef idx="1">
-            <a:schemeClr val="dk1"/>
-          </a:lnRef>
-          <a:fillRef idx="0">
-            <a:schemeClr val="dk1"/>
-          </a:fillRef>
-          <a:effectRef idx="0">
-            <a:schemeClr val="dk1"/>
-          </a:effectRef>
-          <a:fontRef idx="minor">
-            <a:schemeClr val="tx1"/>
-          </a:fontRef>
-        </p:style>
-      </p:cxnSp>
-      <p:sp>
-        <p:nvSpPr>
-          <p:cNvPr id="14" name="Oval 13">
-            <a:extLst>
-              <a:ext uri="{FF2B5EF4-FFF2-40B4-BE49-F238E27FC236}">
-                <a16:creationId xmlns:a16="http://schemas.microsoft.com/office/drawing/2014/main" id="{CAEE7703-C20B-6E4E-99AA-FBECC878083C}"/>
-              </a:ext>
-            </a:extLst>
-          </p:cNvPr>
-          <p:cNvSpPr/>
-          <p:nvPr/>
-        </p:nvSpPr>
-        <p:spPr>
-          <a:xfrm>
-            <a:off x="7749939" y="1502357"/>
-            <a:ext cx="100800" cy="97598"/>
-          </a:xfrm>
-          <a:prstGeom prst="ellipse">
-            <a:avLst/>
-          </a:prstGeom>
-          <a:ln/>
-        </p:spPr>
-        <p:style>
-          <a:lnRef idx="2">
-            <a:schemeClr val="dk1">
-              <a:shade val="15000"/>
-            </a:schemeClr>
-          </a:lnRef>
-          <a:fillRef idx="1">
-            <a:schemeClr val="dk1"/>
-          </a:fillRef>
-          <a:effectRef idx="0">
-            <a:schemeClr val="dk1"/>
-          </a:effectRef>
-          <a:fontRef idx="minor">
-            <a:schemeClr val="lt1"/>
-          </a:fontRef>
-        </p:style>
-        <p:txBody>
-          <a:bodyPr rtlCol="0" anchor="ctr"/>
-          <a:lstStyle/>
-          <a:p>
-            <a:pPr algn="ctr"/>
-            <a:endParaRPr lang="en-DE"/>
-          </a:p>
-        </p:txBody>
-      </p:sp>
-      <p:cxnSp>
-        <p:nvCxnSpPr>
-          <p:cNvPr id="19" name="Straight Arrow Connector 18">
-            <a:extLst>
-              <a:ext uri="{FF2B5EF4-FFF2-40B4-BE49-F238E27FC236}">
-                <a16:creationId xmlns:a16="http://schemas.microsoft.com/office/drawing/2014/main" id="{4DEBFA68-5F38-514D-8914-EC9DD5EB3361}"/>
-              </a:ext>
-            </a:extLst>
-          </p:cNvPr>
-          <p:cNvCxnSpPr>
-            <a:stCxn id="14" idx="4"/>
-          </p:cNvCxnSpPr>
-          <p:nvPr/>
-        </p:nvCxnSpPr>
-        <p:spPr>
-          <a:xfrm rot="5400000">
-            <a:off x="6860183" y="1831863"/>
-            <a:ext cx="1172064" cy="708248"/>
-          </a:xfrm>
-          <a:prstGeom prst="bentConnector3">
-            <a:avLst>
-              <a:gd name="adj1" fmla="val 99930"/>
-            </a:avLst>
-          </a:prstGeom>
-          <a:ln>
-            <a:tailEnd type="triangle"/>
-          </a:ln>
-        </p:spPr>
-        <p:style>
-          <a:lnRef idx="1">
-            <a:schemeClr val="dk1"/>
-          </a:lnRef>
-          <a:fillRef idx="0">
-            <a:schemeClr val="dk1"/>
-          </a:fillRef>
-          <a:effectRef idx="0">
-            <a:schemeClr val="dk1"/>
-          </a:effectRef>
-          <a:fontRef idx="minor">
-            <a:schemeClr val="tx1"/>
-          </a:fontRef>
-        </p:style>
-      </p:cxnSp>
-      <p:sp>
-        <p:nvSpPr>
-          <p:cNvPr id="22" name="Rounded Rectangle 21">
-            <a:extLst>
-              <a:ext uri="{FF2B5EF4-FFF2-40B4-BE49-F238E27FC236}">
-                <a16:creationId xmlns:a16="http://schemas.microsoft.com/office/drawing/2014/main" id="{87B06D59-F7F1-F84C-927F-575760FB292D}"/>
-              </a:ext>
-            </a:extLst>
-          </p:cNvPr>
-          <p:cNvSpPr/>
-          <p:nvPr/>
-        </p:nvSpPr>
-        <p:spPr>
-          <a:xfrm>
-            <a:off x="5346393" y="4078747"/>
-            <a:ext cx="2008194" cy="504063"/>
-          </a:xfrm>
-          <a:prstGeom prst="roundRect">
-            <a:avLst/>
-          </a:prstGeom>
-          <a:ln/>
-        </p:spPr>
-        <p:style>
-          <a:lnRef idx="2">
-            <a:schemeClr val="dk1"/>
-          </a:lnRef>
-          <a:fillRef idx="1">
-            <a:schemeClr val="lt1"/>
-          </a:fillRef>
-          <a:effectRef idx="0">
-            <a:schemeClr val="dk1"/>
-          </a:effectRef>
-          <a:fontRef idx="minor">
-            <a:schemeClr val="dk1"/>
-          </a:fontRef>
-        </p:style>
-        <p:txBody>
-          <a:bodyPr rtlCol="0" anchor="ctr"/>
-          <a:lstStyle/>
-          <a:p>
-            <a:pPr algn="ctr"/>
-            <a:r>
-              <a:rPr lang="en-DE" dirty="0"/>
-              <a:t>Environment</a:t>
-            </a:r>
-          </a:p>
-        </p:txBody>
-      </p:sp>
-      <p:cxnSp>
-        <p:nvCxnSpPr>
-          <p:cNvPr id="24" name="Straight Arrow Connector 23">
-            <a:extLst>
-              <a:ext uri="{FF2B5EF4-FFF2-40B4-BE49-F238E27FC236}">
-                <a16:creationId xmlns:a16="http://schemas.microsoft.com/office/drawing/2014/main" id="{1A575D97-5121-8C4D-9A45-0C203500BEE3}"/>
-              </a:ext>
-            </a:extLst>
-          </p:cNvPr>
-          <p:cNvCxnSpPr>
-            <a:cxnSpLocks/>
-            <a:endCxn id="22" idx="3"/>
-          </p:cNvCxnSpPr>
-          <p:nvPr/>
-        </p:nvCxnSpPr>
-        <p:spPr>
-          <a:xfrm rot="5400000">
-            <a:off x="6868644" y="2048426"/>
-            <a:ext cx="2768296" cy="1796410"/>
-          </a:xfrm>
-          <a:prstGeom prst="bentConnector2">
-            <a:avLst/>
-          </a:prstGeom>
-          <a:ln>
-            <a:tailEnd type="triangle"/>
-          </a:ln>
-        </p:spPr>
-        <p:style>
-          <a:lnRef idx="1">
-            <a:schemeClr val="dk1"/>
-          </a:lnRef>
-          <a:fillRef idx="0">
-            <a:schemeClr val="dk1"/>
-          </a:fillRef>
-          <a:effectRef idx="0">
-            <a:schemeClr val="dk1"/>
-          </a:effectRef>
-          <a:fontRef idx="minor">
-            <a:schemeClr val="tx1"/>
-          </a:fontRef>
-        </p:style>
-      </p:cxnSp>
-      <p:cxnSp>
-        <p:nvCxnSpPr>
-          <p:cNvPr id="27" name="Straight Connector 26">
-            <a:extLst>
-              <a:ext uri="{FF2B5EF4-FFF2-40B4-BE49-F238E27FC236}">
-                <a16:creationId xmlns:a16="http://schemas.microsoft.com/office/drawing/2014/main" id="{6B624B22-DE26-A042-A8FD-3950D720AD72}"/>
-              </a:ext>
-            </a:extLst>
-          </p:cNvPr>
-          <p:cNvCxnSpPr/>
-          <p:nvPr/>
-        </p:nvCxnSpPr>
-        <p:spPr>
-          <a:xfrm>
-            <a:off x="8089913" y="1551156"/>
-            <a:ext cx="1037369" cy="0"/>
-          </a:xfrm>
-          <a:prstGeom prst="line">
-            <a:avLst/>
-          </a:prstGeom>
-        </p:spPr>
-        <p:style>
-          <a:lnRef idx="1">
-            <a:schemeClr val="dk1"/>
-          </a:lnRef>
-          <a:fillRef idx="0">
-            <a:schemeClr val="dk1"/>
-          </a:fillRef>
-          <a:effectRef idx="0">
-            <a:schemeClr val="dk1"/>
-          </a:effectRef>
-          <a:fontRef idx="minor">
-            <a:schemeClr val="tx1"/>
-          </a:fontRef>
-        </p:style>
-      </p:cxnSp>
-      <mc:AlternateContent xmlns:mc="http://schemas.openxmlformats.org/markup-compatibility/2006">
-        <mc:Choice xmlns:a14="http://schemas.microsoft.com/office/drawing/2010/main" Requires="a14">
-          <p:sp>
-            <p:nvSpPr>
-              <p:cNvPr id="28" name="TextBox 27">
-                <a:extLst>
-                  <a:ext uri="{FF2B5EF4-FFF2-40B4-BE49-F238E27FC236}">
-                    <a16:creationId xmlns:a16="http://schemas.microsoft.com/office/drawing/2014/main" id="{A363B839-10A3-7B43-8670-133E55F0D08E}"/>
-                  </a:ext>
-                </a:extLst>
-              </p:cNvPr>
-              <p:cNvSpPr txBox="1"/>
-              <p:nvPr/>
-            </p:nvSpPr>
-            <p:spPr>
-              <a:xfrm>
-                <a:off x="9087430" y="1551155"/>
-                <a:ext cx="1057918" cy="369332"/>
-              </a:xfrm>
-              <a:prstGeom prst="rect">
-                <a:avLst/>
-              </a:prstGeom>
-              <a:noFill/>
-            </p:spPr>
-            <p:txBody>
-              <a:bodyPr wrap="none" rtlCol="0">
-                <a:spAutoFit/>
-              </a:bodyPr>
-              <a:lstStyle/>
-              <a:p>
-                <a:r>
-                  <a:rPr lang="en-DE" dirty="0"/>
-                  <a:t>Action </a:t>
-                </a:r>
-                <a14:m>
-                  <m:oMath xmlns:m="http://schemas.openxmlformats.org/officeDocument/2006/math">
-                    <m:sSub>
-                      <m:sSubPr>
-                        <m:ctrlPr>
-                          <a:rPr lang="de-DE" b="0" i="1" smtClean="0">
-                            <a:latin typeface="Cambria Math" panose="02040503050406030204" pitchFamily="18" charset="0"/>
-                          </a:rPr>
-                        </m:ctrlPr>
-                      </m:sSubPr>
-                      <m:e>
-                        <m:r>
-                          <a:rPr lang="de-DE" b="0" i="1" smtClean="0">
-                            <a:latin typeface="Cambria Math" panose="02040503050406030204" pitchFamily="18" charset="0"/>
-                          </a:rPr>
-                          <m:t>𝑎</m:t>
-                        </m:r>
-                      </m:e>
-                      <m:sub>
-                        <m:r>
-                          <a:rPr lang="de-DE" b="0" i="1" smtClean="0">
-                            <a:latin typeface="Cambria Math" panose="02040503050406030204" pitchFamily="18" charset="0"/>
-                          </a:rPr>
-                          <m:t>𝑡</m:t>
-                        </m:r>
-                      </m:sub>
-                    </m:sSub>
-                  </m:oMath>
-                </a14:m>
-                <a:endParaRPr lang="en-DE" dirty="0"/>
-              </a:p>
-            </p:txBody>
-          </p:sp>
-        </mc:Choice>
-        <mc:Fallback>
-          <p:sp>
-            <p:nvSpPr>
-              <p:cNvPr id="28" name="TextBox 27">
-                <a:extLst>
-                  <a:ext uri="{FF2B5EF4-FFF2-40B4-BE49-F238E27FC236}">
-                    <a16:creationId xmlns:a16="http://schemas.microsoft.com/office/drawing/2014/main" id="{A363B839-10A3-7B43-8670-133E55F0D08E}"/>
-                  </a:ext>
-                </a:extLst>
-              </p:cNvPr>
-              <p:cNvSpPr txBox="1">
-                <a:spLocks noRot="1" noChangeAspect="1" noMove="1" noResize="1" noEditPoints="1" noAdjustHandles="1" noChangeArrowheads="1" noChangeShapeType="1" noTextEdit="1"/>
-              </p:cNvSpPr>
-              <p:nvPr/>
-            </p:nvSpPr>
-            <p:spPr>
-              <a:xfrm>
-                <a:off x="9087430" y="1551155"/>
-                <a:ext cx="1057918" cy="369332"/>
-              </a:xfrm>
-              <a:prstGeom prst="rect">
-                <a:avLst/>
-              </a:prstGeom>
-              <a:blipFill>
-                <a:blip r:embed="rId4"/>
-                <a:stretch>
-                  <a:fillRect l="-4762" t="-3226" b="-22581"/>
-                </a:stretch>
-              </a:blipFill>
-            </p:spPr>
-            <p:txBody>
-              <a:bodyPr/>
-              <a:lstStyle/>
-              <a:p>
-                <a:r>
-                  <a:rPr lang="en-DE">
-                    <a:noFill/>
-                  </a:rPr>
-                  <a:t> </a:t>
-                </a:r>
-              </a:p>
-            </p:txBody>
-          </p:sp>
-        </mc:Fallback>
-      </mc:AlternateContent>
-      <p:sp>
-        <p:nvSpPr>
-          <p:cNvPr id="29" name="Oval 28">
-            <a:extLst>
-              <a:ext uri="{FF2B5EF4-FFF2-40B4-BE49-F238E27FC236}">
-                <a16:creationId xmlns:a16="http://schemas.microsoft.com/office/drawing/2014/main" id="{DCB837CD-D876-7E47-AF2F-272A32745FCC}"/>
-              </a:ext>
-            </a:extLst>
-          </p:cNvPr>
-          <p:cNvSpPr/>
-          <p:nvPr/>
-        </p:nvSpPr>
-        <p:spPr>
-          <a:xfrm>
-            <a:off x="4850241" y="1502356"/>
-            <a:ext cx="100800" cy="97598"/>
-          </a:xfrm>
-          <a:prstGeom prst="ellipse">
-            <a:avLst/>
-          </a:prstGeom>
-          <a:ln/>
-        </p:spPr>
-        <p:style>
-          <a:lnRef idx="2">
-            <a:schemeClr val="dk1">
-              <a:shade val="15000"/>
-            </a:schemeClr>
-          </a:lnRef>
-          <a:fillRef idx="1">
-            <a:schemeClr val="dk1"/>
-          </a:fillRef>
-          <a:effectRef idx="0">
-            <a:schemeClr val="dk1"/>
-          </a:effectRef>
-          <a:fontRef idx="minor">
-            <a:schemeClr val="lt1"/>
-          </a:fontRef>
-        </p:style>
-        <p:txBody>
-          <a:bodyPr rtlCol="0" anchor="ctr"/>
-          <a:lstStyle/>
-          <a:p>
-            <a:pPr algn="ctr"/>
-            <a:endParaRPr lang="en-DE"/>
-          </a:p>
-        </p:txBody>
-      </p:sp>
-      <p:cxnSp>
-        <p:nvCxnSpPr>
-          <p:cNvPr id="31" name="Straight Arrow Connector 30">
-            <a:extLst>
-              <a:ext uri="{FF2B5EF4-FFF2-40B4-BE49-F238E27FC236}">
-                <a16:creationId xmlns:a16="http://schemas.microsoft.com/office/drawing/2014/main" id="{C95405E9-3A15-D340-B142-F5A423F4421D}"/>
-              </a:ext>
-            </a:extLst>
-          </p:cNvPr>
-          <p:cNvCxnSpPr>
-            <a:cxnSpLocks/>
-            <a:endCxn id="5" idx="1"/>
-          </p:cNvCxnSpPr>
-          <p:nvPr/>
-        </p:nvCxnSpPr>
-        <p:spPr>
-          <a:xfrm>
-            <a:off x="4611067" y="1554825"/>
-            <a:ext cx="997823" cy="0"/>
-          </a:xfrm>
-          <a:prstGeom prst="straightConnector1">
-            <a:avLst/>
-          </a:prstGeom>
-          <a:ln>
-            <a:tailEnd type="triangle"/>
-          </a:ln>
-        </p:spPr>
-        <p:style>
-          <a:lnRef idx="1">
-            <a:schemeClr val="dk1"/>
-          </a:lnRef>
-          <a:fillRef idx="0">
-            <a:schemeClr val="dk1"/>
-          </a:fillRef>
-          <a:effectRef idx="0">
-            <a:schemeClr val="dk1"/>
-          </a:effectRef>
-          <a:fontRef idx="minor">
-            <a:schemeClr val="tx1"/>
-          </a:fontRef>
-        </p:style>
-      </p:cxnSp>
-      <p:cxnSp>
-        <p:nvCxnSpPr>
-          <p:cNvPr id="33" name="Straight Arrow Connector 32">
-            <a:extLst>
-              <a:ext uri="{FF2B5EF4-FFF2-40B4-BE49-F238E27FC236}">
-                <a16:creationId xmlns:a16="http://schemas.microsoft.com/office/drawing/2014/main" id="{4BBFAA62-07D5-3242-9DCF-84ABA2DDDED7}"/>
-              </a:ext>
-            </a:extLst>
-          </p:cNvPr>
-          <p:cNvCxnSpPr>
-            <a:stCxn id="29" idx="4"/>
-          </p:cNvCxnSpPr>
-          <p:nvPr/>
-        </p:nvCxnSpPr>
-        <p:spPr>
-          <a:xfrm rot="16200000" flipH="1">
-            <a:off x="4668733" y="1831861"/>
-            <a:ext cx="1172065" cy="708249"/>
-          </a:xfrm>
-          <a:prstGeom prst="bentConnector3">
-            <a:avLst>
-              <a:gd name="adj1" fmla="val 100235"/>
-            </a:avLst>
-          </a:prstGeom>
-          <a:ln>
-            <a:tailEnd type="triangle"/>
-          </a:ln>
-        </p:spPr>
-        <p:style>
-          <a:lnRef idx="1">
-            <a:schemeClr val="dk1"/>
-          </a:lnRef>
-          <a:fillRef idx="0">
-            <a:schemeClr val="dk1"/>
-          </a:fillRef>
-          <a:effectRef idx="0">
-            <a:schemeClr val="dk1"/>
-          </a:effectRef>
-          <a:fontRef idx="minor">
-            <a:schemeClr val="tx1"/>
-          </a:fontRef>
-        </p:style>
-      </p:cxnSp>
-      <p:cxnSp>
-        <p:nvCxnSpPr>
-          <p:cNvPr id="37" name="Straight Arrow Connector 36">
-            <a:extLst>
-              <a:ext uri="{FF2B5EF4-FFF2-40B4-BE49-F238E27FC236}">
-                <a16:creationId xmlns:a16="http://schemas.microsoft.com/office/drawing/2014/main" id="{98DB4A57-883C-8B4A-94F4-DF249A21AF4C}"/>
-              </a:ext>
-            </a:extLst>
-          </p:cNvPr>
-          <p:cNvCxnSpPr>
-            <a:cxnSpLocks/>
-          </p:cNvCxnSpPr>
-          <p:nvPr/>
-        </p:nvCxnSpPr>
-        <p:spPr>
-          <a:xfrm>
-            <a:off x="3578318" y="1554330"/>
-            <a:ext cx="1036800" cy="0"/>
-          </a:xfrm>
-          <a:prstGeom prst="straightConnector1">
-            <a:avLst/>
-          </a:prstGeom>
-          <a:ln>
-            <a:tailEnd type="triangle"/>
-          </a:ln>
-        </p:spPr>
-        <p:style>
-          <a:lnRef idx="1">
-            <a:schemeClr val="dk1"/>
-          </a:lnRef>
-          <a:fillRef idx="0">
-            <a:schemeClr val="dk1"/>
-          </a:fillRef>
-          <a:effectRef idx="0">
-            <a:schemeClr val="dk1"/>
-          </a:effectRef>
-          <a:fontRef idx="minor">
-            <a:schemeClr val="tx1"/>
-          </a:fontRef>
-        </p:style>
-      </p:cxnSp>
-      <p:cxnSp>
-        <p:nvCxnSpPr>
-          <p:cNvPr id="38" name="Straight Connector 37">
-            <a:extLst>
-              <a:ext uri="{FF2B5EF4-FFF2-40B4-BE49-F238E27FC236}">
-                <a16:creationId xmlns:a16="http://schemas.microsoft.com/office/drawing/2014/main" id="{2C6B8B91-08D9-0A44-9FED-BF0463199919}"/>
-              </a:ext>
-            </a:extLst>
-          </p:cNvPr>
-          <p:cNvCxnSpPr>
-            <a:cxnSpLocks/>
-          </p:cNvCxnSpPr>
-          <p:nvPr/>
-        </p:nvCxnSpPr>
-        <p:spPr>
-          <a:xfrm>
-            <a:off x="3578318" y="4319451"/>
-            <a:ext cx="1767600" cy="0"/>
-          </a:xfrm>
-          <a:prstGeom prst="line">
-            <a:avLst/>
-          </a:prstGeom>
-        </p:spPr>
-        <p:style>
-          <a:lnRef idx="1">
-            <a:schemeClr val="dk1"/>
-          </a:lnRef>
-          <a:fillRef idx="0">
-            <a:schemeClr val="dk1"/>
-          </a:fillRef>
-          <a:effectRef idx="0">
-            <a:schemeClr val="dk1"/>
-          </a:effectRef>
-          <a:fontRef idx="minor">
-            <a:schemeClr val="tx1"/>
-          </a:fontRef>
-        </p:style>
-      </p:cxnSp>
-      <p:cxnSp>
-        <p:nvCxnSpPr>
-          <p:cNvPr id="41" name="Straight Connector 40">
-            <a:extLst>
-              <a:ext uri="{FF2B5EF4-FFF2-40B4-BE49-F238E27FC236}">
-                <a16:creationId xmlns:a16="http://schemas.microsoft.com/office/drawing/2014/main" id="{66767187-1120-374F-A2CF-6078ADEE7BEA}"/>
-              </a:ext>
-            </a:extLst>
-          </p:cNvPr>
-          <p:cNvCxnSpPr>
-            <a:cxnSpLocks/>
-          </p:cNvCxnSpPr>
-          <p:nvPr/>
-        </p:nvCxnSpPr>
-        <p:spPr>
-          <a:xfrm>
-            <a:off x="3578318" y="1555165"/>
-            <a:ext cx="0" cy="2764800"/>
-          </a:xfrm>
-          <a:prstGeom prst="line">
-            <a:avLst/>
-          </a:prstGeom>
-        </p:spPr>
-        <p:style>
-          <a:lnRef idx="1">
-            <a:schemeClr val="dk1"/>
-          </a:lnRef>
-          <a:fillRef idx="0">
-            <a:schemeClr val="dk1"/>
-          </a:fillRef>
-          <a:effectRef idx="0">
-            <a:schemeClr val="dk1"/>
-          </a:effectRef>
-          <a:fontRef idx="minor">
-            <a:schemeClr val="tx1"/>
-          </a:fontRef>
-        </p:style>
-      </p:cxnSp>
-      <mc:AlternateContent xmlns:mc="http://schemas.openxmlformats.org/markup-compatibility/2006">
-        <mc:Choice xmlns:a14="http://schemas.microsoft.com/office/drawing/2010/main" Requires="a14">
-          <p:sp>
-            <p:nvSpPr>
-              <p:cNvPr id="44" name="TextBox 43">
-                <a:extLst>
-                  <a:ext uri="{FF2B5EF4-FFF2-40B4-BE49-F238E27FC236}">
-                    <a16:creationId xmlns:a16="http://schemas.microsoft.com/office/drawing/2014/main" id="{C20D4D30-6B3D-C148-B038-E732687E48BA}"/>
-                  </a:ext>
-                </a:extLst>
-              </p:cNvPr>
-              <p:cNvSpPr txBox="1"/>
-              <p:nvPr/>
-            </p:nvSpPr>
-            <p:spPr>
-              <a:xfrm>
-                <a:off x="2029018" y="1551155"/>
-                <a:ext cx="1584665" cy="369332"/>
-              </a:xfrm>
-              <a:prstGeom prst="rect">
-                <a:avLst/>
-              </a:prstGeom>
-              <a:noFill/>
-            </p:spPr>
-            <p:txBody>
-              <a:bodyPr wrap="none" rtlCol="0">
-                <a:spAutoFit/>
-              </a:bodyPr>
-              <a:lstStyle/>
-              <a:p>
-                <a:r>
-                  <a:rPr lang="en-DE" dirty="0"/>
-                  <a:t>Observation </a:t>
-                </a:r>
-                <a14:m>
-                  <m:oMath xmlns:m="http://schemas.openxmlformats.org/officeDocument/2006/math">
-                    <m:sSub>
-                      <m:sSubPr>
-                        <m:ctrlPr>
-                          <a:rPr lang="de-DE" b="0" i="1" smtClean="0">
-                            <a:latin typeface="Cambria Math" panose="02040503050406030204" pitchFamily="18" charset="0"/>
-                          </a:rPr>
-                        </m:ctrlPr>
-                      </m:sSubPr>
-                      <m:e>
-                        <m:r>
-                          <a:rPr lang="de-DE" b="0" i="1" smtClean="0">
-                            <a:latin typeface="Cambria Math" panose="02040503050406030204" pitchFamily="18" charset="0"/>
-                          </a:rPr>
-                          <m:t>𝑜</m:t>
-                        </m:r>
-                      </m:e>
-                      <m:sub>
-                        <m:r>
-                          <a:rPr lang="de-DE" b="0" i="1" smtClean="0">
-                            <a:latin typeface="Cambria Math" panose="02040503050406030204" pitchFamily="18" charset="0"/>
-                          </a:rPr>
-                          <m:t>𝑡</m:t>
-                        </m:r>
-                      </m:sub>
-                    </m:sSub>
-                  </m:oMath>
-                </a14:m>
-                <a:endParaRPr lang="en-DE" dirty="0"/>
-              </a:p>
-            </p:txBody>
-          </p:sp>
-        </mc:Choice>
-        <mc:Fallback>
-          <p:sp>
-            <p:nvSpPr>
-              <p:cNvPr id="44" name="TextBox 43">
-                <a:extLst>
-                  <a:ext uri="{FF2B5EF4-FFF2-40B4-BE49-F238E27FC236}">
-                    <a16:creationId xmlns:a16="http://schemas.microsoft.com/office/drawing/2014/main" id="{C20D4D30-6B3D-C148-B038-E732687E48BA}"/>
-                  </a:ext>
-                </a:extLst>
-              </p:cNvPr>
-              <p:cNvSpPr txBox="1">
-                <a:spLocks noRot="1" noChangeAspect="1" noMove="1" noResize="1" noEditPoints="1" noAdjustHandles="1" noChangeArrowheads="1" noChangeShapeType="1" noTextEdit="1"/>
-              </p:cNvSpPr>
-              <p:nvPr/>
-            </p:nvSpPr>
-            <p:spPr>
-              <a:xfrm>
-                <a:off x="2029018" y="1551155"/>
-                <a:ext cx="1584665" cy="369332"/>
-              </a:xfrm>
-              <a:prstGeom prst="rect">
-                <a:avLst/>
-              </a:prstGeom>
-              <a:blipFill>
-                <a:blip r:embed="rId5"/>
-                <a:stretch>
-                  <a:fillRect l="-3175" t="-3226" b="-22581"/>
-                </a:stretch>
-              </a:blipFill>
-            </p:spPr>
-            <p:txBody>
-              <a:bodyPr/>
-              <a:lstStyle/>
-              <a:p>
-                <a:r>
-                  <a:rPr lang="en-DE">
-                    <a:noFill/>
-                  </a:rPr>
-                  <a:t> </a:t>
-                </a:r>
-              </a:p>
-            </p:txBody>
-          </p:sp>
-        </mc:Fallback>
-      </mc:AlternateContent>
-      <p:cxnSp>
-        <p:nvCxnSpPr>
-          <p:cNvPr id="46" name="Straight Arrow Connector 45">
-            <a:extLst>
-              <a:ext uri="{FF2B5EF4-FFF2-40B4-BE49-F238E27FC236}">
-                <a16:creationId xmlns:a16="http://schemas.microsoft.com/office/drawing/2014/main" id="{ECE096B7-8DFF-8940-AB4A-C293D84A1BFE}"/>
-              </a:ext>
-            </a:extLst>
-          </p:cNvPr>
-          <p:cNvCxnSpPr>
-            <a:stCxn id="22" idx="0"/>
-            <a:endCxn id="4" idx="2"/>
-          </p:cNvCxnSpPr>
-          <p:nvPr/>
-        </p:nvCxnSpPr>
-        <p:spPr>
-          <a:xfrm flipV="1">
-            <a:off x="6350490" y="3427740"/>
-            <a:ext cx="0" cy="651007"/>
-          </a:xfrm>
-          <a:prstGeom prst="straightConnector1">
-            <a:avLst/>
-          </a:prstGeom>
-          <a:ln>
-            <a:tailEnd type="triangle"/>
-          </a:ln>
-        </p:spPr>
-        <p:style>
-          <a:lnRef idx="1">
-            <a:schemeClr val="dk1"/>
-          </a:lnRef>
-          <a:fillRef idx="0">
-            <a:schemeClr val="dk1"/>
-          </a:fillRef>
-          <a:effectRef idx="0">
-            <a:schemeClr val="dk1"/>
-          </a:effectRef>
-          <a:fontRef idx="minor">
-            <a:schemeClr val="tx1"/>
-          </a:fontRef>
-        </p:style>
-      </p:cxnSp>
-      <p:cxnSp>
-        <p:nvCxnSpPr>
-          <p:cNvPr id="50" name="Straight Arrow Connector 49">
-            <a:extLst>
-              <a:ext uri="{FF2B5EF4-FFF2-40B4-BE49-F238E27FC236}">
-                <a16:creationId xmlns:a16="http://schemas.microsoft.com/office/drawing/2014/main" id="{0D4BF8E5-B79A-6143-B0E8-3AAA41505B77}"/>
-              </a:ext>
-            </a:extLst>
-          </p:cNvPr>
-          <p:cNvCxnSpPr>
-            <a:stCxn id="4" idx="2"/>
-          </p:cNvCxnSpPr>
-          <p:nvPr/>
-        </p:nvCxnSpPr>
-        <p:spPr>
-          <a:xfrm flipV="1">
-            <a:off x="6350490" y="3060777"/>
-            <a:ext cx="0" cy="366963"/>
-          </a:xfrm>
-          <a:prstGeom prst="straightConnector1">
-            <a:avLst/>
-          </a:prstGeom>
-          <a:ln>
-            <a:tailEnd type="triangle"/>
-          </a:ln>
-        </p:spPr>
-        <p:style>
-          <a:lnRef idx="1">
-            <a:schemeClr val="dk1"/>
-          </a:lnRef>
-          <a:fillRef idx="0">
-            <a:schemeClr val="dk1"/>
-          </a:fillRef>
-          <a:effectRef idx="0">
-            <a:schemeClr val="dk1"/>
-          </a:effectRef>
-          <a:fontRef idx="minor">
-            <a:schemeClr val="tx1"/>
-          </a:fontRef>
-        </p:style>
-      </p:cxnSp>
-      <mc:AlternateContent xmlns:mc="http://schemas.openxmlformats.org/markup-compatibility/2006">
-        <mc:Choice xmlns:a14="http://schemas.microsoft.com/office/drawing/2010/main" Requires="a14">
-          <p:sp>
-            <p:nvSpPr>
-              <p:cNvPr id="51" name="TextBox 50">
-                <a:extLst>
-                  <a:ext uri="{FF2B5EF4-FFF2-40B4-BE49-F238E27FC236}">
-                    <a16:creationId xmlns:a16="http://schemas.microsoft.com/office/drawing/2014/main" id="{BB41E694-D346-3048-BBFC-E426657607F3}"/>
-                  </a:ext>
-                </a:extLst>
-              </p:cNvPr>
-              <p:cNvSpPr txBox="1"/>
-              <p:nvPr/>
-            </p:nvSpPr>
-            <p:spPr>
-              <a:xfrm>
-                <a:off x="6270124" y="3562571"/>
-                <a:ext cx="1116203" cy="369332"/>
-              </a:xfrm>
-              <a:prstGeom prst="rect">
-                <a:avLst/>
-              </a:prstGeom>
-              <a:noFill/>
-            </p:spPr>
-            <p:txBody>
-              <a:bodyPr wrap="none" rtlCol="0">
-                <a:spAutoFit/>
-              </a:bodyPr>
-              <a:lstStyle/>
-              <a:p>
-                <a:r>
-                  <a:rPr lang="en-DE" dirty="0"/>
-                  <a:t>Reward </a:t>
-                </a:r>
-                <a14:m>
-                  <m:oMath xmlns:m="http://schemas.openxmlformats.org/officeDocument/2006/math">
-                    <m:sSub>
-                      <m:sSubPr>
-                        <m:ctrlPr>
-                          <a:rPr lang="de-DE" b="0" i="1" smtClean="0">
-                            <a:latin typeface="Cambria Math" panose="02040503050406030204" pitchFamily="18" charset="0"/>
-                          </a:rPr>
-                        </m:ctrlPr>
-                      </m:sSubPr>
-                      <m:e>
-                        <m:r>
-                          <a:rPr lang="de-DE" b="0" i="1" smtClean="0">
-                            <a:latin typeface="Cambria Math" panose="02040503050406030204" pitchFamily="18" charset="0"/>
-                          </a:rPr>
-                          <m:t>𝑟</m:t>
-                        </m:r>
-                      </m:e>
-                      <m:sub>
-                        <m:r>
-                          <a:rPr lang="de-DE" b="0" i="1" smtClean="0">
-                            <a:latin typeface="Cambria Math" panose="02040503050406030204" pitchFamily="18" charset="0"/>
-                          </a:rPr>
-                          <m:t>𝑡</m:t>
-                        </m:r>
-                      </m:sub>
-                    </m:sSub>
-                  </m:oMath>
-                </a14:m>
-                <a:endParaRPr lang="en-DE" dirty="0"/>
-              </a:p>
-            </p:txBody>
-          </p:sp>
-        </mc:Choice>
-        <mc:Fallback>
-          <p:sp>
-            <p:nvSpPr>
-              <p:cNvPr id="51" name="TextBox 50">
-                <a:extLst>
-                  <a:ext uri="{FF2B5EF4-FFF2-40B4-BE49-F238E27FC236}">
-                    <a16:creationId xmlns:a16="http://schemas.microsoft.com/office/drawing/2014/main" id="{BB41E694-D346-3048-BBFC-E426657607F3}"/>
-                  </a:ext>
-                </a:extLst>
-              </p:cNvPr>
-              <p:cNvSpPr txBox="1">
-                <a:spLocks noRot="1" noChangeAspect="1" noMove="1" noResize="1" noEditPoints="1" noAdjustHandles="1" noChangeArrowheads="1" noChangeShapeType="1" noTextEdit="1"/>
-              </p:cNvSpPr>
-              <p:nvPr/>
-            </p:nvSpPr>
-            <p:spPr>
-              <a:xfrm>
-                <a:off x="6270124" y="3562571"/>
-                <a:ext cx="1116203" cy="369332"/>
-              </a:xfrm>
-              <a:prstGeom prst="rect">
-                <a:avLst/>
-              </a:prstGeom>
-              <a:blipFill>
-                <a:blip r:embed="rId6"/>
-                <a:stretch>
-                  <a:fillRect l="-4494" t="-6667" b="-26667"/>
-                </a:stretch>
-              </a:blipFill>
-            </p:spPr>
-            <p:txBody>
-              <a:bodyPr/>
-              <a:lstStyle/>
-              <a:p>
-                <a:r>
-                  <a:rPr lang="en-DE">
-                    <a:noFill/>
-                  </a:rPr>
-                  <a:t> </a:t>
-                </a:r>
-              </a:p>
-            </p:txBody>
-          </p:sp>
-        </mc:Fallback>
-      </mc:AlternateContent>
-      <mc:AlternateContent xmlns:mc="http://schemas.openxmlformats.org/markup-compatibility/2006">
-        <mc:Choice xmlns:a14="http://schemas.microsoft.com/office/drawing/2010/main" Requires="a14">
-          <p:sp>
-            <p:nvSpPr>
-              <p:cNvPr id="30" name="TextBox 29">
-                <a:extLst>
-                  <a:ext uri="{FF2B5EF4-FFF2-40B4-BE49-F238E27FC236}">
-                    <a16:creationId xmlns:a16="http://schemas.microsoft.com/office/drawing/2014/main" id="{DFDFB8DA-AB6B-4848-BE08-AE84CF85A54B}"/>
-                  </a:ext>
-                </a:extLst>
-              </p:cNvPr>
-              <p:cNvSpPr txBox="1"/>
-              <p:nvPr/>
-            </p:nvSpPr>
-            <p:spPr>
-              <a:xfrm>
-                <a:off x="5892832" y="4571521"/>
-                <a:ext cx="905376" cy="369332"/>
-              </a:xfrm>
-              <a:prstGeom prst="rect">
-                <a:avLst/>
-              </a:prstGeom>
-              <a:noFill/>
-            </p:spPr>
-            <p:txBody>
-              <a:bodyPr wrap="none" rtlCol="0">
-                <a:spAutoFit/>
-              </a:bodyPr>
-              <a:lstStyle/>
-              <a:p>
-                <a:r>
-                  <a:rPr lang="en-DE" dirty="0"/>
-                  <a:t>State </a:t>
-                </a:r>
-                <a14:m>
-                  <m:oMath xmlns:m="http://schemas.openxmlformats.org/officeDocument/2006/math">
-                    <m:sSub>
-                      <m:sSubPr>
-                        <m:ctrlPr>
-                          <a:rPr lang="de-DE" b="0" i="1" smtClean="0">
-                            <a:latin typeface="Cambria Math" panose="02040503050406030204" pitchFamily="18" charset="0"/>
-                          </a:rPr>
-                        </m:ctrlPr>
-                      </m:sSubPr>
-                      <m:e>
-                        <m:r>
-                          <a:rPr lang="de-DE" b="0" i="1" smtClean="0">
-                            <a:latin typeface="Cambria Math" panose="02040503050406030204" pitchFamily="18" charset="0"/>
-                          </a:rPr>
-                          <m:t>𝑠</m:t>
-                        </m:r>
-                      </m:e>
-                      <m:sub>
-                        <m:r>
-                          <a:rPr lang="de-DE" b="0" i="1" smtClean="0">
-                            <a:latin typeface="Cambria Math" panose="02040503050406030204" pitchFamily="18" charset="0"/>
-                          </a:rPr>
-                          <m:t>𝑡</m:t>
-                        </m:r>
-                      </m:sub>
-                    </m:sSub>
-                  </m:oMath>
-                </a14:m>
-                <a:endParaRPr lang="en-DE" dirty="0"/>
-              </a:p>
-            </p:txBody>
-          </p:sp>
-        </mc:Choice>
-        <mc:Fallback>
-          <p:sp>
-            <p:nvSpPr>
-              <p:cNvPr id="30" name="TextBox 29">
-                <a:extLst>
-                  <a:ext uri="{FF2B5EF4-FFF2-40B4-BE49-F238E27FC236}">
-                    <a16:creationId xmlns:a16="http://schemas.microsoft.com/office/drawing/2014/main" id="{DFDFB8DA-AB6B-4848-BE08-AE84CF85A54B}"/>
-                  </a:ext>
-                </a:extLst>
-              </p:cNvPr>
-              <p:cNvSpPr txBox="1">
-                <a:spLocks noRot="1" noChangeAspect="1" noMove="1" noResize="1" noEditPoints="1" noAdjustHandles="1" noChangeArrowheads="1" noChangeShapeType="1" noTextEdit="1"/>
-              </p:cNvSpPr>
-              <p:nvPr/>
-            </p:nvSpPr>
-            <p:spPr>
-              <a:xfrm>
-                <a:off x="5892832" y="4571521"/>
-                <a:ext cx="905376" cy="369332"/>
-              </a:xfrm>
-              <a:prstGeom prst="rect">
-                <a:avLst/>
-              </a:prstGeom>
-              <a:blipFill>
-                <a:blip r:embed="rId7"/>
-                <a:stretch>
-                  <a:fillRect l="-6944" t="-10000" b="-23333"/>
-                </a:stretch>
-              </a:blipFill>
-            </p:spPr>
-            <p:txBody>
-              <a:bodyPr/>
-              <a:lstStyle/>
-              <a:p>
-                <a:r>
-                  <a:rPr lang="en-DE">
-                    <a:noFill/>
-                  </a:rPr>
-                  <a:t> </a:t>
-                </a:r>
-              </a:p>
-            </p:txBody>
-          </p:sp>
-        </mc:Fallback>
-      </mc:AlternateContent>
+        </p:grpSpPr>
+        <p:sp>
+          <p:nvSpPr>
+            <p:cNvPr id="4" name="Rounded Rectangle 3">
+              <a:extLst>
+                <a:ext uri="{FF2B5EF4-FFF2-40B4-BE49-F238E27FC236}">
+                  <a16:creationId xmlns:a16="http://schemas.microsoft.com/office/drawing/2014/main" id="{14CE1B95-6201-BF45-B7F9-B640B99E1943}"/>
+                </a:ext>
+              </a:extLst>
+            </p:cNvPr>
+            <p:cNvSpPr/>
+            <p:nvPr/>
+          </p:nvSpPr>
+          <p:spPr>
+            <a:xfrm>
+              <a:off x="4611067" y="636414"/>
+              <a:ext cx="3478846" cy="2791326"/>
+            </a:xfrm>
+            <a:prstGeom prst="roundRect">
+              <a:avLst/>
+            </a:prstGeom>
+            <a:ln w="19050"/>
+          </p:spPr>
+          <p:style>
+            <a:lnRef idx="2">
+              <a:schemeClr val="dk1"/>
+            </a:lnRef>
+            <a:fillRef idx="1">
+              <a:schemeClr val="lt1"/>
+            </a:fillRef>
+            <a:effectRef idx="0">
+              <a:schemeClr val="dk1"/>
+            </a:effectRef>
+            <a:fontRef idx="minor">
+              <a:schemeClr val="dk1"/>
+            </a:fontRef>
+          </p:style>
+          <p:txBody>
+            <a:bodyPr rtlCol="0" anchor="t"/>
+            <a:lstStyle/>
+            <a:p>
+              <a:pPr algn="ctr"/>
+              <a:r>
+                <a:rPr lang="en-DE" dirty="0">
+                  <a:latin typeface="BKM-cmtt12" panose="020B0501010101010101" pitchFamily="34" charset="2"/>
+                </a:rPr>
+                <a:t>Agent</a:t>
+              </a:r>
+            </a:p>
+          </p:txBody>
+        </p:sp>
+        <mc:AlternateContent xmlns:mc="http://schemas.openxmlformats.org/markup-compatibility/2006">
+          <mc:Choice xmlns:a14="http://schemas.microsoft.com/office/drawing/2010/main" Requires="a14">
+            <p:sp>
+              <p:nvSpPr>
+                <p:cNvPr id="5" name="Rounded Rectangle 4">
+                  <a:extLst>
+                    <a:ext uri="{FF2B5EF4-FFF2-40B4-BE49-F238E27FC236}">
+                      <a16:creationId xmlns:a16="http://schemas.microsoft.com/office/drawing/2014/main" id="{7B1C03DF-B3BD-0F4E-84AA-C4E7C5C5A9F7}"/>
+                    </a:ext>
+                  </a:extLst>
+                </p:cNvPr>
+                <p:cNvSpPr/>
+                <p:nvPr/>
+              </p:nvSpPr>
+              <p:spPr>
+                <a:xfrm>
+                  <a:off x="5608890" y="1266067"/>
+                  <a:ext cx="1483200" cy="577515"/>
+                </a:xfrm>
+                <a:prstGeom prst="roundRect">
+                  <a:avLst/>
+                </a:prstGeom>
+                <a:ln w="19050"/>
+              </p:spPr>
+              <p:style>
+                <a:lnRef idx="2">
+                  <a:schemeClr val="dk1"/>
+                </a:lnRef>
+                <a:fillRef idx="1">
+                  <a:schemeClr val="lt1"/>
+                </a:fillRef>
+                <a:effectRef idx="0">
+                  <a:schemeClr val="dk1"/>
+                </a:effectRef>
+                <a:fontRef idx="minor">
+                  <a:schemeClr val="dk1"/>
+                </a:fontRef>
+              </p:style>
+              <p:txBody>
+                <a:bodyPr rtlCol="0" anchor="ctr"/>
+                <a:lstStyle/>
+                <a:p>
+                  <a:pPr algn="ctr"/>
+                  <a:r>
+                    <a:rPr lang="en-DE" dirty="0">
+                      <a:latin typeface="BKM-cmtt12" panose="020B0501010101010101" pitchFamily="34" charset="2"/>
+                    </a:rPr>
+                    <a:t>Policy</a:t>
+                  </a:r>
+                  <a:r>
+                    <a:rPr lang="en-DE" dirty="0"/>
+                    <a:t> </a:t>
+                  </a:r>
+                  <a14:m>
+                    <m:oMath xmlns:m="http://schemas.openxmlformats.org/officeDocument/2006/math">
+                      <m:r>
+                        <a:rPr lang="en-DE" i="1" smtClean="0">
+                          <a:latin typeface="Cambria Math" panose="02040503050406030204" pitchFamily="18" charset="0"/>
+                          <a:ea typeface="Cambria Math" panose="02040503050406030204" pitchFamily="18" charset="0"/>
+                        </a:rPr>
+                        <m:t>𝜋</m:t>
+                      </m:r>
+                    </m:oMath>
+                  </a14:m>
+                  <a:endParaRPr lang="en-DE" dirty="0"/>
+                </a:p>
+              </p:txBody>
+            </p:sp>
+          </mc:Choice>
+          <mc:Fallback>
+            <p:sp>
+              <p:nvSpPr>
+                <p:cNvPr id="5" name="Rounded Rectangle 4">
+                  <a:extLst>
+                    <a:ext uri="{FF2B5EF4-FFF2-40B4-BE49-F238E27FC236}">
+                      <a16:creationId xmlns:a16="http://schemas.microsoft.com/office/drawing/2014/main" id="{7B1C03DF-B3BD-0F4E-84AA-C4E7C5C5A9F7}"/>
+                    </a:ext>
+                  </a:extLst>
+                </p:cNvPr>
+                <p:cNvSpPr>
+                  <a:spLocks noRot="1" noChangeAspect="1" noMove="1" noResize="1" noEditPoints="1" noAdjustHandles="1" noChangeArrowheads="1" noChangeShapeType="1" noTextEdit="1"/>
+                </p:cNvSpPr>
+                <p:nvPr/>
+              </p:nvSpPr>
+              <p:spPr>
+                <a:xfrm>
+                  <a:off x="5608890" y="1266067"/>
+                  <a:ext cx="1483200" cy="577515"/>
+                </a:xfrm>
+                <a:prstGeom prst="roundRect">
+                  <a:avLst/>
+                </a:prstGeom>
+                <a:blipFill>
+                  <a:blip r:embed="rId3"/>
+                  <a:stretch>
+                    <a:fillRect/>
+                  </a:stretch>
+                </a:blipFill>
+                <a:ln w="19050"/>
+              </p:spPr>
+              <p:txBody>
+                <a:bodyPr/>
+                <a:lstStyle/>
+                <a:p>
+                  <a:r>
+                    <a:rPr lang="en-DE">
+                      <a:noFill/>
+                    </a:rPr>
+                    <a:t> </a:t>
+                  </a:r>
+                </a:p>
+              </p:txBody>
+            </p:sp>
+          </mc:Fallback>
+        </mc:AlternateContent>
+        <p:sp>
+          <p:nvSpPr>
+            <p:cNvPr id="6" name="Rounded Rectangle 5">
+              <a:extLst>
+                <a:ext uri="{FF2B5EF4-FFF2-40B4-BE49-F238E27FC236}">
+                  <a16:creationId xmlns:a16="http://schemas.microsoft.com/office/drawing/2014/main" id="{AF8A7403-F7E6-CC48-95A8-8C2311B203BB}"/>
+                </a:ext>
+              </a:extLst>
+            </p:cNvPr>
+            <p:cNvSpPr/>
+            <p:nvPr/>
+          </p:nvSpPr>
+          <p:spPr>
+            <a:xfrm>
+              <a:off x="5608890" y="2483262"/>
+              <a:ext cx="1483895" cy="577515"/>
+            </a:xfrm>
+            <a:prstGeom prst="roundRect">
+              <a:avLst/>
+            </a:prstGeom>
+            <a:ln w="19050"/>
+          </p:spPr>
+          <p:style>
+            <a:lnRef idx="2">
+              <a:schemeClr val="dk1"/>
+            </a:lnRef>
+            <a:fillRef idx="1">
+              <a:schemeClr val="lt1"/>
+            </a:fillRef>
+            <a:effectRef idx="0">
+              <a:schemeClr val="dk1"/>
+            </a:effectRef>
+            <a:fontRef idx="minor">
+              <a:schemeClr val="dk1"/>
+            </a:fontRef>
+          </p:style>
+          <p:txBody>
+            <a:bodyPr rtlCol="0" anchor="ctr"/>
+            <a:lstStyle/>
+            <a:p>
+              <a:pPr algn="ctr"/>
+              <a:r>
+                <a:rPr lang="en-DE" dirty="0">
+                  <a:latin typeface="BKM-cmtt12" panose="020B0501010101010101" pitchFamily="34" charset="2"/>
+                </a:rPr>
+                <a:t>RL Algorithm</a:t>
+              </a:r>
+            </a:p>
+          </p:txBody>
+        </p:sp>
+        <p:cxnSp>
+          <p:nvCxnSpPr>
+            <p:cNvPr id="8" name="Straight Arrow Connector 7">
+              <a:extLst>
+                <a:ext uri="{FF2B5EF4-FFF2-40B4-BE49-F238E27FC236}">
+                  <a16:creationId xmlns:a16="http://schemas.microsoft.com/office/drawing/2014/main" id="{2994E9CD-C0B2-0E46-82B9-4E7BE6009764}"/>
+                </a:ext>
+              </a:extLst>
+            </p:cNvPr>
+            <p:cNvCxnSpPr>
+              <a:stCxn id="6" idx="0"/>
+              <a:endCxn id="5" idx="2"/>
+            </p:cNvCxnSpPr>
+            <p:nvPr/>
+          </p:nvCxnSpPr>
+          <p:spPr>
+            <a:xfrm flipH="1" flipV="1">
+              <a:off x="6350490" y="1843582"/>
+              <a:ext cx="348" cy="639680"/>
+            </a:xfrm>
+            <a:prstGeom prst="straightConnector1">
+              <a:avLst/>
+            </a:prstGeom>
+            <a:ln w="9525">
+              <a:tailEnd type="triangle"/>
+            </a:ln>
+          </p:spPr>
+          <p:style>
+            <a:lnRef idx="1">
+              <a:schemeClr val="dk1"/>
+            </a:lnRef>
+            <a:fillRef idx="0">
+              <a:schemeClr val="dk1"/>
+            </a:fillRef>
+            <a:effectRef idx="0">
+              <a:schemeClr val="dk1"/>
+            </a:effectRef>
+            <a:fontRef idx="minor">
+              <a:schemeClr val="tx1"/>
+            </a:fontRef>
+          </p:style>
+        </p:cxnSp>
+        <p:sp>
+          <p:nvSpPr>
+            <p:cNvPr id="9" name="TextBox 8">
+              <a:extLst>
+                <a:ext uri="{FF2B5EF4-FFF2-40B4-BE49-F238E27FC236}">
+                  <a16:creationId xmlns:a16="http://schemas.microsoft.com/office/drawing/2014/main" id="{33440869-735D-584C-9B74-B2A2085C7529}"/>
+                </a:ext>
+              </a:extLst>
+            </p:cNvPr>
+            <p:cNvSpPr txBox="1"/>
+            <p:nvPr/>
+          </p:nvSpPr>
+          <p:spPr>
+            <a:xfrm>
+              <a:off x="6350142" y="1848233"/>
+              <a:ext cx="930442" cy="646331"/>
+            </a:xfrm>
+            <a:prstGeom prst="rect">
+              <a:avLst/>
+            </a:prstGeom>
+            <a:noFill/>
+          </p:spPr>
+          <p:txBody>
+            <a:bodyPr wrap="square" rtlCol="0">
+              <a:spAutoFit/>
+            </a:bodyPr>
+            <a:lstStyle/>
+            <a:p>
+              <a:r>
+                <a:rPr lang="en-DE" dirty="0">
+                  <a:latin typeface="BKM-cmtt12" panose="020B0501010101010101" pitchFamily="34" charset="2"/>
+                </a:rPr>
+                <a:t>Policy Update</a:t>
+              </a:r>
+            </a:p>
+          </p:txBody>
+        </p:sp>
+        <p:cxnSp>
+          <p:nvCxnSpPr>
+            <p:cNvPr id="13" name="Straight Arrow Connector 12">
+              <a:extLst>
+                <a:ext uri="{FF2B5EF4-FFF2-40B4-BE49-F238E27FC236}">
+                  <a16:creationId xmlns:a16="http://schemas.microsoft.com/office/drawing/2014/main" id="{5C02FB6D-7E44-2E41-A0C3-5C533241419F}"/>
+                </a:ext>
+              </a:extLst>
+            </p:cNvPr>
+            <p:cNvCxnSpPr>
+              <a:cxnSpLocks/>
+              <a:stCxn id="5" idx="3"/>
+            </p:cNvCxnSpPr>
+            <p:nvPr/>
+          </p:nvCxnSpPr>
+          <p:spPr>
+            <a:xfrm flipV="1">
+              <a:off x="7092090" y="1551156"/>
+              <a:ext cx="997823" cy="3669"/>
+            </a:xfrm>
+            <a:prstGeom prst="straightConnector1">
+              <a:avLst/>
+            </a:prstGeom>
+            <a:ln w="9525">
+              <a:tailEnd type="triangle"/>
+            </a:ln>
+          </p:spPr>
+          <p:style>
+            <a:lnRef idx="1">
+              <a:schemeClr val="dk1"/>
+            </a:lnRef>
+            <a:fillRef idx="0">
+              <a:schemeClr val="dk1"/>
+            </a:fillRef>
+            <a:effectRef idx="0">
+              <a:schemeClr val="dk1"/>
+            </a:effectRef>
+            <a:fontRef idx="minor">
+              <a:schemeClr val="tx1"/>
+            </a:fontRef>
+          </p:style>
+        </p:cxnSp>
+        <p:sp>
+          <p:nvSpPr>
+            <p:cNvPr id="14" name="Oval 13">
+              <a:extLst>
+                <a:ext uri="{FF2B5EF4-FFF2-40B4-BE49-F238E27FC236}">
+                  <a16:creationId xmlns:a16="http://schemas.microsoft.com/office/drawing/2014/main" id="{CAEE7703-C20B-6E4E-99AA-FBECC878083C}"/>
+                </a:ext>
+              </a:extLst>
+            </p:cNvPr>
+            <p:cNvSpPr>
+              <a:spLocks noChangeAspect="1"/>
+            </p:cNvSpPr>
+            <p:nvPr/>
+          </p:nvSpPr>
+          <p:spPr>
+            <a:xfrm>
+              <a:off x="7749939" y="1518232"/>
+              <a:ext cx="66926" cy="64800"/>
+            </a:xfrm>
+            <a:prstGeom prst="ellipse">
+              <a:avLst/>
+            </a:prstGeom>
+            <a:ln/>
+          </p:spPr>
+          <p:style>
+            <a:lnRef idx="2">
+              <a:schemeClr val="dk1">
+                <a:shade val="15000"/>
+              </a:schemeClr>
+            </a:lnRef>
+            <a:fillRef idx="1">
+              <a:schemeClr val="dk1"/>
+            </a:fillRef>
+            <a:effectRef idx="0">
+              <a:schemeClr val="dk1"/>
+            </a:effectRef>
+            <a:fontRef idx="minor">
+              <a:schemeClr val="lt1"/>
+            </a:fontRef>
+          </p:style>
+          <p:txBody>
+            <a:bodyPr rtlCol="0" anchor="ctr"/>
+            <a:lstStyle/>
+            <a:p>
+              <a:pPr algn="ctr"/>
+              <a:endParaRPr lang="en-DE"/>
+            </a:p>
+          </p:txBody>
+        </p:sp>
+        <p:cxnSp>
+          <p:nvCxnSpPr>
+            <p:cNvPr id="19" name="Straight Arrow Connector 18">
+              <a:extLst>
+                <a:ext uri="{FF2B5EF4-FFF2-40B4-BE49-F238E27FC236}">
+                  <a16:creationId xmlns:a16="http://schemas.microsoft.com/office/drawing/2014/main" id="{4DEBFA68-5F38-514D-8914-EC9DD5EB3361}"/>
+                </a:ext>
+              </a:extLst>
+            </p:cNvPr>
+            <p:cNvCxnSpPr>
+              <a:stCxn id="14" idx="4"/>
+            </p:cNvCxnSpPr>
+            <p:nvPr/>
+          </p:nvCxnSpPr>
+          <p:spPr>
+            <a:xfrm rot="5400000">
+              <a:off x="6835316" y="1839808"/>
+              <a:ext cx="1204862" cy="691311"/>
+            </a:xfrm>
+            <a:prstGeom prst="bentConnector3">
+              <a:avLst>
+                <a:gd name="adj1" fmla="val 100020"/>
+              </a:avLst>
+            </a:prstGeom>
+            <a:ln w="9525">
+              <a:tailEnd type="triangle"/>
+            </a:ln>
+          </p:spPr>
+          <p:style>
+            <a:lnRef idx="1">
+              <a:schemeClr val="dk1"/>
+            </a:lnRef>
+            <a:fillRef idx="0">
+              <a:schemeClr val="dk1"/>
+            </a:fillRef>
+            <a:effectRef idx="0">
+              <a:schemeClr val="dk1"/>
+            </a:effectRef>
+            <a:fontRef idx="minor">
+              <a:schemeClr val="tx1"/>
+            </a:fontRef>
+          </p:style>
+        </p:cxnSp>
+        <p:sp>
+          <p:nvSpPr>
+            <p:cNvPr id="22" name="Rounded Rectangle 21">
+              <a:extLst>
+                <a:ext uri="{FF2B5EF4-FFF2-40B4-BE49-F238E27FC236}">
+                  <a16:creationId xmlns:a16="http://schemas.microsoft.com/office/drawing/2014/main" id="{87B06D59-F7F1-F84C-927F-575760FB292D}"/>
+                </a:ext>
+              </a:extLst>
+            </p:cNvPr>
+            <p:cNvSpPr/>
+            <p:nvPr/>
+          </p:nvSpPr>
+          <p:spPr>
+            <a:xfrm>
+              <a:off x="5346393" y="4078747"/>
+              <a:ext cx="2008194" cy="504063"/>
+            </a:xfrm>
+            <a:prstGeom prst="roundRect">
+              <a:avLst/>
+            </a:prstGeom>
+            <a:ln w="19050"/>
+          </p:spPr>
+          <p:style>
+            <a:lnRef idx="2">
+              <a:schemeClr val="dk1"/>
+            </a:lnRef>
+            <a:fillRef idx="1">
+              <a:schemeClr val="lt1"/>
+            </a:fillRef>
+            <a:effectRef idx="0">
+              <a:schemeClr val="dk1"/>
+            </a:effectRef>
+            <a:fontRef idx="minor">
+              <a:schemeClr val="dk1"/>
+            </a:fontRef>
+          </p:style>
+          <p:txBody>
+            <a:bodyPr rtlCol="0" anchor="ctr"/>
+            <a:lstStyle/>
+            <a:p>
+              <a:pPr algn="ctr"/>
+              <a:r>
+                <a:rPr lang="en-DE" dirty="0">
+                  <a:latin typeface="BKM-cmtt12" panose="020B0501010101010101" pitchFamily="34" charset="2"/>
+                </a:rPr>
+                <a:t>Environment</a:t>
+              </a:r>
+            </a:p>
+          </p:txBody>
+        </p:sp>
+        <p:cxnSp>
+          <p:nvCxnSpPr>
+            <p:cNvPr id="24" name="Straight Arrow Connector 23">
+              <a:extLst>
+                <a:ext uri="{FF2B5EF4-FFF2-40B4-BE49-F238E27FC236}">
+                  <a16:creationId xmlns:a16="http://schemas.microsoft.com/office/drawing/2014/main" id="{1A575D97-5121-8C4D-9A45-0C203500BEE3}"/>
+                </a:ext>
+              </a:extLst>
+            </p:cNvPr>
+            <p:cNvCxnSpPr>
+              <a:cxnSpLocks/>
+              <a:endCxn id="22" idx="3"/>
+            </p:cNvCxnSpPr>
+            <p:nvPr/>
+          </p:nvCxnSpPr>
+          <p:spPr>
+            <a:xfrm rot="5400000">
+              <a:off x="6861146" y="2040927"/>
+              <a:ext cx="2783293" cy="1796410"/>
+            </a:xfrm>
+            <a:prstGeom prst="bentConnector2">
+              <a:avLst/>
+            </a:prstGeom>
+            <a:ln w="9525">
+              <a:tailEnd type="triangle"/>
+            </a:ln>
+          </p:spPr>
+          <p:style>
+            <a:lnRef idx="1">
+              <a:schemeClr val="dk1"/>
+            </a:lnRef>
+            <a:fillRef idx="0">
+              <a:schemeClr val="dk1"/>
+            </a:fillRef>
+            <a:effectRef idx="0">
+              <a:schemeClr val="dk1"/>
+            </a:effectRef>
+            <a:fontRef idx="minor">
+              <a:schemeClr val="tx1"/>
+            </a:fontRef>
+          </p:style>
+        </p:cxnSp>
+        <p:cxnSp>
+          <p:nvCxnSpPr>
+            <p:cNvPr id="27" name="Straight Connector 26">
+              <a:extLst>
+                <a:ext uri="{FF2B5EF4-FFF2-40B4-BE49-F238E27FC236}">
+                  <a16:creationId xmlns:a16="http://schemas.microsoft.com/office/drawing/2014/main" id="{6B624B22-DE26-A042-A8FD-3950D720AD72}"/>
+                </a:ext>
+              </a:extLst>
+            </p:cNvPr>
+            <p:cNvCxnSpPr>
+              <a:cxnSpLocks/>
+            </p:cNvCxnSpPr>
+            <p:nvPr/>
+          </p:nvCxnSpPr>
+          <p:spPr>
+            <a:xfrm flipV="1">
+              <a:off x="8089913" y="1551155"/>
+              <a:ext cx="1061084" cy="1"/>
+            </a:xfrm>
+            <a:prstGeom prst="line">
+              <a:avLst/>
+            </a:prstGeom>
+          </p:spPr>
+          <p:style>
+            <a:lnRef idx="1">
+              <a:schemeClr val="dk1"/>
+            </a:lnRef>
+            <a:fillRef idx="0">
+              <a:schemeClr val="dk1"/>
+            </a:fillRef>
+            <a:effectRef idx="0">
+              <a:schemeClr val="dk1"/>
+            </a:effectRef>
+            <a:fontRef idx="minor">
+              <a:schemeClr val="tx1"/>
+            </a:fontRef>
+          </p:style>
+        </p:cxnSp>
+        <mc:AlternateContent xmlns:mc="http://schemas.openxmlformats.org/markup-compatibility/2006">
+          <mc:Choice xmlns:a14="http://schemas.microsoft.com/office/drawing/2010/main" Requires="a14">
+            <p:sp>
+              <p:nvSpPr>
+                <p:cNvPr id="28" name="TextBox 27">
+                  <a:extLst>
+                    <a:ext uri="{FF2B5EF4-FFF2-40B4-BE49-F238E27FC236}">
+                      <a16:creationId xmlns:a16="http://schemas.microsoft.com/office/drawing/2014/main" id="{A363B839-10A3-7B43-8670-133E55F0D08E}"/>
+                    </a:ext>
+                  </a:extLst>
+                </p:cNvPr>
+                <p:cNvSpPr txBox="1"/>
+                <p:nvPr/>
+              </p:nvSpPr>
+              <p:spPr>
+                <a:xfrm>
+                  <a:off x="9122661" y="1567672"/>
+                  <a:ext cx="1231043" cy="369332"/>
+                </a:xfrm>
+                <a:prstGeom prst="rect">
+                  <a:avLst/>
+                </a:prstGeom>
+                <a:noFill/>
+              </p:spPr>
+              <p:txBody>
+                <a:bodyPr wrap="none" rtlCol="0">
+                  <a:spAutoFit/>
+                </a:bodyPr>
+                <a:lstStyle/>
+                <a:p>
+                  <a:r>
+                    <a:rPr lang="en-DE" dirty="0">
+                      <a:latin typeface="BKM-cmtt12" panose="020B0501010101010101" pitchFamily="34" charset="2"/>
+                    </a:rPr>
+                    <a:t>Action </a:t>
+                  </a:r>
+                  <a14:m>
+                    <m:oMath xmlns:m="http://schemas.openxmlformats.org/officeDocument/2006/math">
+                      <m:sSub>
+                        <m:sSubPr>
+                          <m:ctrlPr>
+                            <a:rPr lang="de-DE" b="0" i="1" smtClean="0">
+                              <a:latin typeface="Cambria Math" panose="02040503050406030204" pitchFamily="18" charset="0"/>
+                            </a:rPr>
+                          </m:ctrlPr>
+                        </m:sSubPr>
+                        <m:e>
+                          <m:r>
+                            <a:rPr lang="de-DE" b="0" i="1" smtClean="0">
+                              <a:latin typeface="Cambria Math" panose="02040503050406030204" pitchFamily="18" charset="0"/>
+                            </a:rPr>
+                            <m:t>𝑎</m:t>
+                          </m:r>
+                        </m:e>
+                        <m:sub>
+                          <m:r>
+                            <a:rPr lang="de-DE" b="0" i="1" smtClean="0">
+                              <a:latin typeface="Cambria Math" panose="02040503050406030204" pitchFamily="18" charset="0"/>
+                            </a:rPr>
+                            <m:t>𝑡</m:t>
+                          </m:r>
+                        </m:sub>
+                      </m:sSub>
+                    </m:oMath>
+                  </a14:m>
+                  <a:endParaRPr lang="en-DE" dirty="0">
+                    <a:latin typeface="BKM-cmtt12" panose="020B0501010101010101" pitchFamily="34" charset="2"/>
+                  </a:endParaRPr>
+                </a:p>
+              </p:txBody>
+            </p:sp>
+          </mc:Choice>
+          <mc:Fallback>
+            <p:sp>
+              <p:nvSpPr>
+                <p:cNvPr id="28" name="TextBox 27">
+                  <a:extLst>
+                    <a:ext uri="{FF2B5EF4-FFF2-40B4-BE49-F238E27FC236}">
+                      <a16:creationId xmlns:a16="http://schemas.microsoft.com/office/drawing/2014/main" id="{A363B839-10A3-7B43-8670-133E55F0D08E}"/>
+                    </a:ext>
+                  </a:extLst>
+                </p:cNvPr>
+                <p:cNvSpPr txBox="1">
+                  <a:spLocks noRot="1" noChangeAspect="1" noMove="1" noResize="1" noEditPoints="1" noAdjustHandles="1" noChangeArrowheads="1" noChangeShapeType="1" noTextEdit="1"/>
+                </p:cNvSpPr>
+                <p:nvPr/>
+              </p:nvSpPr>
+              <p:spPr>
+                <a:xfrm>
+                  <a:off x="9122661" y="1567672"/>
+                  <a:ext cx="1231043" cy="369332"/>
+                </a:xfrm>
+                <a:prstGeom prst="rect">
+                  <a:avLst/>
+                </a:prstGeom>
+                <a:blipFill>
+                  <a:blip r:embed="rId4"/>
+                  <a:stretch>
+                    <a:fillRect l="-3448" t="-7895"/>
+                  </a:stretch>
+                </a:blipFill>
+              </p:spPr>
+              <p:txBody>
+                <a:bodyPr/>
+                <a:lstStyle/>
+                <a:p>
+                  <a:r>
+                    <a:rPr lang="en-DE">
+                      <a:noFill/>
+                    </a:rPr>
+                    <a:t> </a:t>
+                  </a:r>
+                </a:p>
+              </p:txBody>
+            </p:sp>
+          </mc:Fallback>
+        </mc:AlternateContent>
+        <p:sp>
+          <p:nvSpPr>
+            <p:cNvPr id="29" name="Oval 28">
+              <a:extLst>
+                <a:ext uri="{FF2B5EF4-FFF2-40B4-BE49-F238E27FC236}">
+                  <a16:creationId xmlns:a16="http://schemas.microsoft.com/office/drawing/2014/main" id="{DCB837CD-D876-7E47-AF2F-272A32745FCC}"/>
+                </a:ext>
+              </a:extLst>
+            </p:cNvPr>
+            <p:cNvSpPr>
+              <a:spLocks noChangeAspect="1"/>
+            </p:cNvSpPr>
+            <p:nvPr/>
+          </p:nvSpPr>
+          <p:spPr>
+            <a:xfrm>
+              <a:off x="4850241" y="1521406"/>
+              <a:ext cx="66926" cy="64800"/>
+            </a:xfrm>
+            <a:prstGeom prst="ellipse">
+              <a:avLst/>
+            </a:prstGeom>
+            <a:ln/>
+          </p:spPr>
+          <p:style>
+            <a:lnRef idx="2">
+              <a:schemeClr val="dk1">
+                <a:shade val="15000"/>
+              </a:schemeClr>
+            </a:lnRef>
+            <a:fillRef idx="1">
+              <a:schemeClr val="dk1"/>
+            </a:fillRef>
+            <a:effectRef idx="0">
+              <a:schemeClr val="dk1"/>
+            </a:effectRef>
+            <a:fontRef idx="minor">
+              <a:schemeClr val="lt1"/>
+            </a:fontRef>
+          </p:style>
+          <p:txBody>
+            <a:bodyPr rtlCol="0" anchor="ctr"/>
+            <a:lstStyle/>
+            <a:p>
+              <a:pPr algn="ctr"/>
+              <a:endParaRPr lang="en-DE"/>
+            </a:p>
+          </p:txBody>
+        </p:sp>
+        <p:cxnSp>
+          <p:nvCxnSpPr>
+            <p:cNvPr id="31" name="Straight Arrow Connector 30">
+              <a:extLst>
+                <a:ext uri="{FF2B5EF4-FFF2-40B4-BE49-F238E27FC236}">
+                  <a16:creationId xmlns:a16="http://schemas.microsoft.com/office/drawing/2014/main" id="{C95405E9-3A15-D340-B142-F5A423F4421D}"/>
+                </a:ext>
+              </a:extLst>
+            </p:cNvPr>
+            <p:cNvCxnSpPr>
+              <a:cxnSpLocks/>
+              <a:endCxn id="5" idx="1"/>
+            </p:cNvCxnSpPr>
+            <p:nvPr/>
+          </p:nvCxnSpPr>
+          <p:spPr>
+            <a:xfrm>
+              <a:off x="4611067" y="1554825"/>
+              <a:ext cx="997823" cy="0"/>
+            </a:xfrm>
+            <a:prstGeom prst="straightConnector1">
+              <a:avLst/>
+            </a:prstGeom>
+            <a:ln w="9525">
+              <a:tailEnd type="triangle"/>
+            </a:ln>
+          </p:spPr>
+          <p:style>
+            <a:lnRef idx="1">
+              <a:schemeClr val="dk1"/>
+            </a:lnRef>
+            <a:fillRef idx="0">
+              <a:schemeClr val="dk1"/>
+            </a:fillRef>
+            <a:effectRef idx="0">
+              <a:schemeClr val="dk1"/>
+            </a:effectRef>
+            <a:fontRef idx="minor">
+              <a:schemeClr val="tx1"/>
+            </a:fontRef>
+          </p:style>
+        </p:cxnSp>
+        <p:cxnSp>
+          <p:nvCxnSpPr>
+            <p:cNvPr id="33" name="Straight Arrow Connector 32">
+              <a:extLst>
+                <a:ext uri="{FF2B5EF4-FFF2-40B4-BE49-F238E27FC236}">
+                  <a16:creationId xmlns:a16="http://schemas.microsoft.com/office/drawing/2014/main" id="{4BBFAA62-07D5-3242-9DCF-84ABA2DDDED7}"/>
+                </a:ext>
+              </a:extLst>
+            </p:cNvPr>
+            <p:cNvCxnSpPr>
+              <a:stCxn id="29" idx="4"/>
+            </p:cNvCxnSpPr>
+            <p:nvPr/>
+          </p:nvCxnSpPr>
+          <p:spPr>
+            <a:xfrm rot="16200000" flipH="1">
+              <a:off x="4643865" y="1826044"/>
+              <a:ext cx="1204862" cy="725185"/>
+            </a:xfrm>
+            <a:prstGeom prst="bentConnector3">
+              <a:avLst>
+                <a:gd name="adj1" fmla="val 100020"/>
+              </a:avLst>
+            </a:prstGeom>
+            <a:ln w="9525">
+              <a:tailEnd type="triangle"/>
+            </a:ln>
+          </p:spPr>
+          <p:style>
+            <a:lnRef idx="1">
+              <a:schemeClr val="dk1"/>
+            </a:lnRef>
+            <a:fillRef idx="0">
+              <a:schemeClr val="dk1"/>
+            </a:fillRef>
+            <a:effectRef idx="0">
+              <a:schemeClr val="dk1"/>
+            </a:effectRef>
+            <a:fontRef idx="minor">
+              <a:schemeClr val="tx1"/>
+            </a:fontRef>
+          </p:style>
+        </p:cxnSp>
+        <p:cxnSp>
+          <p:nvCxnSpPr>
+            <p:cNvPr id="37" name="Straight Arrow Connector 36">
+              <a:extLst>
+                <a:ext uri="{FF2B5EF4-FFF2-40B4-BE49-F238E27FC236}">
+                  <a16:creationId xmlns:a16="http://schemas.microsoft.com/office/drawing/2014/main" id="{98DB4A57-883C-8B4A-94F4-DF249A21AF4C}"/>
+                </a:ext>
+              </a:extLst>
+            </p:cNvPr>
+            <p:cNvCxnSpPr>
+              <a:cxnSpLocks/>
+            </p:cNvCxnSpPr>
+            <p:nvPr/>
+          </p:nvCxnSpPr>
+          <p:spPr>
+            <a:xfrm>
+              <a:off x="3578318" y="1554330"/>
+              <a:ext cx="1036800" cy="0"/>
+            </a:xfrm>
+            <a:prstGeom prst="straightConnector1">
+              <a:avLst/>
+            </a:prstGeom>
+            <a:ln w="9525">
+              <a:tailEnd type="triangle"/>
+            </a:ln>
+          </p:spPr>
+          <p:style>
+            <a:lnRef idx="1">
+              <a:schemeClr val="dk1"/>
+            </a:lnRef>
+            <a:fillRef idx="0">
+              <a:schemeClr val="dk1"/>
+            </a:fillRef>
+            <a:effectRef idx="0">
+              <a:schemeClr val="dk1"/>
+            </a:effectRef>
+            <a:fontRef idx="minor">
+              <a:schemeClr val="tx1"/>
+            </a:fontRef>
+          </p:style>
+        </p:cxnSp>
+        <p:cxnSp>
+          <p:nvCxnSpPr>
+            <p:cNvPr id="38" name="Straight Connector 37">
+              <a:extLst>
+                <a:ext uri="{FF2B5EF4-FFF2-40B4-BE49-F238E27FC236}">
+                  <a16:creationId xmlns:a16="http://schemas.microsoft.com/office/drawing/2014/main" id="{2C6B8B91-08D9-0A44-9FED-BF0463199919}"/>
+                </a:ext>
+              </a:extLst>
+            </p:cNvPr>
+            <p:cNvCxnSpPr>
+              <a:cxnSpLocks/>
+            </p:cNvCxnSpPr>
+            <p:nvPr/>
+          </p:nvCxnSpPr>
+          <p:spPr>
+            <a:xfrm>
+              <a:off x="3578318" y="4319451"/>
+              <a:ext cx="1767600" cy="0"/>
+            </a:xfrm>
+            <a:prstGeom prst="line">
+              <a:avLst/>
+            </a:prstGeom>
+          </p:spPr>
+          <p:style>
+            <a:lnRef idx="1">
+              <a:schemeClr val="dk1"/>
+            </a:lnRef>
+            <a:fillRef idx="0">
+              <a:schemeClr val="dk1"/>
+            </a:fillRef>
+            <a:effectRef idx="0">
+              <a:schemeClr val="dk1"/>
+            </a:effectRef>
+            <a:fontRef idx="minor">
+              <a:schemeClr val="tx1"/>
+            </a:fontRef>
+          </p:style>
+        </p:cxnSp>
+        <p:cxnSp>
+          <p:nvCxnSpPr>
+            <p:cNvPr id="41" name="Straight Connector 40">
+              <a:extLst>
+                <a:ext uri="{FF2B5EF4-FFF2-40B4-BE49-F238E27FC236}">
+                  <a16:creationId xmlns:a16="http://schemas.microsoft.com/office/drawing/2014/main" id="{66767187-1120-374F-A2CF-6078ADEE7BEA}"/>
+                </a:ext>
+              </a:extLst>
+            </p:cNvPr>
+            <p:cNvCxnSpPr>
+              <a:cxnSpLocks/>
+            </p:cNvCxnSpPr>
+            <p:nvPr/>
+          </p:nvCxnSpPr>
+          <p:spPr>
+            <a:xfrm>
+              <a:off x="3578318" y="1555165"/>
+              <a:ext cx="0" cy="2764800"/>
+            </a:xfrm>
+            <a:prstGeom prst="line">
+              <a:avLst/>
+            </a:prstGeom>
+            <a:ln w="9525"/>
+          </p:spPr>
+          <p:style>
+            <a:lnRef idx="1">
+              <a:schemeClr val="dk1"/>
+            </a:lnRef>
+            <a:fillRef idx="0">
+              <a:schemeClr val="dk1"/>
+            </a:fillRef>
+            <a:effectRef idx="0">
+              <a:schemeClr val="dk1"/>
+            </a:effectRef>
+            <a:fontRef idx="minor">
+              <a:schemeClr val="tx1"/>
+            </a:fontRef>
+          </p:style>
+        </p:cxnSp>
+        <mc:AlternateContent xmlns:mc="http://schemas.openxmlformats.org/markup-compatibility/2006">
+          <mc:Choice xmlns:a14="http://schemas.microsoft.com/office/drawing/2010/main" Requires="a14">
+            <p:sp>
+              <p:nvSpPr>
+                <p:cNvPr id="44" name="TextBox 43">
+                  <a:extLst>
+                    <a:ext uri="{FF2B5EF4-FFF2-40B4-BE49-F238E27FC236}">
+                      <a16:creationId xmlns:a16="http://schemas.microsoft.com/office/drawing/2014/main" id="{C20D4D30-6B3D-C148-B038-E732687E48BA}"/>
+                    </a:ext>
+                  </a:extLst>
+                </p:cNvPr>
+                <p:cNvSpPr txBox="1"/>
+                <p:nvPr/>
+              </p:nvSpPr>
+              <p:spPr>
+                <a:xfrm>
+                  <a:off x="1791127" y="1551155"/>
+                  <a:ext cx="1812035" cy="369332"/>
+                </a:xfrm>
+                <a:prstGeom prst="rect">
+                  <a:avLst/>
+                </a:prstGeom>
+                <a:noFill/>
+              </p:spPr>
+              <p:txBody>
+                <a:bodyPr wrap="none" rtlCol="0">
+                  <a:spAutoFit/>
+                </a:bodyPr>
+                <a:lstStyle/>
+                <a:p>
+                  <a:r>
+                    <a:rPr lang="en-DE" dirty="0">
+                      <a:latin typeface="BKM-cmtt12" panose="020B0501010101010101" pitchFamily="34" charset="2"/>
+                    </a:rPr>
+                    <a:t>Observation </a:t>
+                  </a:r>
+                  <a14:m>
+                    <m:oMath xmlns:m="http://schemas.openxmlformats.org/officeDocument/2006/math">
+                      <m:sSub>
+                        <m:sSubPr>
+                          <m:ctrlPr>
+                            <a:rPr lang="de-DE" b="0" i="1" smtClean="0">
+                              <a:latin typeface="Cambria Math" panose="02040503050406030204" pitchFamily="18" charset="0"/>
+                            </a:rPr>
+                          </m:ctrlPr>
+                        </m:sSubPr>
+                        <m:e>
+                          <m:r>
+                            <a:rPr lang="de-DE" b="0" i="1" smtClean="0">
+                              <a:latin typeface="Cambria Math" panose="02040503050406030204" pitchFamily="18" charset="0"/>
+                            </a:rPr>
+                            <m:t>𝑜</m:t>
+                          </m:r>
+                        </m:e>
+                        <m:sub>
+                          <m:r>
+                            <a:rPr lang="de-DE" b="0" i="1" smtClean="0">
+                              <a:latin typeface="Cambria Math" panose="02040503050406030204" pitchFamily="18" charset="0"/>
+                            </a:rPr>
+                            <m:t>𝑡</m:t>
+                          </m:r>
+                        </m:sub>
+                      </m:sSub>
+                    </m:oMath>
+                  </a14:m>
+                  <a:endParaRPr lang="en-DE" dirty="0">
+                    <a:latin typeface="BKM-cmtt12" panose="020B0501010101010101" pitchFamily="34" charset="2"/>
+                  </a:endParaRPr>
+                </a:p>
+              </p:txBody>
+            </p:sp>
+          </mc:Choice>
+          <mc:Fallback>
+            <p:sp>
+              <p:nvSpPr>
+                <p:cNvPr id="44" name="TextBox 43">
+                  <a:extLst>
+                    <a:ext uri="{FF2B5EF4-FFF2-40B4-BE49-F238E27FC236}">
+                      <a16:creationId xmlns:a16="http://schemas.microsoft.com/office/drawing/2014/main" id="{C20D4D30-6B3D-C148-B038-E732687E48BA}"/>
+                    </a:ext>
+                  </a:extLst>
+                </p:cNvPr>
+                <p:cNvSpPr txBox="1">
+                  <a:spLocks noRot="1" noChangeAspect="1" noMove="1" noResize="1" noEditPoints="1" noAdjustHandles="1" noChangeArrowheads="1" noChangeShapeType="1" noTextEdit="1"/>
+                </p:cNvSpPr>
+                <p:nvPr/>
+              </p:nvSpPr>
+              <p:spPr>
+                <a:xfrm>
+                  <a:off x="1791127" y="1551155"/>
+                  <a:ext cx="1812035" cy="369332"/>
+                </a:xfrm>
+                <a:prstGeom prst="rect">
+                  <a:avLst/>
+                </a:prstGeom>
+                <a:blipFill>
+                  <a:blip r:embed="rId5"/>
+                  <a:stretch>
+                    <a:fillRect l="-2367" t="-5263"/>
+                  </a:stretch>
+                </a:blipFill>
+              </p:spPr>
+              <p:txBody>
+                <a:bodyPr/>
+                <a:lstStyle/>
+                <a:p>
+                  <a:r>
+                    <a:rPr lang="en-DE">
+                      <a:noFill/>
+                    </a:rPr>
+                    <a:t> </a:t>
+                  </a:r>
+                </a:p>
+              </p:txBody>
+            </p:sp>
+          </mc:Fallback>
+        </mc:AlternateContent>
+        <p:cxnSp>
+          <p:nvCxnSpPr>
+            <p:cNvPr id="46" name="Straight Arrow Connector 45">
+              <a:extLst>
+                <a:ext uri="{FF2B5EF4-FFF2-40B4-BE49-F238E27FC236}">
+                  <a16:creationId xmlns:a16="http://schemas.microsoft.com/office/drawing/2014/main" id="{ECE096B7-8DFF-8940-AB4A-C293D84A1BFE}"/>
+                </a:ext>
+              </a:extLst>
+            </p:cNvPr>
+            <p:cNvCxnSpPr>
+              <a:stCxn id="22" idx="0"/>
+              <a:endCxn id="4" idx="2"/>
+            </p:cNvCxnSpPr>
+            <p:nvPr/>
+          </p:nvCxnSpPr>
+          <p:spPr>
+            <a:xfrm flipV="1">
+              <a:off x="6350490" y="3427740"/>
+              <a:ext cx="0" cy="651007"/>
+            </a:xfrm>
+            <a:prstGeom prst="straightConnector1">
+              <a:avLst/>
+            </a:prstGeom>
+            <a:ln w="9525">
+              <a:tailEnd type="triangle"/>
+            </a:ln>
+          </p:spPr>
+          <p:style>
+            <a:lnRef idx="1">
+              <a:schemeClr val="dk1"/>
+            </a:lnRef>
+            <a:fillRef idx="0">
+              <a:schemeClr val="dk1"/>
+            </a:fillRef>
+            <a:effectRef idx="0">
+              <a:schemeClr val="dk1"/>
+            </a:effectRef>
+            <a:fontRef idx="minor">
+              <a:schemeClr val="tx1"/>
+            </a:fontRef>
+          </p:style>
+        </p:cxnSp>
+        <p:cxnSp>
+          <p:nvCxnSpPr>
+            <p:cNvPr id="50" name="Straight Arrow Connector 49">
+              <a:extLst>
+                <a:ext uri="{FF2B5EF4-FFF2-40B4-BE49-F238E27FC236}">
+                  <a16:creationId xmlns:a16="http://schemas.microsoft.com/office/drawing/2014/main" id="{0D4BF8E5-B79A-6143-B0E8-3AAA41505B77}"/>
+                </a:ext>
+              </a:extLst>
+            </p:cNvPr>
+            <p:cNvCxnSpPr>
+              <a:stCxn id="4" idx="2"/>
+            </p:cNvCxnSpPr>
+            <p:nvPr/>
+          </p:nvCxnSpPr>
+          <p:spPr>
+            <a:xfrm flipV="1">
+              <a:off x="6350490" y="3060777"/>
+              <a:ext cx="0" cy="366963"/>
+            </a:xfrm>
+            <a:prstGeom prst="straightConnector1">
+              <a:avLst/>
+            </a:prstGeom>
+            <a:ln w="9525">
+              <a:tailEnd type="triangle"/>
+            </a:ln>
+          </p:spPr>
+          <p:style>
+            <a:lnRef idx="1">
+              <a:schemeClr val="dk1"/>
+            </a:lnRef>
+            <a:fillRef idx="0">
+              <a:schemeClr val="dk1"/>
+            </a:fillRef>
+            <a:effectRef idx="0">
+              <a:schemeClr val="dk1"/>
+            </a:effectRef>
+            <a:fontRef idx="minor">
+              <a:schemeClr val="tx1"/>
+            </a:fontRef>
+          </p:style>
+        </p:cxnSp>
+        <mc:AlternateContent xmlns:mc="http://schemas.openxmlformats.org/markup-compatibility/2006">
+          <mc:Choice xmlns:a14="http://schemas.microsoft.com/office/drawing/2010/main" Requires="a14">
+            <p:sp>
+              <p:nvSpPr>
+                <p:cNvPr id="51" name="TextBox 50">
+                  <a:extLst>
+                    <a:ext uri="{FF2B5EF4-FFF2-40B4-BE49-F238E27FC236}">
+                      <a16:creationId xmlns:a16="http://schemas.microsoft.com/office/drawing/2014/main" id="{BB41E694-D346-3048-BBFC-E426657607F3}"/>
+                    </a:ext>
+                  </a:extLst>
+                </p:cNvPr>
+                <p:cNvSpPr txBox="1"/>
+                <p:nvPr/>
+              </p:nvSpPr>
+              <p:spPr>
+                <a:xfrm>
+                  <a:off x="6309452" y="3562571"/>
+                  <a:ext cx="1186415" cy="369332"/>
+                </a:xfrm>
+                <a:prstGeom prst="rect">
+                  <a:avLst/>
+                </a:prstGeom>
+                <a:noFill/>
+              </p:spPr>
+              <p:txBody>
+                <a:bodyPr wrap="none" rtlCol="0">
+                  <a:spAutoFit/>
+                </a:bodyPr>
+                <a:lstStyle/>
+                <a:p>
+                  <a:r>
+                    <a:rPr lang="en-DE" dirty="0">
+                      <a:latin typeface="BKM-cmtt12" panose="020B0501010101010101" pitchFamily="34" charset="2"/>
+                    </a:rPr>
+                    <a:t>Reward </a:t>
+                  </a:r>
+                  <a14:m>
+                    <m:oMath xmlns:m="http://schemas.openxmlformats.org/officeDocument/2006/math">
+                      <m:sSub>
+                        <m:sSubPr>
+                          <m:ctrlPr>
+                            <a:rPr lang="de-DE" b="0" i="1" smtClean="0">
+                              <a:latin typeface="Cambria Math" panose="02040503050406030204" pitchFamily="18" charset="0"/>
+                            </a:rPr>
+                          </m:ctrlPr>
+                        </m:sSubPr>
+                        <m:e>
+                          <m:r>
+                            <a:rPr lang="de-DE" b="0" i="1" smtClean="0">
+                              <a:latin typeface="Cambria Math" panose="02040503050406030204" pitchFamily="18" charset="0"/>
+                            </a:rPr>
+                            <m:t>𝑟</m:t>
+                          </m:r>
+                        </m:e>
+                        <m:sub>
+                          <m:r>
+                            <a:rPr lang="de-DE" b="0" i="1" smtClean="0">
+                              <a:latin typeface="Cambria Math" panose="02040503050406030204" pitchFamily="18" charset="0"/>
+                            </a:rPr>
+                            <m:t>𝑡</m:t>
+                          </m:r>
+                        </m:sub>
+                      </m:sSub>
+                    </m:oMath>
+                  </a14:m>
+                  <a:endParaRPr lang="en-DE" dirty="0">
+                    <a:latin typeface="BKM-cmtt12" panose="020B0501010101010101" pitchFamily="34" charset="2"/>
+                  </a:endParaRPr>
+                </a:p>
+              </p:txBody>
+            </p:sp>
+          </mc:Choice>
+          <mc:Fallback>
+            <p:sp>
+              <p:nvSpPr>
+                <p:cNvPr id="51" name="TextBox 50">
+                  <a:extLst>
+                    <a:ext uri="{FF2B5EF4-FFF2-40B4-BE49-F238E27FC236}">
+                      <a16:creationId xmlns:a16="http://schemas.microsoft.com/office/drawing/2014/main" id="{BB41E694-D346-3048-BBFC-E426657607F3}"/>
+                    </a:ext>
+                  </a:extLst>
+                </p:cNvPr>
+                <p:cNvSpPr txBox="1">
+                  <a:spLocks noRot="1" noChangeAspect="1" noMove="1" noResize="1" noEditPoints="1" noAdjustHandles="1" noChangeArrowheads="1" noChangeShapeType="1" noTextEdit="1"/>
+                </p:cNvSpPr>
+                <p:nvPr/>
+              </p:nvSpPr>
+              <p:spPr>
+                <a:xfrm>
+                  <a:off x="6309452" y="3562571"/>
+                  <a:ext cx="1186415" cy="369332"/>
+                </a:xfrm>
+                <a:prstGeom prst="rect">
+                  <a:avLst/>
+                </a:prstGeom>
+                <a:blipFill>
+                  <a:blip r:embed="rId6"/>
+                  <a:stretch>
+                    <a:fillRect l="-3604" t="-8108"/>
+                  </a:stretch>
+                </a:blipFill>
+              </p:spPr>
+              <p:txBody>
+                <a:bodyPr/>
+                <a:lstStyle/>
+                <a:p>
+                  <a:r>
+                    <a:rPr lang="en-DE">
+                      <a:noFill/>
+                    </a:rPr>
+                    <a:t> </a:t>
+                  </a:r>
+                </a:p>
+              </p:txBody>
+            </p:sp>
+          </mc:Fallback>
+        </mc:AlternateContent>
+        <mc:AlternateContent xmlns:mc="http://schemas.openxmlformats.org/markup-compatibility/2006">
+          <mc:Choice xmlns:a14="http://schemas.microsoft.com/office/drawing/2010/main" Requires="a14">
+            <p:sp>
+              <p:nvSpPr>
+                <p:cNvPr id="30" name="TextBox 29">
+                  <a:extLst>
+                    <a:ext uri="{FF2B5EF4-FFF2-40B4-BE49-F238E27FC236}">
+                      <a16:creationId xmlns:a16="http://schemas.microsoft.com/office/drawing/2014/main" id="{DFDFB8DA-AB6B-4848-BE08-AE84CF85A54B}"/>
+                    </a:ext>
+                  </a:extLst>
+                </p:cNvPr>
+                <p:cNvSpPr txBox="1"/>
+                <p:nvPr/>
+              </p:nvSpPr>
+              <p:spPr>
+                <a:xfrm>
+                  <a:off x="5892832" y="4571521"/>
+                  <a:ext cx="1085938" cy="369332"/>
+                </a:xfrm>
+                <a:prstGeom prst="rect">
+                  <a:avLst/>
+                </a:prstGeom>
+                <a:noFill/>
+              </p:spPr>
+              <p:txBody>
+                <a:bodyPr wrap="none" rtlCol="0">
+                  <a:spAutoFit/>
+                </a:bodyPr>
+                <a:lstStyle/>
+                <a:p>
+                  <a:r>
+                    <a:rPr lang="en-DE" dirty="0">
+                      <a:latin typeface="BKM-cmtt12" panose="020B0501010101010101" pitchFamily="34" charset="2"/>
+                    </a:rPr>
+                    <a:t>State </a:t>
+                  </a:r>
+                  <a14:m>
+                    <m:oMath xmlns:m="http://schemas.openxmlformats.org/officeDocument/2006/math">
+                      <m:sSub>
+                        <m:sSubPr>
+                          <m:ctrlPr>
+                            <a:rPr lang="de-DE" b="0" i="1" smtClean="0">
+                              <a:latin typeface="Cambria Math" panose="02040503050406030204" pitchFamily="18" charset="0"/>
+                            </a:rPr>
+                          </m:ctrlPr>
+                        </m:sSubPr>
+                        <m:e>
+                          <m:r>
+                            <a:rPr lang="de-DE" b="0" i="1" smtClean="0">
+                              <a:latin typeface="Cambria Math" panose="02040503050406030204" pitchFamily="18" charset="0"/>
+                            </a:rPr>
+                            <m:t>𝑠</m:t>
+                          </m:r>
+                        </m:e>
+                        <m:sub>
+                          <m:r>
+                            <a:rPr lang="de-DE" b="0" i="1" smtClean="0">
+                              <a:latin typeface="Cambria Math" panose="02040503050406030204" pitchFamily="18" charset="0"/>
+                            </a:rPr>
+                            <m:t>𝑡</m:t>
+                          </m:r>
+                        </m:sub>
+                      </m:sSub>
+                    </m:oMath>
+                  </a14:m>
+                  <a:endParaRPr lang="en-DE" dirty="0">
+                    <a:latin typeface="BKM-cmtt12" panose="020B0501010101010101" pitchFamily="34" charset="2"/>
+                  </a:endParaRPr>
+                </a:p>
+              </p:txBody>
+            </p:sp>
+          </mc:Choice>
+          <mc:Fallback>
+            <p:sp>
+              <p:nvSpPr>
+                <p:cNvPr id="30" name="TextBox 29">
+                  <a:extLst>
+                    <a:ext uri="{FF2B5EF4-FFF2-40B4-BE49-F238E27FC236}">
+                      <a16:creationId xmlns:a16="http://schemas.microsoft.com/office/drawing/2014/main" id="{DFDFB8DA-AB6B-4848-BE08-AE84CF85A54B}"/>
+                    </a:ext>
+                  </a:extLst>
+                </p:cNvPr>
+                <p:cNvSpPr txBox="1">
+                  <a:spLocks noRot="1" noChangeAspect="1" noMove="1" noResize="1" noEditPoints="1" noAdjustHandles="1" noChangeArrowheads="1" noChangeShapeType="1" noTextEdit="1"/>
+                </p:cNvSpPr>
+                <p:nvPr/>
+              </p:nvSpPr>
+              <p:spPr>
+                <a:xfrm>
+                  <a:off x="5892832" y="4571521"/>
+                  <a:ext cx="1085938" cy="369332"/>
+                </a:xfrm>
+                <a:prstGeom prst="rect">
+                  <a:avLst/>
+                </a:prstGeom>
+                <a:blipFill>
+                  <a:blip r:embed="rId7"/>
+                  <a:stretch>
+                    <a:fillRect l="-3922" t="-5263"/>
+                  </a:stretch>
+                </a:blipFill>
+              </p:spPr>
+              <p:txBody>
+                <a:bodyPr/>
+                <a:lstStyle/>
+                <a:p>
+                  <a:r>
+                    <a:rPr lang="en-DE">
+                      <a:noFill/>
+                    </a:rPr>
+                    <a:t> </a:t>
+                  </a:r>
+                </a:p>
+              </p:txBody>
+            </p:sp>
+          </mc:Fallback>
+        </mc:AlternateContent>
+      </p:grpSp>
     </p:spTree>
     <p:extLst>
       <p:ext uri="{BB962C8B-B14F-4D97-AF65-F5344CB8AC3E}">

--- a/thesis/figures/figures.pptx
+++ b/thesis/figures/figures.pptx
@@ -107,6 +107,11 @@
       </a:defRPr>
     </a:lvl9pPr>
   </p:defaultTextStyle>
+  <p:extLst>
+    <p:ext uri="{EFAFB233-063F-42B5-8137-9DF3F51BA10A}">
+      <p15:sldGuideLst xmlns:p15="http://schemas.microsoft.com/office/powerpoint/2012/main"/>
+    </p:ext>
+  </p:extLst>
 </p:presentation>
 </file>
 
@@ -192,7 +197,7 @@
           <a:p>
             <a:fld id="{00C16E2E-7B19-E643-BECD-C63E5BB20787}" type="datetimeFigureOut">
               <a:rPr lang="en-DE" smtClean="0"/>
-              <a:t>16.06.23</a:t>
+              <a:t>13.10.23</a:t>
             </a:fld>
             <a:endParaRPr lang="en-DE"/>
           </a:p>
@@ -705,7 +710,7 @@
           <a:p>
             <a:fld id="{F406E1C4-225D-E24F-998F-A895FB905B3C}" type="datetimeFigureOut">
               <a:rPr lang="en-DE" smtClean="0"/>
-              <a:t>16.06.23</a:t>
+              <a:t>13.10.23</a:t>
             </a:fld>
             <a:endParaRPr lang="en-DE"/>
           </a:p>
@@ -905,7 +910,7 @@
           <a:p>
             <a:fld id="{F406E1C4-225D-E24F-998F-A895FB905B3C}" type="datetimeFigureOut">
               <a:rPr lang="en-DE" smtClean="0"/>
-              <a:t>16.06.23</a:t>
+              <a:t>13.10.23</a:t>
             </a:fld>
             <a:endParaRPr lang="en-DE"/>
           </a:p>
@@ -1115,7 +1120,7 @@
           <a:p>
             <a:fld id="{F406E1C4-225D-E24F-998F-A895FB905B3C}" type="datetimeFigureOut">
               <a:rPr lang="en-DE" smtClean="0"/>
-              <a:t>16.06.23</a:t>
+              <a:t>13.10.23</a:t>
             </a:fld>
             <a:endParaRPr lang="en-DE"/>
           </a:p>
@@ -1315,7 +1320,7 @@
           <a:p>
             <a:fld id="{F406E1C4-225D-E24F-998F-A895FB905B3C}" type="datetimeFigureOut">
               <a:rPr lang="en-DE" smtClean="0"/>
-              <a:t>16.06.23</a:t>
+              <a:t>13.10.23</a:t>
             </a:fld>
             <a:endParaRPr lang="en-DE"/>
           </a:p>
@@ -1591,7 +1596,7 @@
           <a:p>
             <a:fld id="{F406E1C4-225D-E24F-998F-A895FB905B3C}" type="datetimeFigureOut">
               <a:rPr lang="en-DE" smtClean="0"/>
-              <a:t>16.06.23</a:t>
+              <a:t>13.10.23</a:t>
             </a:fld>
             <a:endParaRPr lang="en-DE"/>
           </a:p>
@@ -1859,7 +1864,7 @@
           <a:p>
             <a:fld id="{F406E1C4-225D-E24F-998F-A895FB905B3C}" type="datetimeFigureOut">
               <a:rPr lang="en-DE" smtClean="0"/>
-              <a:t>16.06.23</a:t>
+              <a:t>13.10.23</a:t>
             </a:fld>
             <a:endParaRPr lang="en-DE"/>
           </a:p>
@@ -2274,7 +2279,7 @@
           <a:p>
             <a:fld id="{F406E1C4-225D-E24F-998F-A895FB905B3C}" type="datetimeFigureOut">
               <a:rPr lang="en-DE" smtClean="0"/>
-              <a:t>16.06.23</a:t>
+              <a:t>13.10.23</a:t>
             </a:fld>
             <a:endParaRPr lang="en-DE"/>
           </a:p>
@@ -2416,7 +2421,7 @@
           <a:p>
             <a:fld id="{F406E1C4-225D-E24F-998F-A895FB905B3C}" type="datetimeFigureOut">
               <a:rPr lang="en-DE" smtClean="0"/>
-              <a:t>16.06.23</a:t>
+              <a:t>13.10.23</a:t>
             </a:fld>
             <a:endParaRPr lang="en-DE"/>
           </a:p>
@@ -2529,7 +2534,7 @@
           <a:p>
             <a:fld id="{F406E1C4-225D-E24F-998F-A895FB905B3C}" type="datetimeFigureOut">
               <a:rPr lang="en-DE" smtClean="0"/>
-              <a:t>16.06.23</a:t>
+              <a:t>13.10.23</a:t>
             </a:fld>
             <a:endParaRPr lang="en-DE"/>
           </a:p>
@@ -2842,7 +2847,7 @@
           <a:p>
             <a:fld id="{F406E1C4-225D-E24F-998F-A895FB905B3C}" type="datetimeFigureOut">
               <a:rPr lang="en-DE" smtClean="0"/>
-              <a:t>16.06.23</a:t>
+              <a:t>13.10.23</a:t>
             </a:fld>
             <a:endParaRPr lang="en-DE"/>
           </a:p>
@@ -3131,7 +3136,7 @@
           <a:p>
             <a:fld id="{F406E1C4-225D-E24F-998F-A895FB905B3C}" type="datetimeFigureOut">
               <a:rPr lang="en-DE" smtClean="0"/>
-              <a:t>16.06.23</a:t>
+              <a:t>13.10.23</a:t>
             </a:fld>
             <a:endParaRPr lang="en-DE"/>
           </a:p>
@@ -3374,7 +3379,7 @@
           <a:p>
             <a:fld id="{F406E1C4-225D-E24F-998F-A895FB905B3C}" type="datetimeFigureOut">
               <a:rPr lang="en-DE" smtClean="0"/>
-              <a:t>16.06.23</a:t>
+              <a:t>13.10.23</a:t>
             </a:fld>
             <a:endParaRPr lang="en-DE"/>
           </a:p>
@@ -3805,10 +3810,10 @@
         </p:nvGrpSpPr>
         <p:grpSpPr>
           <a:xfrm>
-            <a:off x="703305" y="680450"/>
-            <a:ext cx="10110141" cy="5497100"/>
-            <a:chOff x="1791127" y="636414"/>
-            <a:chExt cx="8562577" cy="4304439"/>
+            <a:off x="1768804" y="680450"/>
+            <a:ext cx="9044641" cy="5039852"/>
+            <a:chOff x="2693530" y="636414"/>
+            <a:chExt cx="7660174" cy="3946396"/>
           </a:xfrm>
         </p:grpSpPr>
         <p:sp>
@@ -3861,8 +3866,8 @@
             </a:p>
           </p:txBody>
         </p:sp>
-        <mc:AlternateContent xmlns:mc="http://schemas.openxmlformats.org/markup-compatibility/2006">
-          <mc:Choice xmlns:a14="http://schemas.microsoft.com/office/drawing/2010/main" Requires="a14">
+        <mc:AlternateContent xmlns:mc="http://schemas.openxmlformats.org/markup-compatibility/2006" xmlns:a14="http://schemas.microsoft.com/office/drawing/2010/main">
+          <mc:Choice Requires="a14">
             <p:sp>
               <p:nvSpPr>
                 <p:cNvPr id="5" name="Rounded Rectangle 4">
@@ -3930,7 +3935,7 @@
               </p:txBody>
             </p:sp>
           </mc:Choice>
-          <mc:Fallback>
+          <mc:Fallback xmlns="">
             <p:sp>
               <p:nvSpPr>
                 <p:cNvPr id="5" name="Rounded Rectangle 4">
@@ -4369,8 +4374,8 @@
             </a:fontRef>
           </p:style>
         </p:cxnSp>
-        <mc:AlternateContent xmlns:mc="http://schemas.openxmlformats.org/markup-compatibility/2006">
-          <mc:Choice xmlns:a14="http://schemas.microsoft.com/office/drawing/2010/main" Requires="a14">
+        <mc:AlternateContent xmlns:mc="http://schemas.openxmlformats.org/markup-compatibility/2006" xmlns:a14="http://schemas.microsoft.com/office/drawing/2010/main">
+          <mc:Choice Requires="a14">
             <p:sp>
               <p:nvSpPr>
                 <p:cNvPr id="28" name="TextBox 27">
@@ -4441,7 +4446,7 @@
               </p:txBody>
             </p:sp>
           </mc:Choice>
-          <mc:Fallback>
+          <mc:Fallback xmlns="">
             <p:sp>
               <p:nvSpPr>
                 <p:cNvPr id="28" name="TextBox 27">
@@ -4754,8 +4759,8 @@
               </p:nvSpPr>
               <p:spPr>
                 <a:xfrm>
-                  <a:off x="1791127" y="1551155"/>
-                  <a:ext cx="1812035" cy="369332"/>
+                  <a:off x="2693530" y="1607737"/>
+                  <a:ext cx="919713" cy="289201"/>
                 </a:xfrm>
                 <a:prstGeom prst="rect">
                   <a:avLst/>
@@ -4772,7 +4777,7 @@
                     <a:rPr lang="en-DE" dirty="0">
                       <a:latin typeface="BKM-cmtt12" panose="020B0501010101010101" pitchFamily="34" charset="2"/>
                     </a:rPr>
-                    <a:t>Observation </a:t>
+                    <a:t>State </a:t>
                   </a:r>
                   <a14:m>
                     <m:oMath xmlns:m="http://schemas.openxmlformats.org/officeDocument/2006/math">
@@ -4789,7 +4794,7 @@
                             <a:rPr lang="de-DE" b="0" i="1" smtClean="0">
                               <a:latin typeface="Cambria Math" panose="02040503050406030204" pitchFamily="18" charset="0"/>
                             </a:rPr>
-                            <m:t>𝑜</m:t>
+                            <m:t>𝑠</m:t>
                           </m:r>
                         </m:e>
                         <m:sub>
@@ -4827,8 +4832,8 @@
               </p:nvSpPr>
               <p:spPr>
                 <a:xfrm>
-                  <a:off x="1791127" y="1551155"/>
-                  <a:ext cx="1812035" cy="369332"/>
+                  <a:off x="2693530" y="1607737"/>
+                  <a:ext cx="919713" cy="289201"/>
                 </a:xfrm>
                 <a:prstGeom prst="rect">
                   <a:avLst/>
@@ -4836,7 +4841,7 @@
                 <a:blipFill>
                   <a:blip r:embed="rId5"/>
                   <a:stretch>
-                    <a:fillRect l="-2367" t="-5263"/>
+                    <a:fillRect l="-4651" t="-6667" b="-23333"/>
                   </a:stretch>
                 </a:blipFill>
               </p:spPr>
@@ -4955,7 +4960,7 @@
               <p:spPr>
                 <a:xfrm>
                   <a:off x="6309452" y="3562571"/>
-                  <a:ext cx="1186415" cy="369332"/>
+                  <a:ext cx="1190805" cy="289201"/>
                 </a:xfrm>
                 <a:prstGeom prst="rect">
                   <a:avLst/>
@@ -4999,6 +5004,12 @@
                             </a:rPr>
                             <m:t>𝑡</m:t>
                           </m:r>
+                          <m:r>
+                            <a:rPr lang="de-DE" b="0" i="1" smtClean="0">
+                              <a:latin typeface="Cambria Math" panose="02040503050406030204" pitchFamily="18" charset="0"/>
+                            </a:rPr>
+                            <m:t>+1</m:t>
+                          </m:r>
                         </m:sub>
                       </m:sSub>
                     </m:oMath>
@@ -5028,7 +5039,7 @@
               <p:spPr>
                 <a:xfrm>
                   <a:off x="6309452" y="3562571"/>
-                  <a:ext cx="1186415" cy="369332"/>
+                  <a:ext cx="1190805" cy="289201"/>
                 </a:xfrm>
                 <a:prstGeom prst="rect">
                   <a:avLst/>
@@ -5036,124 +5047,7 @@
                 <a:blipFill>
                   <a:blip r:embed="rId6"/>
                   <a:stretch>
-                    <a:fillRect l="-3604" t="-8108"/>
-                  </a:stretch>
-                </a:blipFill>
-              </p:spPr>
-              <p:txBody>
-                <a:bodyPr/>
-                <a:lstStyle/>
-                <a:p>
-                  <a:r>
-                    <a:rPr lang="en-DE">
-                      <a:noFill/>
-                    </a:rPr>
-                    <a:t> </a:t>
-                  </a:r>
-                </a:p>
-              </p:txBody>
-            </p:sp>
-          </mc:Fallback>
-        </mc:AlternateContent>
-        <mc:AlternateContent xmlns:mc="http://schemas.openxmlformats.org/markup-compatibility/2006">
-          <mc:Choice xmlns:a14="http://schemas.microsoft.com/office/drawing/2010/main" Requires="a14">
-            <p:sp>
-              <p:nvSpPr>
-                <p:cNvPr id="30" name="TextBox 29">
-                  <a:extLst>
-                    <a:ext uri="{FF2B5EF4-FFF2-40B4-BE49-F238E27FC236}">
-                      <a16:creationId xmlns:a16="http://schemas.microsoft.com/office/drawing/2014/main" id="{DFDFB8DA-AB6B-4848-BE08-AE84CF85A54B}"/>
-                    </a:ext>
-                  </a:extLst>
-                </p:cNvPr>
-                <p:cNvSpPr txBox="1"/>
-                <p:nvPr/>
-              </p:nvSpPr>
-              <p:spPr>
-                <a:xfrm>
-                  <a:off x="5892832" y="4571521"/>
-                  <a:ext cx="1085938" cy="369332"/>
-                </a:xfrm>
-                <a:prstGeom prst="rect">
-                  <a:avLst/>
-                </a:prstGeom>
-                <a:noFill/>
-              </p:spPr>
-              <p:txBody>
-                <a:bodyPr wrap="none" rtlCol="0">
-                  <a:spAutoFit/>
-                </a:bodyPr>
-                <a:lstStyle/>
-                <a:p>
-                  <a:r>
-                    <a:rPr lang="en-DE" dirty="0">
-                      <a:latin typeface="BKM-cmtt12" panose="020B0501010101010101" pitchFamily="34" charset="2"/>
-                    </a:rPr>
-                    <a:t>State </a:t>
-                  </a:r>
-                  <a14:m>
-                    <m:oMath xmlns:m="http://schemas.openxmlformats.org/officeDocument/2006/math">
-                      <m:sSub>
-                        <m:sSubPr>
-                          <m:ctrlPr>
-                            <a:rPr lang="de-DE" b="0" i="1" smtClean="0">
-                              <a:latin typeface="Cambria Math" panose="02040503050406030204" pitchFamily="18" charset="0"/>
-                            </a:rPr>
-                          </m:ctrlPr>
-                        </m:sSubPr>
-                        <m:e>
-                          <m:r>
-                            <a:rPr lang="de-DE" b="0" i="1" smtClean="0">
-                              <a:latin typeface="Cambria Math" panose="02040503050406030204" pitchFamily="18" charset="0"/>
-                            </a:rPr>
-                            <m:t>𝑠</m:t>
-                          </m:r>
-                        </m:e>
-                        <m:sub>
-                          <m:r>
-                            <a:rPr lang="de-DE" b="0" i="1" smtClean="0">
-                              <a:latin typeface="Cambria Math" panose="02040503050406030204" pitchFamily="18" charset="0"/>
-                            </a:rPr>
-                            <m:t>𝑡</m:t>
-                          </m:r>
-                        </m:sub>
-                      </m:sSub>
-                    </m:oMath>
-                  </a14:m>
-                  <a:endParaRPr lang="en-DE" dirty="0">
-                    <a:latin typeface="BKM-cmtt12" panose="020B0501010101010101" pitchFamily="34" charset="2"/>
-                  </a:endParaRPr>
-                </a:p>
-              </p:txBody>
-            </p:sp>
-          </mc:Choice>
-          <mc:Fallback>
-            <p:sp>
-              <p:nvSpPr>
-                <p:cNvPr id="30" name="TextBox 29">
-                  <a:extLst>
-                    <a:ext uri="{FF2B5EF4-FFF2-40B4-BE49-F238E27FC236}">
-                      <a16:creationId xmlns:a16="http://schemas.microsoft.com/office/drawing/2014/main" id="{DFDFB8DA-AB6B-4848-BE08-AE84CF85A54B}"/>
-                    </a:ext>
-                  </a:extLst>
-                </p:cNvPr>
-                <p:cNvSpPr txBox="1">
-                  <a:spLocks noRot="1" noChangeAspect="1" noMove="1" noResize="1" noEditPoints="1" noAdjustHandles="1" noChangeArrowheads="1" noChangeShapeType="1" noTextEdit="1"/>
-                </p:cNvSpPr>
-                <p:nvPr/>
-              </p:nvSpPr>
-              <p:spPr>
-                <a:xfrm>
-                  <a:off x="5892832" y="4571521"/>
-                  <a:ext cx="1085938" cy="369332"/>
-                </a:xfrm>
-                <a:prstGeom prst="rect">
-                  <a:avLst/>
-                </a:prstGeom>
-                <a:blipFill>
-                  <a:blip r:embed="rId7"/>
-                  <a:stretch>
-                    <a:fillRect l="-3922" t="-5263"/>
+                    <a:fillRect l="-3571" t="-10345" b="-24138"/>
                   </a:stretch>
                 </a:blipFill>
               </p:spPr>

--- a/thesis/figures/figures.pptx
+++ b/thesis/figures/figures.pptx
@@ -3796,1277 +3796,1223 @@
           <a:chExt cx="0" cy="0"/>
         </a:xfrm>
       </p:grpSpPr>
-      <p:grpSp>
-        <p:nvGrpSpPr>
-          <p:cNvPr id="20" name="Group 19">
-            <a:extLst>
-              <a:ext uri="{FF2B5EF4-FFF2-40B4-BE49-F238E27FC236}">
-                <a16:creationId xmlns:a16="http://schemas.microsoft.com/office/drawing/2014/main" id="{3242C6C7-1D08-BA11-C4D3-6D9B35CEDE64}"/>
-              </a:ext>
-            </a:extLst>
-          </p:cNvPr>
-          <p:cNvGrpSpPr/>
+      <p:sp>
+        <p:nvSpPr>
+          <p:cNvPr id="4" name="Rounded Rectangle 3">
+            <a:extLst>
+              <a:ext uri="{FF2B5EF4-FFF2-40B4-BE49-F238E27FC236}">
+                <a16:creationId xmlns:a16="http://schemas.microsoft.com/office/drawing/2014/main" id="{14CE1B95-6201-BF45-B7F9-B640B99E1943}"/>
+              </a:ext>
+            </a:extLst>
+          </p:cNvPr>
+          <p:cNvSpPr/>
           <p:nvPr/>
-        </p:nvGrpSpPr>
-        <p:grpSpPr>
+        </p:nvSpPr>
+        <p:spPr>
           <a:xfrm>
-            <a:off x="1768804" y="680450"/>
-            <a:ext cx="9044641" cy="5039852"/>
-            <a:chOff x="2693530" y="636414"/>
-            <a:chExt cx="7660174" cy="3946396"/>
+            <a:off x="3473118" y="703800"/>
+            <a:ext cx="5245765" cy="3564739"/>
           </a:xfrm>
-        </p:grpSpPr>
-        <p:sp>
-          <p:nvSpPr>
-            <p:cNvPr id="4" name="Rounded Rectangle 3">
-              <a:extLst>
-                <a:ext uri="{FF2B5EF4-FFF2-40B4-BE49-F238E27FC236}">
-                  <a16:creationId xmlns:a16="http://schemas.microsoft.com/office/drawing/2014/main" id="{14CE1B95-6201-BF45-B7F9-B640B99E1943}"/>
-                </a:ext>
-              </a:extLst>
-            </p:cNvPr>
-            <p:cNvSpPr/>
-            <p:nvPr/>
-          </p:nvSpPr>
-          <p:spPr>
-            <a:xfrm>
-              <a:off x="4611067" y="636414"/>
-              <a:ext cx="3478846" cy="2791326"/>
-            </a:xfrm>
-            <a:prstGeom prst="roundRect">
-              <a:avLst/>
-            </a:prstGeom>
-            <a:ln w="19050"/>
-          </p:spPr>
-          <p:style>
-            <a:lnRef idx="2">
-              <a:schemeClr val="dk1"/>
-            </a:lnRef>
-            <a:fillRef idx="1">
-              <a:schemeClr val="lt1"/>
-            </a:fillRef>
-            <a:effectRef idx="0">
-              <a:schemeClr val="dk1"/>
-            </a:effectRef>
-            <a:fontRef idx="minor">
-              <a:schemeClr val="dk1"/>
-            </a:fontRef>
-          </p:style>
-          <p:txBody>
-            <a:bodyPr rtlCol="0" anchor="t"/>
-            <a:lstStyle/>
-            <a:p>
-              <a:pPr algn="ctr"/>
-              <a:r>
-                <a:rPr lang="en-DE" dirty="0">
+          <a:prstGeom prst="roundRect">
+            <a:avLst/>
+          </a:prstGeom>
+          <a:ln w="19050"/>
+        </p:spPr>
+        <p:style>
+          <a:lnRef idx="2">
+            <a:schemeClr val="dk1"/>
+          </a:lnRef>
+          <a:fillRef idx="1">
+            <a:schemeClr val="lt1"/>
+          </a:fillRef>
+          <a:effectRef idx="0">
+            <a:schemeClr val="dk1"/>
+          </a:effectRef>
+          <a:fontRef idx="minor">
+            <a:schemeClr val="dk1"/>
+          </a:fontRef>
+        </p:style>
+        <p:txBody>
+          <a:bodyPr rtlCol="0" anchor="t"/>
+          <a:lstStyle/>
+          <a:p>
+            <a:pPr algn="ctr"/>
+            <a:r>
+              <a:rPr lang="en-DE" dirty="0">
+                <a:latin typeface="BKM-cmtt12" panose="020B0501010101010101" pitchFamily="34" charset="2"/>
+              </a:rPr>
+              <a:t>Agent</a:t>
+            </a:r>
+          </a:p>
+        </p:txBody>
+      </p:sp>
+      <mc:AlternateContent xmlns:mc="http://schemas.openxmlformats.org/markup-compatibility/2006">
+        <mc:Choice xmlns:a14="http://schemas.microsoft.com/office/drawing/2010/main" Requires="a14">
+          <p:sp>
+            <p:nvSpPr>
+              <p:cNvPr id="5" name="Rounded Rectangle 4">
+                <a:extLst>
+                  <a:ext uri="{FF2B5EF4-FFF2-40B4-BE49-F238E27FC236}">
+                    <a16:creationId xmlns:a16="http://schemas.microsoft.com/office/drawing/2014/main" id="{7B1C03DF-B3BD-0F4E-84AA-C4E7C5C5A9F7}"/>
+                  </a:ext>
+                </a:extLst>
+              </p:cNvPr>
+              <p:cNvSpPr/>
+              <p:nvPr/>
+            </p:nvSpPr>
+            <p:spPr>
+              <a:xfrm>
+                <a:off x="5220367" y="1484565"/>
+                <a:ext cx="1751267" cy="737531"/>
+              </a:xfrm>
+              <a:prstGeom prst="roundRect">
+                <a:avLst/>
+              </a:prstGeom>
+              <a:ln w="19050"/>
+            </p:spPr>
+            <p:style>
+              <a:lnRef idx="2">
+                <a:schemeClr val="dk1"/>
+              </a:lnRef>
+              <a:fillRef idx="1">
+                <a:schemeClr val="lt1"/>
+              </a:fillRef>
+              <a:effectRef idx="0">
+                <a:schemeClr val="dk1"/>
+              </a:effectRef>
+              <a:fontRef idx="minor">
+                <a:schemeClr val="dk1"/>
+              </a:fontRef>
+            </p:style>
+            <p:txBody>
+              <a:bodyPr rtlCol="0" anchor="ctr"/>
+              <a:lstStyle/>
+              <a:p>
+                <a:pPr algn="ctr"/>
+                <a:r>
+                  <a:rPr lang="en-DE" dirty="0">
+                    <a:latin typeface="BKM-cmtt12" panose="020B0501010101010101" pitchFamily="34" charset="2"/>
+                  </a:rPr>
+                  <a:t>Policy</a:t>
+                </a:r>
+                <a:r>
+                  <a:rPr lang="en-DE" dirty="0"/>
+                  <a:t> </a:t>
+                </a:r>
+                <a14:m>
+                  <m:oMath xmlns:m="http://schemas.openxmlformats.org/officeDocument/2006/math">
+                    <m:r>
+                      <a:rPr lang="en-DE" i="1" smtClean="0">
+                        <a:latin typeface="Cambria Math" panose="02040503050406030204" pitchFamily="18" charset="0"/>
+                        <a:ea typeface="Cambria Math" panose="02040503050406030204" pitchFamily="18" charset="0"/>
+                      </a:rPr>
+                      <m:t>𝜋</m:t>
+                    </m:r>
+                  </m:oMath>
+                </a14:m>
+                <a:endParaRPr lang="en-DE" dirty="0"/>
+              </a:p>
+            </p:txBody>
+          </p:sp>
+        </mc:Choice>
+        <mc:Fallback>
+          <p:sp>
+            <p:nvSpPr>
+              <p:cNvPr id="5" name="Rounded Rectangle 4">
+                <a:extLst>
+                  <a:ext uri="{FF2B5EF4-FFF2-40B4-BE49-F238E27FC236}">
+                    <a16:creationId xmlns:a16="http://schemas.microsoft.com/office/drawing/2014/main" id="{7B1C03DF-B3BD-0F4E-84AA-C4E7C5C5A9F7}"/>
+                  </a:ext>
+                </a:extLst>
+              </p:cNvPr>
+              <p:cNvSpPr>
+                <a:spLocks noRot="1" noChangeAspect="1" noMove="1" noResize="1" noEditPoints="1" noAdjustHandles="1" noChangeArrowheads="1" noChangeShapeType="1" noTextEdit="1"/>
+              </p:cNvSpPr>
+              <p:nvPr/>
+            </p:nvSpPr>
+            <p:spPr>
+              <a:xfrm>
+                <a:off x="5220367" y="1484565"/>
+                <a:ext cx="1751267" cy="737531"/>
+              </a:xfrm>
+              <a:prstGeom prst="roundRect">
+                <a:avLst/>
+              </a:prstGeom>
+              <a:blipFill>
+                <a:blip r:embed="rId3"/>
+                <a:stretch>
+                  <a:fillRect/>
+                </a:stretch>
+              </a:blipFill>
+              <a:ln w="19050"/>
+            </p:spPr>
+            <p:txBody>
+              <a:bodyPr/>
+              <a:lstStyle/>
+              <a:p>
+                <a:r>
+                  <a:rPr lang="en-DE">
+                    <a:noFill/>
+                  </a:rPr>
+                  <a:t> </a:t>
+                </a:r>
+              </a:p>
+            </p:txBody>
+          </p:sp>
+        </mc:Fallback>
+      </mc:AlternateContent>
+      <p:sp>
+        <p:nvSpPr>
+          <p:cNvPr id="6" name="Rounded Rectangle 5">
+            <a:extLst>
+              <a:ext uri="{FF2B5EF4-FFF2-40B4-BE49-F238E27FC236}">
+                <a16:creationId xmlns:a16="http://schemas.microsoft.com/office/drawing/2014/main" id="{AF8A7403-F7E6-CC48-95A8-8C2311B203BB}"/>
+              </a:ext>
+            </a:extLst>
+          </p:cNvPr>
+          <p:cNvSpPr/>
+          <p:nvPr/>
+        </p:nvSpPr>
+        <p:spPr>
+          <a:xfrm>
+            <a:off x="4839907" y="3040768"/>
+            <a:ext cx="2512187" cy="737531"/>
+          </a:xfrm>
+          <a:prstGeom prst="roundRect">
+            <a:avLst/>
+          </a:prstGeom>
+          <a:ln w="19050"/>
+        </p:spPr>
+        <p:style>
+          <a:lnRef idx="2">
+            <a:schemeClr val="dk1"/>
+          </a:lnRef>
+          <a:fillRef idx="1">
+            <a:schemeClr val="lt1"/>
+          </a:fillRef>
+          <a:effectRef idx="0">
+            <a:schemeClr val="dk1"/>
+          </a:effectRef>
+          <a:fontRef idx="minor">
+            <a:schemeClr val="dk1"/>
+          </a:fontRef>
+        </p:style>
+        <p:txBody>
+          <a:bodyPr rtlCol="0" anchor="ctr"/>
+          <a:lstStyle/>
+          <a:p>
+            <a:pPr algn="ctr"/>
+            <a:r>
+              <a:rPr lang="en-DE" dirty="0">
+                <a:latin typeface="BKM-cmtt12" panose="020B0501010101010101" pitchFamily="34" charset="2"/>
+              </a:rPr>
+              <a:t>RL Algorithm</a:t>
+            </a:r>
+          </a:p>
+        </p:txBody>
+      </p:sp>
+      <p:sp>
+        <p:nvSpPr>
+          <p:cNvPr id="9" name="TextBox 8">
+            <a:extLst>
+              <a:ext uri="{FF2B5EF4-FFF2-40B4-BE49-F238E27FC236}">
+                <a16:creationId xmlns:a16="http://schemas.microsoft.com/office/drawing/2014/main" id="{33440869-735D-584C-9B74-B2A2085C7529}"/>
+              </a:ext>
+            </a:extLst>
+          </p:cNvPr>
+          <p:cNvSpPr txBox="1"/>
+          <p:nvPr/>
+        </p:nvSpPr>
+        <p:spPr>
+          <a:xfrm>
+            <a:off x="6116775" y="2228036"/>
+            <a:ext cx="1923253" cy="369332"/>
+          </a:xfrm>
+          <a:prstGeom prst="rect">
+            <a:avLst/>
+          </a:prstGeom>
+          <a:noFill/>
+        </p:spPr>
+        <p:txBody>
+          <a:bodyPr wrap="square" rtlCol="0">
+            <a:spAutoFit/>
+          </a:bodyPr>
+          <a:lstStyle/>
+          <a:p>
+            <a:r>
+              <a:rPr lang="en-DE" dirty="0">
+                <a:latin typeface="BKM-cmtt12" panose="020B0501010101010101" pitchFamily="34" charset="2"/>
+              </a:rPr>
+              <a:t>Policy Update</a:t>
+            </a:r>
+          </a:p>
+        </p:txBody>
+      </p:sp>
+      <p:sp>
+        <p:nvSpPr>
+          <p:cNvPr id="14" name="Oval 13">
+            <a:extLst>
+              <a:ext uri="{FF2B5EF4-FFF2-40B4-BE49-F238E27FC236}">
+                <a16:creationId xmlns:a16="http://schemas.microsoft.com/office/drawing/2014/main" id="{CAEE7703-C20B-6E4E-99AA-FBECC878083C}"/>
+              </a:ext>
+            </a:extLst>
+          </p:cNvPr>
+          <p:cNvSpPr>
+            <a:spLocks noChangeAspect="1"/>
+          </p:cNvSpPr>
+          <p:nvPr/>
+        </p:nvSpPr>
+        <p:spPr>
+          <a:xfrm>
+            <a:off x="8216382" y="1812922"/>
+            <a:ext cx="79022" cy="82755"/>
+          </a:xfrm>
+          <a:prstGeom prst="ellipse">
+            <a:avLst/>
+          </a:prstGeom>
+          <a:ln/>
+        </p:spPr>
+        <p:style>
+          <a:lnRef idx="2">
+            <a:schemeClr val="dk1">
+              <a:shade val="15000"/>
+            </a:schemeClr>
+          </a:lnRef>
+          <a:fillRef idx="1">
+            <a:schemeClr val="dk1"/>
+          </a:fillRef>
+          <a:effectRef idx="0">
+            <a:schemeClr val="dk1"/>
+          </a:effectRef>
+          <a:fontRef idx="minor">
+            <a:schemeClr val="lt1"/>
+          </a:fontRef>
+        </p:style>
+        <p:txBody>
+          <a:bodyPr rtlCol="0" anchor="ctr"/>
+          <a:lstStyle/>
+          <a:p>
+            <a:pPr algn="ctr"/>
+            <a:endParaRPr lang="en-DE"/>
+          </a:p>
+        </p:txBody>
+      </p:sp>
+      <p:sp>
+        <p:nvSpPr>
+          <p:cNvPr id="22" name="Rounded Rectangle 21">
+            <a:extLst>
+              <a:ext uri="{FF2B5EF4-FFF2-40B4-BE49-F238E27FC236}">
+                <a16:creationId xmlns:a16="http://schemas.microsoft.com/office/drawing/2014/main" id="{87B06D59-F7F1-F84C-927F-575760FB292D}"/>
+              </a:ext>
+            </a:extLst>
+          </p:cNvPr>
+          <p:cNvSpPr/>
+          <p:nvPr/>
+        </p:nvSpPr>
+        <p:spPr>
+          <a:xfrm>
+            <a:off x="4910427" y="5087940"/>
+            <a:ext cx="2371146" cy="643727"/>
+          </a:xfrm>
+          <a:prstGeom prst="roundRect">
+            <a:avLst/>
+          </a:prstGeom>
+          <a:ln w="19050"/>
+        </p:spPr>
+        <p:style>
+          <a:lnRef idx="2">
+            <a:schemeClr val="dk1"/>
+          </a:lnRef>
+          <a:fillRef idx="1">
+            <a:schemeClr val="lt1"/>
+          </a:fillRef>
+          <a:effectRef idx="0">
+            <a:schemeClr val="dk1"/>
+          </a:effectRef>
+          <a:fontRef idx="minor">
+            <a:schemeClr val="dk1"/>
+          </a:fontRef>
+        </p:style>
+        <p:txBody>
+          <a:bodyPr rtlCol="0" anchor="ctr"/>
+          <a:lstStyle/>
+          <a:p>
+            <a:pPr algn="ctr"/>
+            <a:r>
+              <a:rPr lang="en-DE" dirty="0">
+                <a:latin typeface="BKM-cmtt12" panose="020B0501010101010101" pitchFamily="34" charset="2"/>
+              </a:rPr>
+              <a:t>Environment</a:t>
+            </a:r>
+          </a:p>
+        </p:txBody>
+      </p:sp>
+      <mc:AlternateContent xmlns:mc="http://schemas.openxmlformats.org/markup-compatibility/2006">
+        <mc:Choice xmlns:a14="http://schemas.microsoft.com/office/drawing/2010/main" Requires="a14">
+          <p:sp>
+            <p:nvSpPr>
+              <p:cNvPr id="28" name="TextBox 27">
+                <a:extLst>
+                  <a:ext uri="{FF2B5EF4-FFF2-40B4-BE49-F238E27FC236}">
+                    <a16:creationId xmlns:a16="http://schemas.microsoft.com/office/drawing/2014/main" id="{A363B839-10A3-7B43-8670-133E55F0D08E}"/>
+                  </a:ext>
+                </a:extLst>
+              </p:cNvPr>
+              <p:cNvSpPr txBox="1"/>
+              <p:nvPr/>
+            </p:nvSpPr>
+            <p:spPr>
+              <a:xfrm>
+                <a:off x="9359912" y="1869738"/>
+                <a:ext cx="1453536" cy="471665"/>
+              </a:xfrm>
+              <a:prstGeom prst="rect">
+                <a:avLst/>
+              </a:prstGeom>
+              <a:noFill/>
+            </p:spPr>
+            <p:txBody>
+              <a:bodyPr wrap="none" rtlCol="0">
+                <a:spAutoFit/>
+              </a:bodyPr>
+              <a:lstStyle/>
+              <a:p>
+                <a:r>
+                  <a:rPr lang="en-DE" dirty="0">
+                    <a:latin typeface="BKM-cmtt12" panose="020B0501010101010101" pitchFamily="34" charset="2"/>
+                  </a:rPr>
+                  <a:t>Action </a:t>
+                </a:r>
+                <a14:m>
+                  <m:oMath xmlns:m="http://schemas.openxmlformats.org/officeDocument/2006/math">
+                    <m:sSub>
+                      <m:sSubPr>
+                        <m:ctrlPr>
+                          <a:rPr lang="de-DE" b="0" i="1" smtClean="0">
+                            <a:latin typeface="Cambria Math" panose="02040503050406030204" pitchFamily="18" charset="0"/>
+                          </a:rPr>
+                        </m:ctrlPr>
+                      </m:sSubPr>
+                      <m:e>
+                        <m:r>
+                          <a:rPr lang="de-DE" b="0" i="1" smtClean="0">
+                            <a:latin typeface="Cambria Math" panose="02040503050406030204" pitchFamily="18" charset="0"/>
+                          </a:rPr>
+                          <m:t>𝑎</m:t>
+                        </m:r>
+                      </m:e>
+                      <m:sub>
+                        <m:r>
+                          <a:rPr lang="de-DE" b="0" i="1" smtClean="0">
+                            <a:latin typeface="Cambria Math" panose="02040503050406030204" pitchFamily="18" charset="0"/>
+                          </a:rPr>
+                          <m:t>𝑡</m:t>
+                        </m:r>
+                      </m:sub>
+                    </m:sSub>
+                  </m:oMath>
+                </a14:m>
+                <a:endParaRPr lang="en-DE" dirty="0">
                   <a:latin typeface="BKM-cmtt12" panose="020B0501010101010101" pitchFamily="34" charset="2"/>
-                </a:rPr>
-                <a:t>Agent</a:t>
-              </a:r>
-            </a:p>
-          </p:txBody>
-        </p:sp>
-        <mc:AlternateContent xmlns:mc="http://schemas.openxmlformats.org/markup-compatibility/2006" xmlns:a14="http://schemas.microsoft.com/office/drawing/2010/main">
-          <mc:Choice Requires="a14">
-            <p:sp>
-              <p:nvSpPr>
-                <p:cNvPr id="5" name="Rounded Rectangle 4">
-                  <a:extLst>
-                    <a:ext uri="{FF2B5EF4-FFF2-40B4-BE49-F238E27FC236}">
-                      <a16:creationId xmlns:a16="http://schemas.microsoft.com/office/drawing/2014/main" id="{7B1C03DF-B3BD-0F4E-84AA-C4E7C5C5A9F7}"/>
-                    </a:ext>
-                  </a:extLst>
-                </p:cNvPr>
-                <p:cNvSpPr/>
-                <p:nvPr/>
-              </p:nvSpPr>
-              <p:spPr>
-                <a:xfrm>
-                  <a:off x="5608890" y="1266067"/>
-                  <a:ext cx="1483200" cy="577515"/>
-                </a:xfrm>
-                <a:prstGeom prst="roundRect">
-                  <a:avLst/>
-                </a:prstGeom>
-                <a:ln w="19050"/>
-              </p:spPr>
-              <p:style>
-                <a:lnRef idx="2">
-                  <a:schemeClr val="dk1"/>
-                </a:lnRef>
-                <a:fillRef idx="1">
-                  <a:schemeClr val="lt1"/>
-                </a:fillRef>
-                <a:effectRef idx="0">
-                  <a:schemeClr val="dk1"/>
-                </a:effectRef>
-                <a:fontRef idx="minor">
-                  <a:schemeClr val="dk1"/>
-                </a:fontRef>
-              </p:style>
-              <p:txBody>
-                <a:bodyPr rtlCol="0" anchor="ctr"/>
-                <a:lstStyle/>
-                <a:p>
-                  <a:pPr algn="ctr"/>
-                  <a:r>
-                    <a:rPr lang="en-DE" dirty="0">
-                      <a:latin typeface="BKM-cmtt12" panose="020B0501010101010101" pitchFamily="34" charset="2"/>
-                    </a:rPr>
-                    <a:t>Policy</a:t>
-                  </a:r>
-                  <a:r>
-                    <a:rPr lang="en-DE" dirty="0"/>
-                    <a:t> </a:t>
-                  </a:r>
-                  <a14:m>
-                    <m:oMath xmlns:m="http://schemas.openxmlformats.org/officeDocument/2006/math">
-                      <m:r>
-                        <a:rPr lang="en-DE" i="1" smtClean="0">
-                          <a:latin typeface="Cambria Math" panose="02040503050406030204" pitchFamily="18" charset="0"/>
-                          <a:ea typeface="Cambria Math" panose="02040503050406030204" pitchFamily="18" charset="0"/>
-                        </a:rPr>
-                        <m:t>𝜋</m:t>
-                      </m:r>
-                    </m:oMath>
-                  </a14:m>
-                  <a:endParaRPr lang="en-DE" dirty="0"/>
-                </a:p>
-              </p:txBody>
-            </p:sp>
-          </mc:Choice>
-          <mc:Fallback xmlns="">
-            <p:sp>
-              <p:nvSpPr>
-                <p:cNvPr id="5" name="Rounded Rectangle 4">
-                  <a:extLst>
-                    <a:ext uri="{FF2B5EF4-FFF2-40B4-BE49-F238E27FC236}">
-                      <a16:creationId xmlns:a16="http://schemas.microsoft.com/office/drawing/2014/main" id="{7B1C03DF-B3BD-0F4E-84AA-C4E7C5C5A9F7}"/>
-                    </a:ext>
-                  </a:extLst>
-                </p:cNvPr>
-                <p:cNvSpPr>
-                  <a:spLocks noRot="1" noChangeAspect="1" noMove="1" noResize="1" noEditPoints="1" noAdjustHandles="1" noChangeArrowheads="1" noChangeShapeType="1" noTextEdit="1"/>
-                </p:cNvSpPr>
-                <p:nvPr/>
-              </p:nvSpPr>
-              <p:spPr>
-                <a:xfrm>
-                  <a:off x="5608890" y="1266067"/>
-                  <a:ext cx="1483200" cy="577515"/>
-                </a:xfrm>
-                <a:prstGeom prst="roundRect">
-                  <a:avLst/>
-                </a:prstGeom>
-                <a:blipFill>
-                  <a:blip r:embed="rId3"/>
-                  <a:stretch>
-                    <a:fillRect/>
-                  </a:stretch>
-                </a:blipFill>
-                <a:ln w="19050"/>
-              </p:spPr>
-              <p:txBody>
-                <a:bodyPr/>
-                <a:lstStyle/>
-                <a:p>
-                  <a:r>
-                    <a:rPr lang="en-DE">
-                      <a:noFill/>
-                    </a:rPr>
-                    <a:t> </a:t>
-                  </a:r>
-                </a:p>
-              </p:txBody>
-            </p:sp>
-          </mc:Fallback>
-        </mc:AlternateContent>
-        <p:sp>
-          <p:nvSpPr>
-            <p:cNvPr id="6" name="Rounded Rectangle 5">
-              <a:extLst>
-                <a:ext uri="{FF2B5EF4-FFF2-40B4-BE49-F238E27FC236}">
-                  <a16:creationId xmlns:a16="http://schemas.microsoft.com/office/drawing/2014/main" id="{AF8A7403-F7E6-CC48-95A8-8C2311B203BB}"/>
-                </a:ext>
-              </a:extLst>
-            </p:cNvPr>
-            <p:cNvSpPr/>
-            <p:nvPr/>
-          </p:nvSpPr>
-          <p:spPr>
-            <a:xfrm>
-              <a:off x="5608890" y="2483262"/>
-              <a:ext cx="1483895" cy="577515"/>
-            </a:xfrm>
-            <a:prstGeom prst="roundRect">
-              <a:avLst/>
-            </a:prstGeom>
-            <a:ln w="19050"/>
-          </p:spPr>
-          <p:style>
-            <a:lnRef idx="2">
-              <a:schemeClr val="dk1"/>
-            </a:lnRef>
-            <a:fillRef idx="1">
-              <a:schemeClr val="lt1"/>
-            </a:fillRef>
-            <a:effectRef idx="0">
-              <a:schemeClr val="dk1"/>
-            </a:effectRef>
-            <a:fontRef idx="minor">
-              <a:schemeClr val="dk1"/>
-            </a:fontRef>
-          </p:style>
-          <p:txBody>
-            <a:bodyPr rtlCol="0" anchor="ctr"/>
-            <a:lstStyle/>
-            <a:p>
-              <a:pPr algn="ctr"/>
-              <a:r>
-                <a:rPr lang="en-DE" dirty="0">
+                </a:endParaRPr>
+              </a:p>
+            </p:txBody>
+          </p:sp>
+        </mc:Choice>
+        <mc:Fallback>
+          <p:sp>
+            <p:nvSpPr>
+              <p:cNvPr id="28" name="TextBox 27">
+                <a:extLst>
+                  <a:ext uri="{FF2B5EF4-FFF2-40B4-BE49-F238E27FC236}">
+                    <a16:creationId xmlns:a16="http://schemas.microsoft.com/office/drawing/2014/main" id="{A363B839-10A3-7B43-8670-133E55F0D08E}"/>
+                  </a:ext>
+                </a:extLst>
+              </p:cNvPr>
+              <p:cNvSpPr txBox="1">
+                <a:spLocks noRot="1" noChangeAspect="1" noMove="1" noResize="1" noEditPoints="1" noAdjustHandles="1" noChangeArrowheads="1" noChangeShapeType="1" noTextEdit="1"/>
+              </p:cNvSpPr>
+              <p:nvPr/>
+            </p:nvSpPr>
+            <p:spPr>
+              <a:xfrm>
+                <a:off x="9359912" y="1869738"/>
+                <a:ext cx="1453536" cy="471665"/>
+              </a:xfrm>
+              <a:prstGeom prst="rect">
+                <a:avLst/>
+              </a:prstGeom>
+              <a:blipFill>
+                <a:blip r:embed="rId4"/>
+                <a:stretch>
+                  <a:fillRect l="-3448" t="-7895"/>
+                </a:stretch>
+              </a:blipFill>
+            </p:spPr>
+            <p:txBody>
+              <a:bodyPr/>
+              <a:lstStyle/>
+              <a:p>
+                <a:r>
+                  <a:rPr lang="en-DE">
+                    <a:noFill/>
+                  </a:rPr>
+                  <a:t> </a:t>
+                </a:r>
+              </a:p>
+            </p:txBody>
+          </p:sp>
+        </mc:Fallback>
+      </mc:AlternateContent>
+      <p:sp>
+        <p:nvSpPr>
+          <p:cNvPr id="29" name="Oval 28">
+            <a:extLst>
+              <a:ext uri="{FF2B5EF4-FFF2-40B4-BE49-F238E27FC236}">
+                <a16:creationId xmlns:a16="http://schemas.microsoft.com/office/drawing/2014/main" id="{DCB837CD-D876-7E47-AF2F-272A32745FCC}"/>
+              </a:ext>
+            </a:extLst>
+          </p:cNvPr>
+          <p:cNvSpPr>
+            <a:spLocks noChangeAspect="1"/>
+          </p:cNvSpPr>
+          <p:nvPr/>
+        </p:nvSpPr>
+        <p:spPr>
+          <a:xfrm>
+            <a:off x="3817528" y="1809067"/>
+            <a:ext cx="79022" cy="82755"/>
+          </a:xfrm>
+          <a:prstGeom prst="ellipse">
+            <a:avLst/>
+          </a:prstGeom>
+          <a:ln/>
+        </p:spPr>
+        <p:style>
+          <a:lnRef idx="2">
+            <a:schemeClr val="dk1">
+              <a:shade val="15000"/>
+            </a:schemeClr>
+          </a:lnRef>
+          <a:fillRef idx="1">
+            <a:schemeClr val="dk1"/>
+          </a:fillRef>
+          <a:effectRef idx="0">
+            <a:schemeClr val="dk1"/>
+          </a:effectRef>
+          <a:fontRef idx="minor">
+            <a:schemeClr val="lt1"/>
+          </a:fontRef>
+        </p:style>
+        <p:txBody>
+          <a:bodyPr rtlCol="0" anchor="ctr"/>
+          <a:lstStyle/>
+          <a:p>
+            <a:pPr algn="ctr"/>
+            <a:endParaRPr lang="en-DE"/>
+          </a:p>
+        </p:txBody>
+      </p:sp>
+      <mc:AlternateContent xmlns:mc="http://schemas.openxmlformats.org/markup-compatibility/2006">
+        <mc:Choice xmlns:a14="http://schemas.microsoft.com/office/drawing/2010/main" Requires="a14">
+          <p:sp>
+            <p:nvSpPr>
+              <p:cNvPr id="44" name="TextBox 43">
+                <a:extLst>
+                  <a:ext uri="{FF2B5EF4-FFF2-40B4-BE49-F238E27FC236}">
+                    <a16:creationId xmlns:a16="http://schemas.microsoft.com/office/drawing/2014/main" id="{C20D4D30-6B3D-C148-B038-E732687E48BA}"/>
+                  </a:ext>
+                </a:extLst>
+              </p:cNvPr>
+              <p:cNvSpPr txBox="1"/>
+              <p:nvPr/>
+            </p:nvSpPr>
+            <p:spPr>
+              <a:xfrm>
+                <a:off x="1768804" y="1920904"/>
+                <a:ext cx="1085938" cy="369332"/>
+              </a:xfrm>
+              <a:prstGeom prst="rect">
+                <a:avLst/>
+              </a:prstGeom>
+              <a:noFill/>
+            </p:spPr>
+            <p:txBody>
+              <a:bodyPr wrap="none" rtlCol="0">
+                <a:spAutoFit/>
+              </a:bodyPr>
+              <a:lstStyle/>
+              <a:p>
+                <a:r>
+                  <a:rPr lang="en-DE" dirty="0">
+                    <a:latin typeface="BKM-cmtt12" panose="020B0501010101010101" pitchFamily="34" charset="2"/>
+                  </a:rPr>
+                  <a:t>State </a:t>
+                </a:r>
+                <a14:m>
+                  <m:oMath xmlns:m="http://schemas.openxmlformats.org/officeDocument/2006/math">
+                    <m:sSub>
+                      <m:sSubPr>
+                        <m:ctrlPr>
+                          <a:rPr lang="de-DE" b="0" i="1" smtClean="0">
+                            <a:latin typeface="Cambria Math" panose="02040503050406030204" pitchFamily="18" charset="0"/>
+                          </a:rPr>
+                        </m:ctrlPr>
+                      </m:sSubPr>
+                      <m:e>
+                        <m:r>
+                          <a:rPr lang="de-DE" b="0" i="1" smtClean="0">
+                            <a:latin typeface="Cambria Math" panose="02040503050406030204" pitchFamily="18" charset="0"/>
+                          </a:rPr>
+                          <m:t>𝑠</m:t>
+                        </m:r>
+                      </m:e>
+                      <m:sub>
+                        <m:r>
+                          <a:rPr lang="de-DE" b="0" i="1" smtClean="0">
+                            <a:latin typeface="Cambria Math" panose="02040503050406030204" pitchFamily="18" charset="0"/>
+                          </a:rPr>
+                          <m:t>𝑡</m:t>
+                        </m:r>
+                      </m:sub>
+                    </m:sSub>
+                  </m:oMath>
+                </a14:m>
+                <a:endParaRPr lang="en-DE" dirty="0">
                   <a:latin typeface="BKM-cmtt12" panose="020B0501010101010101" pitchFamily="34" charset="2"/>
-                </a:rPr>
-                <a:t>RL Algorithm</a:t>
-              </a:r>
-            </a:p>
-          </p:txBody>
-        </p:sp>
-        <p:cxnSp>
-          <p:nvCxnSpPr>
-            <p:cNvPr id="8" name="Straight Arrow Connector 7">
-              <a:extLst>
-                <a:ext uri="{FF2B5EF4-FFF2-40B4-BE49-F238E27FC236}">
-                  <a16:creationId xmlns:a16="http://schemas.microsoft.com/office/drawing/2014/main" id="{2994E9CD-C0B2-0E46-82B9-4E7BE6009764}"/>
-                </a:ext>
-              </a:extLst>
-            </p:cNvPr>
-            <p:cNvCxnSpPr>
-              <a:stCxn id="6" idx="0"/>
-              <a:endCxn id="5" idx="2"/>
-            </p:cNvCxnSpPr>
-            <p:nvPr/>
-          </p:nvCxnSpPr>
-          <p:spPr>
-            <a:xfrm flipH="1" flipV="1">
-              <a:off x="6350490" y="1843582"/>
-              <a:ext cx="348" cy="639680"/>
-            </a:xfrm>
-            <a:prstGeom prst="straightConnector1">
-              <a:avLst/>
-            </a:prstGeom>
-            <a:ln w="9525">
-              <a:tailEnd type="triangle"/>
-            </a:ln>
-          </p:spPr>
-          <p:style>
-            <a:lnRef idx="1">
-              <a:schemeClr val="dk1"/>
-            </a:lnRef>
-            <a:fillRef idx="0">
-              <a:schemeClr val="dk1"/>
-            </a:fillRef>
-            <a:effectRef idx="0">
-              <a:schemeClr val="dk1"/>
-            </a:effectRef>
-            <a:fontRef idx="minor">
-              <a:schemeClr val="tx1"/>
-            </a:fontRef>
-          </p:style>
-        </p:cxnSp>
-        <p:sp>
-          <p:nvSpPr>
-            <p:cNvPr id="9" name="TextBox 8">
-              <a:extLst>
-                <a:ext uri="{FF2B5EF4-FFF2-40B4-BE49-F238E27FC236}">
-                  <a16:creationId xmlns:a16="http://schemas.microsoft.com/office/drawing/2014/main" id="{33440869-735D-584C-9B74-B2A2085C7529}"/>
-                </a:ext>
-              </a:extLst>
-            </p:cNvPr>
-            <p:cNvSpPr txBox="1"/>
-            <p:nvPr/>
-          </p:nvSpPr>
-          <p:spPr>
-            <a:xfrm>
-              <a:off x="6350142" y="1848233"/>
-              <a:ext cx="930442" cy="646331"/>
-            </a:xfrm>
-            <a:prstGeom prst="rect">
-              <a:avLst/>
-            </a:prstGeom>
-            <a:noFill/>
-          </p:spPr>
-          <p:txBody>
-            <a:bodyPr wrap="square" rtlCol="0">
-              <a:spAutoFit/>
-            </a:bodyPr>
-            <a:lstStyle/>
-            <a:p>
-              <a:r>
-                <a:rPr lang="en-DE" dirty="0">
+                </a:endParaRPr>
+              </a:p>
+            </p:txBody>
+          </p:sp>
+        </mc:Choice>
+        <mc:Fallback>
+          <p:sp>
+            <p:nvSpPr>
+              <p:cNvPr id="44" name="TextBox 43">
+                <a:extLst>
+                  <a:ext uri="{FF2B5EF4-FFF2-40B4-BE49-F238E27FC236}">
+                    <a16:creationId xmlns:a16="http://schemas.microsoft.com/office/drawing/2014/main" id="{C20D4D30-6B3D-C148-B038-E732687E48BA}"/>
+                  </a:ext>
+                </a:extLst>
+              </p:cNvPr>
+              <p:cNvSpPr txBox="1">
+                <a:spLocks noRot="1" noChangeAspect="1" noMove="1" noResize="1" noEditPoints="1" noAdjustHandles="1" noChangeArrowheads="1" noChangeShapeType="1" noTextEdit="1"/>
+              </p:cNvSpPr>
+              <p:nvPr/>
+            </p:nvSpPr>
+            <p:spPr>
+              <a:xfrm>
+                <a:off x="1768804" y="1920904"/>
+                <a:ext cx="1085938" cy="369332"/>
+              </a:xfrm>
+              <a:prstGeom prst="rect">
+                <a:avLst/>
+              </a:prstGeom>
+              <a:blipFill>
+                <a:blip r:embed="rId5"/>
+                <a:stretch>
+                  <a:fillRect l="-4651" t="-6667" b="-23333"/>
+                </a:stretch>
+              </a:blipFill>
+            </p:spPr>
+            <p:txBody>
+              <a:bodyPr/>
+              <a:lstStyle/>
+              <a:p>
+                <a:r>
+                  <a:rPr lang="en-DE">
+                    <a:noFill/>
+                  </a:rPr>
+                  <a:t> </a:t>
+                </a:r>
+              </a:p>
+            </p:txBody>
+          </p:sp>
+        </mc:Fallback>
+      </mc:AlternateContent>
+      <mc:AlternateContent xmlns:mc="http://schemas.openxmlformats.org/markup-compatibility/2006">
+        <mc:Choice xmlns:a14="http://schemas.microsoft.com/office/drawing/2010/main" Requires="a14">
+          <p:sp>
+            <p:nvSpPr>
+              <p:cNvPr id="51" name="TextBox 50">
+                <a:extLst>
+                  <a:ext uri="{FF2B5EF4-FFF2-40B4-BE49-F238E27FC236}">
+                    <a16:creationId xmlns:a16="http://schemas.microsoft.com/office/drawing/2014/main" id="{BB41E694-D346-3048-BBFC-E426657607F3}"/>
+                  </a:ext>
+                </a:extLst>
+              </p:cNvPr>
+              <p:cNvSpPr txBox="1"/>
+              <p:nvPr/>
+            </p:nvSpPr>
+            <p:spPr>
+              <a:xfrm>
+                <a:off x="6038252" y="4417378"/>
+                <a:ext cx="1406026" cy="369332"/>
+              </a:xfrm>
+              <a:prstGeom prst="rect">
+                <a:avLst/>
+              </a:prstGeom>
+              <a:noFill/>
+            </p:spPr>
+            <p:txBody>
+              <a:bodyPr wrap="none" rtlCol="0">
+                <a:spAutoFit/>
+              </a:bodyPr>
+              <a:lstStyle/>
+              <a:p>
+                <a:r>
+                  <a:rPr lang="en-DE" dirty="0">
+                    <a:latin typeface="BKM-cmtt12" panose="020B0501010101010101" pitchFamily="34" charset="2"/>
+                  </a:rPr>
+                  <a:t>Reward </a:t>
+                </a:r>
+                <a14:m>
+                  <m:oMath xmlns:m="http://schemas.openxmlformats.org/officeDocument/2006/math">
+                    <m:sSub>
+                      <m:sSubPr>
+                        <m:ctrlPr>
+                          <a:rPr lang="de-DE" b="0" i="1" smtClean="0">
+                            <a:latin typeface="Cambria Math" panose="02040503050406030204" pitchFamily="18" charset="0"/>
+                          </a:rPr>
+                        </m:ctrlPr>
+                      </m:sSubPr>
+                      <m:e>
+                        <m:r>
+                          <a:rPr lang="de-DE" b="0" i="1" smtClean="0">
+                            <a:latin typeface="Cambria Math" panose="02040503050406030204" pitchFamily="18" charset="0"/>
+                          </a:rPr>
+                          <m:t>𝑟</m:t>
+                        </m:r>
+                      </m:e>
+                      <m:sub>
+                        <m:r>
+                          <a:rPr lang="de-DE" b="0" i="1" smtClean="0">
+                            <a:latin typeface="Cambria Math" panose="02040503050406030204" pitchFamily="18" charset="0"/>
+                          </a:rPr>
+                          <m:t>𝑡</m:t>
+                        </m:r>
+                        <m:r>
+                          <a:rPr lang="de-DE" b="0" i="1" smtClean="0">
+                            <a:latin typeface="Cambria Math" panose="02040503050406030204" pitchFamily="18" charset="0"/>
+                          </a:rPr>
+                          <m:t>+1</m:t>
+                        </m:r>
+                      </m:sub>
+                    </m:sSub>
+                  </m:oMath>
+                </a14:m>
+                <a:endParaRPr lang="en-DE" dirty="0">
                   <a:latin typeface="BKM-cmtt12" panose="020B0501010101010101" pitchFamily="34" charset="2"/>
-                </a:rPr>
-                <a:t>Policy Update</a:t>
-              </a:r>
-            </a:p>
-          </p:txBody>
-        </p:sp>
-        <p:cxnSp>
-          <p:nvCxnSpPr>
-            <p:cNvPr id="13" name="Straight Arrow Connector 12">
-              <a:extLst>
-                <a:ext uri="{FF2B5EF4-FFF2-40B4-BE49-F238E27FC236}">
-                  <a16:creationId xmlns:a16="http://schemas.microsoft.com/office/drawing/2014/main" id="{5C02FB6D-7E44-2E41-A0C3-5C533241419F}"/>
-                </a:ext>
-              </a:extLst>
-            </p:cNvPr>
-            <p:cNvCxnSpPr>
-              <a:cxnSpLocks/>
-              <a:stCxn id="5" idx="3"/>
-            </p:cNvCxnSpPr>
-            <p:nvPr/>
-          </p:nvCxnSpPr>
-          <p:spPr>
-            <a:xfrm flipV="1">
-              <a:off x="7092090" y="1551156"/>
-              <a:ext cx="997823" cy="3669"/>
-            </a:xfrm>
-            <a:prstGeom prst="straightConnector1">
-              <a:avLst/>
-            </a:prstGeom>
-            <a:ln w="9525">
-              <a:tailEnd type="triangle"/>
-            </a:ln>
-          </p:spPr>
-          <p:style>
-            <a:lnRef idx="1">
-              <a:schemeClr val="dk1"/>
-            </a:lnRef>
-            <a:fillRef idx="0">
-              <a:schemeClr val="dk1"/>
-            </a:fillRef>
-            <a:effectRef idx="0">
-              <a:schemeClr val="dk1"/>
-            </a:effectRef>
-            <a:fontRef idx="minor">
-              <a:schemeClr val="tx1"/>
-            </a:fontRef>
-          </p:style>
-        </p:cxnSp>
-        <p:sp>
-          <p:nvSpPr>
-            <p:cNvPr id="14" name="Oval 13">
-              <a:extLst>
-                <a:ext uri="{FF2B5EF4-FFF2-40B4-BE49-F238E27FC236}">
-                  <a16:creationId xmlns:a16="http://schemas.microsoft.com/office/drawing/2014/main" id="{CAEE7703-C20B-6E4E-99AA-FBECC878083C}"/>
-                </a:ext>
-              </a:extLst>
-            </p:cNvPr>
-            <p:cNvSpPr>
-              <a:spLocks noChangeAspect="1"/>
-            </p:cNvSpPr>
-            <p:nvPr/>
-          </p:nvSpPr>
-          <p:spPr>
-            <a:xfrm>
-              <a:off x="7749939" y="1518232"/>
-              <a:ext cx="66926" cy="64800"/>
-            </a:xfrm>
-            <a:prstGeom prst="ellipse">
-              <a:avLst/>
-            </a:prstGeom>
-            <a:ln/>
-          </p:spPr>
-          <p:style>
-            <a:lnRef idx="2">
-              <a:schemeClr val="dk1">
-                <a:shade val="15000"/>
-              </a:schemeClr>
-            </a:lnRef>
-            <a:fillRef idx="1">
-              <a:schemeClr val="dk1"/>
-            </a:fillRef>
-            <a:effectRef idx="0">
-              <a:schemeClr val="dk1"/>
-            </a:effectRef>
-            <a:fontRef idx="minor">
-              <a:schemeClr val="lt1"/>
-            </a:fontRef>
-          </p:style>
-          <p:txBody>
-            <a:bodyPr rtlCol="0" anchor="ctr"/>
-            <a:lstStyle/>
-            <a:p>
-              <a:pPr algn="ctr"/>
-              <a:endParaRPr lang="en-DE"/>
-            </a:p>
-          </p:txBody>
-        </p:sp>
-        <p:cxnSp>
-          <p:nvCxnSpPr>
-            <p:cNvPr id="19" name="Straight Arrow Connector 18">
-              <a:extLst>
-                <a:ext uri="{FF2B5EF4-FFF2-40B4-BE49-F238E27FC236}">
-                  <a16:creationId xmlns:a16="http://schemas.microsoft.com/office/drawing/2014/main" id="{4DEBFA68-5F38-514D-8914-EC9DD5EB3361}"/>
-                </a:ext>
-              </a:extLst>
-            </p:cNvPr>
-            <p:cNvCxnSpPr>
-              <a:stCxn id="14" idx="4"/>
-            </p:cNvCxnSpPr>
-            <p:nvPr/>
-          </p:nvCxnSpPr>
-          <p:spPr>
-            <a:xfrm rot="5400000">
-              <a:off x="6835316" y="1839808"/>
-              <a:ext cx="1204862" cy="691311"/>
-            </a:xfrm>
-            <a:prstGeom prst="bentConnector3">
-              <a:avLst>
-                <a:gd name="adj1" fmla="val 100020"/>
-              </a:avLst>
-            </a:prstGeom>
-            <a:ln w="9525">
-              <a:tailEnd type="triangle"/>
-            </a:ln>
-          </p:spPr>
-          <p:style>
-            <a:lnRef idx="1">
-              <a:schemeClr val="dk1"/>
-            </a:lnRef>
-            <a:fillRef idx="0">
-              <a:schemeClr val="dk1"/>
-            </a:fillRef>
-            <a:effectRef idx="0">
-              <a:schemeClr val="dk1"/>
-            </a:effectRef>
-            <a:fontRef idx="minor">
-              <a:schemeClr val="tx1"/>
-            </a:fontRef>
-          </p:style>
-        </p:cxnSp>
-        <p:sp>
-          <p:nvSpPr>
-            <p:cNvPr id="22" name="Rounded Rectangle 21">
-              <a:extLst>
-                <a:ext uri="{FF2B5EF4-FFF2-40B4-BE49-F238E27FC236}">
-                  <a16:creationId xmlns:a16="http://schemas.microsoft.com/office/drawing/2014/main" id="{87B06D59-F7F1-F84C-927F-575760FB292D}"/>
-                </a:ext>
-              </a:extLst>
-            </p:cNvPr>
-            <p:cNvSpPr/>
-            <p:nvPr/>
-          </p:nvSpPr>
-          <p:spPr>
-            <a:xfrm>
-              <a:off x="5346393" y="4078747"/>
-              <a:ext cx="2008194" cy="504063"/>
-            </a:xfrm>
-            <a:prstGeom prst="roundRect">
-              <a:avLst/>
-            </a:prstGeom>
-            <a:ln w="19050"/>
-          </p:spPr>
-          <p:style>
-            <a:lnRef idx="2">
-              <a:schemeClr val="dk1"/>
-            </a:lnRef>
-            <a:fillRef idx="1">
-              <a:schemeClr val="lt1"/>
-            </a:fillRef>
-            <a:effectRef idx="0">
-              <a:schemeClr val="dk1"/>
-            </a:effectRef>
-            <a:fontRef idx="minor">
-              <a:schemeClr val="dk1"/>
-            </a:fontRef>
-          </p:style>
-          <p:txBody>
-            <a:bodyPr rtlCol="0" anchor="ctr"/>
-            <a:lstStyle/>
-            <a:p>
-              <a:pPr algn="ctr"/>
-              <a:r>
-                <a:rPr lang="en-DE" dirty="0">
-                  <a:latin typeface="BKM-cmtt12" panose="020B0501010101010101" pitchFamily="34" charset="2"/>
-                </a:rPr>
-                <a:t>Environment</a:t>
-              </a:r>
-            </a:p>
-          </p:txBody>
-        </p:sp>
-        <p:cxnSp>
-          <p:nvCxnSpPr>
-            <p:cNvPr id="24" name="Straight Arrow Connector 23">
-              <a:extLst>
-                <a:ext uri="{FF2B5EF4-FFF2-40B4-BE49-F238E27FC236}">
-                  <a16:creationId xmlns:a16="http://schemas.microsoft.com/office/drawing/2014/main" id="{1A575D97-5121-8C4D-9A45-0C203500BEE3}"/>
-                </a:ext>
-              </a:extLst>
-            </p:cNvPr>
-            <p:cNvCxnSpPr>
-              <a:cxnSpLocks/>
-              <a:endCxn id="22" idx="3"/>
-            </p:cNvCxnSpPr>
-            <p:nvPr/>
-          </p:nvCxnSpPr>
-          <p:spPr>
-            <a:xfrm rot="5400000">
-              <a:off x="6861146" y="2040927"/>
-              <a:ext cx="2783293" cy="1796410"/>
-            </a:xfrm>
-            <a:prstGeom prst="bentConnector2">
-              <a:avLst/>
-            </a:prstGeom>
-            <a:ln w="9525">
-              <a:tailEnd type="triangle"/>
-            </a:ln>
-          </p:spPr>
-          <p:style>
-            <a:lnRef idx="1">
-              <a:schemeClr val="dk1"/>
-            </a:lnRef>
-            <a:fillRef idx="0">
-              <a:schemeClr val="dk1"/>
-            </a:fillRef>
-            <a:effectRef idx="0">
-              <a:schemeClr val="dk1"/>
-            </a:effectRef>
-            <a:fontRef idx="minor">
-              <a:schemeClr val="tx1"/>
-            </a:fontRef>
-          </p:style>
-        </p:cxnSp>
-        <p:cxnSp>
-          <p:nvCxnSpPr>
-            <p:cNvPr id="27" name="Straight Connector 26">
-              <a:extLst>
-                <a:ext uri="{FF2B5EF4-FFF2-40B4-BE49-F238E27FC236}">
-                  <a16:creationId xmlns:a16="http://schemas.microsoft.com/office/drawing/2014/main" id="{6B624B22-DE26-A042-A8FD-3950D720AD72}"/>
-                </a:ext>
-              </a:extLst>
-            </p:cNvPr>
-            <p:cNvCxnSpPr>
-              <a:cxnSpLocks/>
-            </p:cNvCxnSpPr>
-            <p:nvPr/>
-          </p:nvCxnSpPr>
-          <p:spPr>
-            <a:xfrm flipV="1">
-              <a:off x="8089913" y="1551155"/>
-              <a:ext cx="1061084" cy="1"/>
-            </a:xfrm>
-            <a:prstGeom prst="line">
-              <a:avLst/>
-            </a:prstGeom>
-          </p:spPr>
-          <p:style>
-            <a:lnRef idx="1">
-              <a:schemeClr val="dk1"/>
-            </a:lnRef>
-            <a:fillRef idx="0">
-              <a:schemeClr val="dk1"/>
-            </a:fillRef>
-            <a:effectRef idx="0">
-              <a:schemeClr val="dk1"/>
-            </a:effectRef>
-            <a:fontRef idx="minor">
-              <a:schemeClr val="tx1"/>
-            </a:fontRef>
-          </p:style>
-        </p:cxnSp>
-        <mc:AlternateContent xmlns:mc="http://schemas.openxmlformats.org/markup-compatibility/2006" xmlns:a14="http://schemas.microsoft.com/office/drawing/2010/main">
-          <mc:Choice Requires="a14">
-            <p:sp>
-              <p:nvSpPr>
-                <p:cNvPr id="28" name="TextBox 27">
-                  <a:extLst>
-                    <a:ext uri="{FF2B5EF4-FFF2-40B4-BE49-F238E27FC236}">
-                      <a16:creationId xmlns:a16="http://schemas.microsoft.com/office/drawing/2014/main" id="{A363B839-10A3-7B43-8670-133E55F0D08E}"/>
-                    </a:ext>
-                  </a:extLst>
-                </p:cNvPr>
-                <p:cNvSpPr txBox="1"/>
-                <p:nvPr/>
-              </p:nvSpPr>
-              <p:spPr>
-                <a:xfrm>
-                  <a:off x="9122661" y="1567672"/>
-                  <a:ext cx="1231043" cy="369332"/>
-                </a:xfrm>
-                <a:prstGeom prst="rect">
-                  <a:avLst/>
-                </a:prstGeom>
-                <a:noFill/>
-              </p:spPr>
-              <p:txBody>
-                <a:bodyPr wrap="none" rtlCol="0">
-                  <a:spAutoFit/>
-                </a:bodyPr>
-                <a:lstStyle/>
-                <a:p>
-                  <a:r>
-                    <a:rPr lang="en-DE" dirty="0">
-                      <a:latin typeface="BKM-cmtt12" panose="020B0501010101010101" pitchFamily="34" charset="2"/>
-                    </a:rPr>
-                    <a:t>Action </a:t>
-                  </a:r>
-                  <a14:m>
-                    <m:oMath xmlns:m="http://schemas.openxmlformats.org/officeDocument/2006/math">
-                      <m:sSub>
-                        <m:sSubPr>
-                          <m:ctrlPr>
-                            <a:rPr lang="de-DE" b="0" i="1" smtClean="0">
-                              <a:latin typeface="Cambria Math" panose="02040503050406030204" pitchFamily="18" charset="0"/>
-                            </a:rPr>
-                          </m:ctrlPr>
-                        </m:sSubPr>
-                        <m:e>
-                          <m:r>
-                            <a:rPr lang="de-DE" b="0" i="1" smtClean="0">
-                              <a:latin typeface="Cambria Math" panose="02040503050406030204" pitchFamily="18" charset="0"/>
-                            </a:rPr>
-                            <m:t>𝑎</m:t>
-                          </m:r>
-                        </m:e>
-                        <m:sub>
-                          <m:r>
-                            <a:rPr lang="de-DE" b="0" i="1" smtClean="0">
-                              <a:latin typeface="Cambria Math" panose="02040503050406030204" pitchFamily="18" charset="0"/>
-                            </a:rPr>
-                            <m:t>𝑡</m:t>
-                          </m:r>
-                        </m:sub>
-                      </m:sSub>
-                    </m:oMath>
-                  </a14:m>
-                  <a:endParaRPr lang="en-DE" dirty="0">
-                    <a:latin typeface="BKM-cmtt12" panose="020B0501010101010101" pitchFamily="34" charset="2"/>
-                  </a:endParaRPr>
-                </a:p>
-              </p:txBody>
-            </p:sp>
-          </mc:Choice>
-          <mc:Fallback xmlns="">
-            <p:sp>
-              <p:nvSpPr>
-                <p:cNvPr id="28" name="TextBox 27">
-                  <a:extLst>
-                    <a:ext uri="{FF2B5EF4-FFF2-40B4-BE49-F238E27FC236}">
-                      <a16:creationId xmlns:a16="http://schemas.microsoft.com/office/drawing/2014/main" id="{A363B839-10A3-7B43-8670-133E55F0D08E}"/>
-                    </a:ext>
-                  </a:extLst>
-                </p:cNvPr>
-                <p:cNvSpPr txBox="1">
-                  <a:spLocks noRot="1" noChangeAspect="1" noMove="1" noResize="1" noEditPoints="1" noAdjustHandles="1" noChangeArrowheads="1" noChangeShapeType="1" noTextEdit="1"/>
-                </p:cNvSpPr>
-                <p:nvPr/>
-              </p:nvSpPr>
-              <p:spPr>
-                <a:xfrm>
-                  <a:off x="9122661" y="1567672"/>
-                  <a:ext cx="1231043" cy="369332"/>
-                </a:xfrm>
-                <a:prstGeom prst="rect">
-                  <a:avLst/>
-                </a:prstGeom>
-                <a:blipFill>
-                  <a:blip r:embed="rId4"/>
-                  <a:stretch>
-                    <a:fillRect l="-3448" t="-7895"/>
-                  </a:stretch>
-                </a:blipFill>
-              </p:spPr>
-              <p:txBody>
-                <a:bodyPr/>
-                <a:lstStyle/>
-                <a:p>
-                  <a:r>
-                    <a:rPr lang="en-DE">
-                      <a:noFill/>
-                    </a:rPr>
-                    <a:t> </a:t>
-                  </a:r>
-                </a:p>
-              </p:txBody>
-            </p:sp>
-          </mc:Fallback>
-        </mc:AlternateContent>
-        <p:sp>
-          <p:nvSpPr>
-            <p:cNvPr id="29" name="Oval 28">
-              <a:extLst>
-                <a:ext uri="{FF2B5EF4-FFF2-40B4-BE49-F238E27FC236}">
-                  <a16:creationId xmlns:a16="http://schemas.microsoft.com/office/drawing/2014/main" id="{DCB837CD-D876-7E47-AF2F-272A32745FCC}"/>
-                </a:ext>
-              </a:extLst>
-            </p:cNvPr>
-            <p:cNvSpPr>
-              <a:spLocks noChangeAspect="1"/>
-            </p:cNvSpPr>
-            <p:nvPr/>
-          </p:nvSpPr>
-          <p:spPr>
-            <a:xfrm>
-              <a:off x="4850241" y="1521406"/>
-              <a:ext cx="66926" cy="64800"/>
-            </a:xfrm>
-            <a:prstGeom prst="ellipse">
-              <a:avLst/>
-            </a:prstGeom>
-            <a:ln/>
-          </p:spPr>
-          <p:style>
-            <a:lnRef idx="2">
-              <a:schemeClr val="dk1">
-                <a:shade val="15000"/>
-              </a:schemeClr>
-            </a:lnRef>
-            <a:fillRef idx="1">
-              <a:schemeClr val="dk1"/>
-            </a:fillRef>
-            <a:effectRef idx="0">
-              <a:schemeClr val="dk1"/>
-            </a:effectRef>
-            <a:fontRef idx="minor">
-              <a:schemeClr val="lt1"/>
-            </a:fontRef>
-          </p:style>
-          <p:txBody>
-            <a:bodyPr rtlCol="0" anchor="ctr"/>
-            <a:lstStyle/>
-            <a:p>
-              <a:pPr algn="ctr"/>
-              <a:endParaRPr lang="en-DE"/>
-            </a:p>
-          </p:txBody>
-        </p:sp>
-        <p:cxnSp>
-          <p:nvCxnSpPr>
-            <p:cNvPr id="31" name="Straight Arrow Connector 30">
-              <a:extLst>
-                <a:ext uri="{FF2B5EF4-FFF2-40B4-BE49-F238E27FC236}">
-                  <a16:creationId xmlns:a16="http://schemas.microsoft.com/office/drawing/2014/main" id="{C95405E9-3A15-D340-B142-F5A423F4421D}"/>
-                </a:ext>
-              </a:extLst>
-            </p:cNvPr>
-            <p:cNvCxnSpPr>
-              <a:cxnSpLocks/>
-              <a:endCxn id="5" idx="1"/>
-            </p:cNvCxnSpPr>
-            <p:nvPr/>
-          </p:nvCxnSpPr>
-          <p:spPr>
-            <a:xfrm>
-              <a:off x="4611067" y="1554825"/>
-              <a:ext cx="997823" cy="0"/>
-            </a:xfrm>
-            <a:prstGeom prst="straightConnector1">
-              <a:avLst/>
-            </a:prstGeom>
-            <a:ln w="9525">
-              <a:tailEnd type="triangle"/>
-            </a:ln>
-          </p:spPr>
-          <p:style>
-            <a:lnRef idx="1">
-              <a:schemeClr val="dk1"/>
-            </a:lnRef>
-            <a:fillRef idx="0">
-              <a:schemeClr val="dk1"/>
-            </a:fillRef>
-            <a:effectRef idx="0">
-              <a:schemeClr val="dk1"/>
-            </a:effectRef>
-            <a:fontRef idx="minor">
-              <a:schemeClr val="tx1"/>
-            </a:fontRef>
-          </p:style>
-        </p:cxnSp>
-        <p:cxnSp>
-          <p:nvCxnSpPr>
-            <p:cNvPr id="33" name="Straight Arrow Connector 32">
-              <a:extLst>
-                <a:ext uri="{FF2B5EF4-FFF2-40B4-BE49-F238E27FC236}">
-                  <a16:creationId xmlns:a16="http://schemas.microsoft.com/office/drawing/2014/main" id="{4BBFAA62-07D5-3242-9DCF-84ABA2DDDED7}"/>
-                </a:ext>
-              </a:extLst>
-            </p:cNvPr>
-            <p:cNvCxnSpPr>
-              <a:stCxn id="29" idx="4"/>
-            </p:cNvCxnSpPr>
-            <p:nvPr/>
-          </p:nvCxnSpPr>
-          <p:spPr>
-            <a:xfrm rot="16200000" flipH="1">
-              <a:off x="4643865" y="1826044"/>
-              <a:ext cx="1204862" cy="725185"/>
-            </a:xfrm>
-            <a:prstGeom prst="bentConnector3">
-              <a:avLst>
-                <a:gd name="adj1" fmla="val 100020"/>
-              </a:avLst>
-            </a:prstGeom>
-            <a:ln w="9525">
-              <a:tailEnd type="triangle"/>
-            </a:ln>
-          </p:spPr>
-          <p:style>
-            <a:lnRef idx="1">
-              <a:schemeClr val="dk1"/>
-            </a:lnRef>
-            <a:fillRef idx="0">
-              <a:schemeClr val="dk1"/>
-            </a:fillRef>
-            <a:effectRef idx="0">
-              <a:schemeClr val="dk1"/>
-            </a:effectRef>
-            <a:fontRef idx="minor">
-              <a:schemeClr val="tx1"/>
-            </a:fontRef>
-          </p:style>
-        </p:cxnSp>
-        <p:cxnSp>
-          <p:nvCxnSpPr>
-            <p:cNvPr id="37" name="Straight Arrow Connector 36">
-              <a:extLst>
-                <a:ext uri="{FF2B5EF4-FFF2-40B4-BE49-F238E27FC236}">
-                  <a16:creationId xmlns:a16="http://schemas.microsoft.com/office/drawing/2014/main" id="{98DB4A57-883C-8B4A-94F4-DF249A21AF4C}"/>
-                </a:ext>
-              </a:extLst>
-            </p:cNvPr>
-            <p:cNvCxnSpPr>
-              <a:cxnSpLocks/>
-            </p:cNvCxnSpPr>
-            <p:nvPr/>
-          </p:nvCxnSpPr>
-          <p:spPr>
-            <a:xfrm>
-              <a:off x="3578318" y="1554330"/>
-              <a:ext cx="1036800" cy="0"/>
-            </a:xfrm>
-            <a:prstGeom prst="straightConnector1">
-              <a:avLst/>
-            </a:prstGeom>
-            <a:ln w="9525">
-              <a:tailEnd type="triangle"/>
-            </a:ln>
-          </p:spPr>
-          <p:style>
-            <a:lnRef idx="1">
-              <a:schemeClr val="dk1"/>
-            </a:lnRef>
-            <a:fillRef idx="0">
-              <a:schemeClr val="dk1"/>
-            </a:fillRef>
-            <a:effectRef idx="0">
-              <a:schemeClr val="dk1"/>
-            </a:effectRef>
-            <a:fontRef idx="minor">
-              <a:schemeClr val="tx1"/>
-            </a:fontRef>
-          </p:style>
-        </p:cxnSp>
-        <p:cxnSp>
-          <p:nvCxnSpPr>
-            <p:cNvPr id="38" name="Straight Connector 37">
-              <a:extLst>
-                <a:ext uri="{FF2B5EF4-FFF2-40B4-BE49-F238E27FC236}">
-                  <a16:creationId xmlns:a16="http://schemas.microsoft.com/office/drawing/2014/main" id="{2C6B8B91-08D9-0A44-9FED-BF0463199919}"/>
-                </a:ext>
-              </a:extLst>
-            </p:cNvPr>
-            <p:cNvCxnSpPr>
-              <a:cxnSpLocks/>
-            </p:cNvCxnSpPr>
-            <p:nvPr/>
-          </p:nvCxnSpPr>
-          <p:spPr>
-            <a:xfrm>
-              <a:off x="3578318" y="4319451"/>
-              <a:ext cx="1767600" cy="0"/>
-            </a:xfrm>
-            <a:prstGeom prst="line">
-              <a:avLst/>
-            </a:prstGeom>
-          </p:spPr>
-          <p:style>
-            <a:lnRef idx="1">
-              <a:schemeClr val="dk1"/>
-            </a:lnRef>
-            <a:fillRef idx="0">
-              <a:schemeClr val="dk1"/>
-            </a:fillRef>
-            <a:effectRef idx="0">
-              <a:schemeClr val="dk1"/>
-            </a:effectRef>
-            <a:fontRef idx="minor">
-              <a:schemeClr val="tx1"/>
-            </a:fontRef>
-          </p:style>
-        </p:cxnSp>
-        <p:cxnSp>
-          <p:nvCxnSpPr>
-            <p:cNvPr id="41" name="Straight Connector 40">
-              <a:extLst>
-                <a:ext uri="{FF2B5EF4-FFF2-40B4-BE49-F238E27FC236}">
-                  <a16:creationId xmlns:a16="http://schemas.microsoft.com/office/drawing/2014/main" id="{66767187-1120-374F-A2CF-6078ADEE7BEA}"/>
-                </a:ext>
-              </a:extLst>
-            </p:cNvPr>
-            <p:cNvCxnSpPr>
-              <a:cxnSpLocks/>
-            </p:cNvCxnSpPr>
-            <p:nvPr/>
-          </p:nvCxnSpPr>
-          <p:spPr>
-            <a:xfrm>
-              <a:off x="3578318" y="1555165"/>
-              <a:ext cx="0" cy="2764800"/>
-            </a:xfrm>
-            <a:prstGeom prst="line">
-              <a:avLst/>
-            </a:prstGeom>
-            <a:ln w="9525"/>
-          </p:spPr>
-          <p:style>
-            <a:lnRef idx="1">
-              <a:schemeClr val="dk1"/>
-            </a:lnRef>
-            <a:fillRef idx="0">
-              <a:schemeClr val="dk1"/>
-            </a:fillRef>
-            <a:effectRef idx="0">
-              <a:schemeClr val="dk1"/>
-            </a:effectRef>
-            <a:fontRef idx="minor">
-              <a:schemeClr val="tx1"/>
-            </a:fontRef>
-          </p:style>
-        </p:cxnSp>
-        <mc:AlternateContent xmlns:mc="http://schemas.openxmlformats.org/markup-compatibility/2006">
-          <mc:Choice xmlns:a14="http://schemas.microsoft.com/office/drawing/2010/main" Requires="a14">
-            <p:sp>
-              <p:nvSpPr>
-                <p:cNvPr id="44" name="TextBox 43">
-                  <a:extLst>
-                    <a:ext uri="{FF2B5EF4-FFF2-40B4-BE49-F238E27FC236}">
-                      <a16:creationId xmlns:a16="http://schemas.microsoft.com/office/drawing/2014/main" id="{C20D4D30-6B3D-C148-B038-E732687E48BA}"/>
-                    </a:ext>
-                  </a:extLst>
-                </p:cNvPr>
-                <p:cNvSpPr txBox="1"/>
-                <p:nvPr/>
-              </p:nvSpPr>
-              <p:spPr>
-                <a:xfrm>
-                  <a:off x="2693530" y="1607737"/>
-                  <a:ext cx="919713" cy="289201"/>
-                </a:xfrm>
-                <a:prstGeom prst="rect">
-                  <a:avLst/>
-                </a:prstGeom>
-                <a:noFill/>
-              </p:spPr>
-              <p:txBody>
-                <a:bodyPr wrap="none" rtlCol="0">
-                  <a:spAutoFit/>
-                </a:bodyPr>
-                <a:lstStyle/>
-                <a:p>
-                  <a:r>
-                    <a:rPr lang="en-DE" dirty="0">
-                      <a:latin typeface="BKM-cmtt12" panose="020B0501010101010101" pitchFamily="34" charset="2"/>
-                    </a:rPr>
-                    <a:t>State </a:t>
-                  </a:r>
-                  <a14:m>
-                    <m:oMath xmlns:m="http://schemas.openxmlformats.org/officeDocument/2006/math">
-                      <m:sSub>
-                        <m:sSubPr>
-                          <m:ctrlPr>
-                            <a:rPr lang="de-DE" b="0" i="1" smtClean="0">
-                              <a:latin typeface="Cambria Math" panose="02040503050406030204" pitchFamily="18" charset="0"/>
-                            </a:rPr>
-                          </m:ctrlPr>
-                        </m:sSubPr>
-                        <m:e>
-                          <m:r>
-                            <a:rPr lang="de-DE" b="0" i="1" smtClean="0">
-                              <a:latin typeface="Cambria Math" panose="02040503050406030204" pitchFamily="18" charset="0"/>
-                            </a:rPr>
-                            <m:t>𝑠</m:t>
-                          </m:r>
-                        </m:e>
-                        <m:sub>
-                          <m:r>
-                            <a:rPr lang="de-DE" b="0" i="1" smtClean="0">
-                              <a:latin typeface="Cambria Math" panose="02040503050406030204" pitchFamily="18" charset="0"/>
-                            </a:rPr>
-                            <m:t>𝑡</m:t>
-                          </m:r>
-                        </m:sub>
-                      </m:sSub>
-                    </m:oMath>
-                  </a14:m>
-                  <a:endParaRPr lang="en-DE" dirty="0">
-                    <a:latin typeface="BKM-cmtt12" panose="020B0501010101010101" pitchFamily="34" charset="2"/>
-                  </a:endParaRPr>
-                </a:p>
-              </p:txBody>
-            </p:sp>
-          </mc:Choice>
-          <mc:Fallback>
-            <p:sp>
-              <p:nvSpPr>
-                <p:cNvPr id="44" name="TextBox 43">
-                  <a:extLst>
-                    <a:ext uri="{FF2B5EF4-FFF2-40B4-BE49-F238E27FC236}">
-                      <a16:creationId xmlns:a16="http://schemas.microsoft.com/office/drawing/2014/main" id="{C20D4D30-6B3D-C148-B038-E732687E48BA}"/>
-                    </a:ext>
-                  </a:extLst>
-                </p:cNvPr>
-                <p:cNvSpPr txBox="1">
-                  <a:spLocks noRot="1" noChangeAspect="1" noMove="1" noResize="1" noEditPoints="1" noAdjustHandles="1" noChangeArrowheads="1" noChangeShapeType="1" noTextEdit="1"/>
-                </p:cNvSpPr>
-                <p:nvPr/>
-              </p:nvSpPr>
-              <p:spPr>
-                <a:xfrm>
-                  <a:off x="2693530" y="1607737"/>
-                  <a:ext cx="919713" cy="289201"/>
-                </a:xfrm>
-                <a:prstGeom prst="rect">
-                  <a:avLst/>
-                </a:prstGeom>
-                <a:blipFill>
-                  <a:blip r:embed="rId5"/>
-                  <a:stretch>
-                    <a:fillRect l="-4651" t="-6667" b="-23333"/>
-                  </a:stretch>
-                </a:blipFill>
-              </p:spPr>
-              <p:txBody>
-                <a:bodyPr/>
-                <a:lstStyle/>
-                <a:p>
-                  <a:r>
-                    <a:rPr lang="en-DE">
-                      <a:noFill/>
-                    </a:rPr>
-                    <a:t> </a:t>
-                  </a:r>
-                </a:p>
-              </p:txBody>
-            </p:sp>
-          </mc:Fallback>
-        </mc:AlternateContent>
-        <p:cxnSp>
-          <p:nvCxnSpPr>
-            <p:cNvPr id="46" name="Straight Arrow Connector 45">
-              <a:extLst>
-                <a:ext uri="{FF2B5EF4-FFF2-40B4-BE49-F238E27FC236}">
-                  <a16:creationId xmlns:a16="http://schemas.microsoft.com/office/drawing/2014/main" id="{ECE096B7-8DFF-8940-AB4A-C293D84A1BFE}"/>
-                </a:ext>
-              </a:extLst>
-            </p:cNvPr>
-            <p:cNvCxnSpPr>
-              <a:stCxn id="22" idx="0"/>
-              <a:endCxn id="4" idx="2"/>
-            </p:cNvCxnSpPr>
-            <p:nvPr/>
-          </p:nvCxnSpPr>
-          <p:spPr>
-            <a:xfrm flipV="1">
-              <a:off x="6350490" y="3427740"/>
-              <a:ext cx="0" cy="651007"/>
-            </a:xfrm>
-            <a:prstGeom prst="straightConnector1">
-              <a:avLst/>
-            </a:prstGeom>
-            <a:ln w="9525">
-              <a:tailEnd type="triangle"/>
-            </a:ln>
-          </p:spPr>
-          <p:style>
-            <a:lnRef idx="1">
-              <a:schemeClr val="dk1"/>
-            </a:lnRef>
-            <a:fillRef idx="0">
-              <a:schemeClr val="dk1"/>
-            </a:fillRef>
-            <a:effectRef idx="0">
-              <a:schemeClr val="dk1"/>
-            </a:effectRef>
-            <a:fontRef idx="minor">
-              <a:schemeClr val="tx1"/>
-            </a:fontRef>
-          </p:style>
-        </p:cxnSp>
-        <p:cxnSp>
-          <p:nvCxnSpPr>
-            <p:cNvPr id="50" name="Straight Arrow Connector 49">
-              <a:extLst>
-                <a:ext uri="{FF2B5EF4-FFF2-40B4-BE49-F238E27FC236}">
-                  <a16:creationId xmlns:a16="http://schemas.microsoft.com/office/drawing/2014/main" id="{0D4BF8E5-B79A-6143-B0E8-3AAA41505B77}"/>
-                </a:ext>
-              </a:extLst>
-            </p:cNvPr>
-            <p:cNvCxnSpPr>
-              <a:stCxn id="4" idx="2"/>
-            </p:cNvCxnSpPr>
-            <p:nvPr/>
-          </p:nvCxnSpPr>
-          <p:spPr>
-            <a:xfrm flipV="1">
-              <a:off x="6350490" y="3060777"/>
-              <a:ext cx="0" cy="366963"/>
-            </a:xfrm>
-            <a:prstGeom prst="straightConnector1">
-              <a:avLst/>
-            </a:prstGeom>
-            <a:ln w="9525">
-              <a:tailEnd type="triangle"/>
-            </a:ln>
-          </p:spPr>
-          <p:style>
-            <a:lnRef idx="1">
-              <a:schemeClr val="dk1"/>
-            </a:lnRef>
-            <a:fillRef idx="0">
-              <a:schemeClr val="dk1"/>
-            </a:fillRef>
-            <a:effectRef idx="0">
-              <a:schemeClr val="dk1"/>
-            </a:effectRef>
-            <a:fontRef idx="minor">
-              <a:schemeClr val="tx1"/>
-            </a:fontRef>
-          </p:style>
-        </p:cxnSp>
-        <mc:AlternateContent xmlns:mc="http://schemas.openxmlformats.org/markup-compatibility/2006">
-          <mc:Choice xmlns:a14="http://schemas.microsoft.com/office/drawing/2010/main" Requires="a14">
-            <p:sp>
-              <p:nvSpPr>
-                <p:cNvPr id="51" name="TextBox 50">
-                  <a:extLst>
-                    <a:ext uri="{FF2B5EF4-FFF2-40B4-BE49-F238E27FC236}">
-                      <a16:creationId xmlns:a16="http://schemas.microsoft.com/office/drawing/2014/main" id="{BB41E694-D346-3048-BBFC-E426657607F3}"/>
-                    </a:ext>
-                  </a:extLst>
-                </p:cNvPr>
-                <p:cNvSpPr txBox="1"/>
-                <p:nvPr/>
-              </p:nvSpPr>
-              <p:spPr>
-                <a:xfrm>
-                  <a:off x="6309452" y="3562571"/>
-                  <a:ext cx="1190805" cy="289201"/>
-                </a:xfrm>
-                <a:prstGeom prst="rect">
-                  <a:avLst/>
-                </a:prstGeom>
-                <a:noFill/>
-              </p:spPr>
-              <p:txBody>
-                <a:bodyPr wrap="none" rtlCol="0">
-                  <a:spAutoFit/>
-                </a:bodyPr>
-                <a:lstStyle/>
-                <a:p>
-                  <a:r>
-                    <a:rPr lang="en-DE" dirty="0">
-                      <a:latin typeface="BKM-cmtt12" panose="020B0501010101010101" pitchFamily="34" charset="2"/>
-                    </a:rPr>
-                    <a:t>Reward </a:t>
-                  </a:r>
-                  <a14:m>
-                    <m:oMath xmlns:m="http://schemas.openxmlformats.org/officeDocument/2006/math">
-                      <m:sSub>
-                        <m:sSubPr>
-                          <m:ctrlPr>
-                            <a:rPr lang="de-DE" b="0" i="1" smtClean="0">
-                              <a:latin typeface="Cambria Math" panose="02040503050406030204" pitchFamily="18" charset="0"/>
-                            </a:rPr>
-                          </m:ctrlPr>
-                        </m:sSubPr>
-                        <m:e>
-                          <m:r>
-                            <a:rPr lang="de-DE" b="0" i="1" smtClean="0">
-                              <a:latin typeface="Cambria Math" panose="02040503050406030204" pitchFamily="18" charset="0"/>
-                            </a:rPr>
-                            <m:t>𝑟</m:t>
-                          </m:r>
-                        </m:e>
-                        <m:sub>
-                          <m:r>
-                            <a:rPr lang="de-DE" b="0" i="1" smtClean="0">
-                              <a:latin typeface="Cambria Math" panose="02040503050406030204" pitchFamily="18" charset="0"/>
-                            </a:rPr>
-                            <m:t>𝑡</m:t>
-                          </m:r>
-                          <m:r>
-                            <a:rPr lang="de-DE" b="0" i="1" smtClean="0">
-                              <a:latin typeface="Cambria Math" panose="02040503050406030204" pitchFamily="18" charset="0"/>
-                            </a:rPr>
-                            <m:t>+1</m:t>
-                          </m:r>
-                        </m:sub>
-                      </m:sSub>
-                    </m:oMath>
-                  </a14:m>
-                  <a:endParaRPr lang="en-DE" dirty="0">
-                    <a:latin typeface="BKM-cmtt12" panose="020B0501010101010101" pitchFamily="34" charset="2"/>
-                  </a:endParaRPr>
-                </a:p>
-              </p:txBody>
-            </p:sp>
-          </mc:Choice>
-          <mc:Fallback>
-            <p:sp>
-              <p:nvSpPr>
-                <p:cNvPr id="51" name="TextBox 50">
-                  <a:extLst>
-                    <a:ext uri="{FF2B5EF4-FFF2-40B4-BE49-F238E27FC236}">
-                      <a16:creationId xmlns:a16="http://schemas.microsoft.com/office/drawing/2014/main" id="{BB41E694-D346-3048-BBFC-E426657607F3}"/>
-                    </a:ext>
-                  </a:extLst>
-                </p:cNvPr>
-                <p:cNvSpPr txBox="1">
-                  <a:spLocks noRot="1" noChangeAspect="1" noMove="1" noResize="1" noEditPoints="1" noAdjustHandles="1" noChangeArrowheads="1" noChangeShapeType="1" noTextEdit="1"/>
-                </p:cNvSpPr>
-                <p:nvPr/>
-              </p:nvSpPr>
-              <p:spPr>
-                <a:xfrm>
-                  <a:off x="6309452" y="3562571"/>
-                  <a:ext cx="1190805" cy="289201"/>
-                </a:xfrm>
-                <a:prstGeom prst="rect">
-                  <a:avLst/>
-                </a:prstGeom>
-                <a:blipFill>
-                  <a:blip r:embed="rId6"/>
-                  <a:stretch>
-                    <a:fillRect l="-3571" t="-10345" b="-24138"/>
-                  </a:stretch>
-                </a:blipFill>
-              </p:spPr>
-              <p:txBody>
-                <a:bodyPr/>
-                <a:lstStyle/>
-                <a:p>
-                  <a:r>
-                    <a:rPr lang="en-DE">
-                      <a:noFill/>
-                    </a:rPr>
-                    <a:t> </a:t>
-                  </a:r>
-                </a:p>
-              </p:txBody>
-            </p:sp>
-          </mc:Fallback>
-        </mc:AlternateContent>
-      </p:grpSp>
+                </a:endParaRPr>
+              </a:p>
+            </p:txBody>
+          </p:sp>
+        </mc:Choice>
+        <mc:Fallback>
+          <p:sp>
+            <p:nvSpPr>
+              <p:cNvPr id="51" name="TextBox 50">
+                <a:extLst>
+                  <a:ext uri="{FF2B5EF4-FFF2-40B4-BE49-F238E27FC236}">
+                    <a16:creationId xmlns:a16="http://schemas.microsoft.com/office/drawing/2014/main" id="{BB41E694-D346-3048-BBFC-E426657607F3}"/>
+                  </a:ext>
+                </a:extLst>
+              </p:cNvPr>
+              <p:cNvSpPr txBox="1">
+                <a:spLocks noRot="1" noChangeAspect="1" noMove="1" noResize="1" noEditPoints="1" noAdjustHandles="1" noChangeArrowheads="1" noChangeShapeType="1" noTextEdit="1"/>
+              </p:cNvSpPr>
+              <p:nvPr/>
+            </p:nvSpPr>
+            <p:spPr>
+              <a:xfrm>
+                <a:off x="6038252" y="4417378"/>
+                <a:ext cx="1406026" cy="369332"/>
+              </a:xfrm>
+              <a:prstGeom prst="rect">
+                <a:avLst/>
+              </a:prstGeom>
+              <a:blipFill>
+                <a:blip r:embed="rId6"/>
+                <a:stretch>
+                  <a:fillRect l="-3571" t="-10345" b="-24138"/>
+                </a:stretch>
+              </a:blipFill>
+            </p:spPr>
+            <p:txBody>
+              <a:bodyPr/>
+              <a:lstStyle/>
+              <a:p>
+                <a:r>
+                  <a:rPr lang="en-DE">
+                    <a:noFill/>
+                  </a:rPr>
+                  <a:t> </a:t>
+                </a:r>
+              </a:p>
+            </p:txBody>
+          </p:sp>
+        </mc:Fallback>
+      </mc:AlternateContent>
+      <p:cxnSp>
+        <p:nvCxnSpPr>
+          <p:cNvPr id="75" name="Straight Arrow Connector 74">
+            <a:extLst>
+              <a:ext uri="{FF2B5EF4-FFF2-40B4-BE49-F238E27FC236}">
+                <a16:creationId xmlns:a16="http://schemas.microsoft.com/office/drawing/2014/main" id="{617B8ED9-4583-E36D-E6F5-237F10067979}"/>
+              </a:ext>
+            </a:extLst>
+          </p:cNvPr>
+          <p:cNvCxnSpPr>
+            <a:stCxn id="4" idx="2"/>
+            <a:endCxn id="6" idx="2"/>
+          </p:cNvCxnSpPr>
+          <p:nvPr/>
+        </p:nvCxnSpPr>
+        <p:spPr>
+          <a:xfrm flipV="1">
+            <a:off x="6096001" y="3778299"/>
+            <a:ext cx="0" cy="490240"/>
+          </a:xfrm>
+          <a:prstGeom prst="straightConnector1">
+            <a:avLst/>
+          </a:prstGeom>
+          <a:ln w="9525">
+            <a:tailEnd type="triangle"/>
+          </a:ln>
+        </p:spPr>
+        <p:style>
+          <a:lnRef idx="1">
+            <a:schemeClr val="dk1"/>
+          </a:lnRef>
+          <a:fillRef idx="0">
+            <a:schemeClr val="dk1"/>
+          </a:fillRef>
+          <a:effectRef idx="0">
+            <a:schemeClr val="dk1"/>
+          </a:effectRef>
+          <a:fontRef idx="minor">
+            <a:schemeClr val="tx1"/>
+          </a:fontRef>
+        </p:style>
+      </p:cxnSp>
+      <p:cxnSp>
+        <p:nvCxnSpPr>
+          <p:cNvPr id="79" name="Straight Arrow Connector 78">
+            <a:extLst>
+              <a:ext uri="{FF2B5EF4-FFF2-40B4-BE49-F238E27FC236}">
+                <a16:creationId xmlns:a16="http://schemas.microsoft.com/office/drawing/2014/main" id="{48FB920B-08A0-9F36-DDA1-853338136ACE}"/>
+              </a:ext>
+            </a:extLst>
+          </p:cNvPr>
+          <p:cNvCxnSpPr>
+            <a:stCxn id="22" idx="0"/>
+            <a:endCxn id="4" idx="2"/>
+          </p:cNvCxnSpPr>
+          <p:nvPr/>
+        </p:nvCxnSpPr>
+        <p:spPr>
+          <a:xfrm flipV="1">
+            <a:off x="6096000" y="4268539"/>
+            <a:ext cx="1" cy="819401"/>
+          </a:xfrm>
+          <a:prstGeom prst="straightConnector1">
+            <a:avLst/>
+          </a:prstGeom>
+          <a:ln w="9525">
+            <a:tailEnd type="triangle"/>
+          </a:ln>
+        </p:spPr>
+        <p:style>
+          <a:lnRef idx="1">
+            <a:schemeClr val="dk1"/>
+          </a:lnRef>
+          <a:fillRef idx="0">
+            <a:schemeClr val="dk1"/>
+          </a:fillRef>
+          <a:effectRef idx="0">
+            <a:schemeClr val="dk1"/>
+          </a:effectRef>
+          <a:fontRef idx="minor">
+            <a:schemeClr val="tx1"/>
+          </a:fontRef>
+        </p:style>
+      </p:cxnSp>
+      <p:cxnSp>
+        <p:nvCxnSpPr>
+          <p:cNvPr id="81" name="Straight Arrow Connector 80">
+            <a:extLst>
+              <a:ext uri="{FF2B5EF4-FFF2-40B4-BE49-F238E27FC236}">
+                <a16:creationId xmlns:a16="http://schemas.microsoft.com/office/drawing/2014/main" id="{F35A6F54-BECE-397A-B42E-63D95BE7A11D}"/>
+              </a:ext>
+            </a:extLst>
+          </p:cNvPr>
+          <p:cNvCxnSpPr>
+            <a:cxnSpLocks/>
+            <a:endCxn id="5" idx="1"/>
+          </p:cNvCxnSpPr>
+          <p:nvPr/>
+        </p:nvCxnSpPr>
+        <p:spPr>
+          <a:xfrm>
+            <a:off x="3473118" y="1853331"/>
+            <a:ext cx="1747249" cy="0"/>
+          </a:xfrm>
+          <a:prstGeom prst="straightConnector1">
+            <a:avLst/>
+          </a:prstGeom>
+          <a:ln w="9525">
+            <a:tailEnd type="triangle"/>
+          </a:ln>
+        </p:spPr>
+        <p:style>
+          <a:lnRef idx="1">
+            <a:schemeClr val="dk1"/>
+          </a:lnRef>
+          <a:fillRef idx="0">
+            <a:schemeClr val="dk1"/>
+          </a:fillRef>
+          <a:effectRef idx="0">
+            <a:schemeClr val="dk1"/>
+          </a:effectRef>
+          <a:fontRef idx="minor">
+            <a:schemeClr val="tx1"/>
+          </a:fontRef>
+        </p:style>
+      </p:cxnSp>
+      <p:cxnSp>
+        <p:nvCxnSpPr>
+          <p:cNvPr id="83" name="Straight Arrow Connector 82">
+            <a:extLst>
+              <a:ext uri="{FF2B5EF4-FFF2-40B4-BE49-F238E27FC236}">
+                <a16:creationId xmlns:a16="http://schemas.microsoft.com/office/drawing/2014/main" id="{F250347A-458B-3855-DFBD-851CC42EB481}"/>
+              </a:ext>
+            </a:extLst>
+          </p:cNvPr>
+          <p:cNvCxnSpPr>
+            <a:cxnSpLocks/>
+            <a:stCxn id="5" idx="3"/>
+          </p:cNvCxnSpPr>
+          <p:nvPr/>
+        </p:nvCxnSpPr>
+        <p:spPr>
+          <a:xfrm>
+            <a:off x="6971634" y="1853331"/>
+            <a:ext cx="1747249" cy="0"/>
+          </a:xfrm>
+          <a:prstGeom prst="straightConnector1">
+            <a:avLst/>
+          </a:prstGeom>
+          <a:ln w="9525">
+            <a:tailEnd type="triangle"/>
+          </a:ln>
+        </p:spPr>
+        <p:style>
+          <a:lnRef idx="1">
+            <a:schemeClr val="dk1"/>
+          </a:lnRef>
+          <a:fillRef idx="0">
+            <a:schemeClr val="dk1"/>
+          </a:fillRef>
+          <a:effectRef idx="0">
+            <a:schemeClr val="dk1"/>
+          </a:effectRef>
+          <a:fontRef idx="minor">
+            <a:schemeClr val="tx1"/>
+          </a:fontRef>
+        </p:style>
+      </p:cxnSp>
+      <p:cxnSp>
+        <p:nvCxnSpPr>
+          <p:cNvPr id="91" name="Straight Arrow Connector 90">
+            <a:extLst>
+              <a:ext uri="{FF2B5EF4-FFF2-40B4-BE49-F238E27FC236}">
+                <a16:creationId xmlns:a16="http://schemas.microsoft.com/office/drawing/2014/main" id="{CA2F757E-B1D6-BD03-8FF6-FA8F57DEA5FC}"/>
+              </a:ext>
+            </a:extLst>
+          </p:cNvPr>
+          <p:cNvCxnSpPr>
+            <a:cxnSpLocks/>
+          </p:cNvCxnSpPr>
+          <p:nvPr/>
+        </p:nvCxnSpPr>
+        <p:spPr>
+          <a:xfrm>
+            <a:off x="2854742" y="1853988"/>
+            <a:ext cx="618376" cy="0"/>
+          </a:xfrm>
+          <a:prstGeom prst="straightConnector1">
+            <a:avLst/>
+          </a:prstGeom>
+          <a:ln w="9525">
+            <a:tailEnd type="triangle"/>
+          </a:ln>
+        </p:spPr>
+        <p:style>
+          <a:lnRef idx="1">
+            <a:schemeClr val="dk1"/>
+          </a:lnRef>
+          <a:fillRef idx="0">
+            <a:schemeClr val="dk1"/>
+          </a:fillRef>
+          <a:effectRef idx="0">
+            <a:schemeClr val="dk1"/>
+          </a:effectRef>
+          <a:fontRef idx="minor">
+            <a:schemeClr val="tx1"/>
+          </a:fontRef>
+        </p:style>
+      </p:cxnSp>
+      <p:cxnSp>
+        <p:nvCxnSpPr>
+          <p:cNvPr id="106" name="Elbow Connector 105">
+            <a:extLst>
+              <a:ext uri="{FF2B5EF4-FFF2-40B4-BE49-F238E27FC236}">
+                <a16:creationId xmlns:a16="http://schemas.microsoft.com/office/drawing/2014/main" id="{C97EC543-ECBE-A9BA-7BA1-2982FFA2EA17}"/>
+              </a:ext>
+            </a:extLst>
+          </p:cNvPr>
+          <p:cNvCxnSpPr>
+            <a:cxnSpLocks/>
+            <a:stCxn id="22" idx="1"/>
+          </p:cNvCxnSpPr>
+          <p:nvPr/>
+        </p:nvCxnSpPr>
+        <p:spPr>
+          <a:xfrm rot="10800000">
+            <a:off x="2854745" y="1850444"/>
+            <a:ext cx="2055683" cy="3559360"/>
+          </a:xfrm>
+          <a:prstGeom prst="bentConnector2">
+            <a:avLst/>
+          </a:prstGeom>
+          <a:ln w="9525"/>
+        </p:spPr>
+        <p:style>
+          <a:lnRef idx="1">
+            <a:schemeClr val="dk1"/>
+          </a:lnRef>
+          <a:fillRef idx="0">
+            <a:schemeClr val="dk1"/>
+          </a:fillRef>
+          <a:effectRef idx="0">
+            <a:schemeClr val="dk1"/>
+          </a:effectRef>
+          <a:fontRef idx="minor">
+            <a:schemeClr val="tx1"/>
+          </a:fontRef>
+        </p:style>
+      </p:cxnSp>
+      <p:cxnSp>
+        <p:nvCxnSpPr>
+          <p:cNvPr id="112" name="Elbow Connector 111">
+            <a:extLst>
+              <a:ext uri="{FF2B5EF4-FFF2-40B4-BE49-F238E27FC236}">
+                <a16:creationId xmlns:a16="http://schemas.microsoft.com/office/drawing/2014/main" id="{A3610E17-02B2-C45F-07E4-D4FCF34F9BF4}"/>
+              </a:ext>
+            </a:extLst>
+          </p:cNvPr>
+          <p:cNvCxnSpPr>
+            <a:cxnSpLocks/>
+            <a:stCxn id="22" idx="3"/>
+          </p:cNvCxnSpPr>
+          <p:nvPr/>
+        </p:nvCxnSpPr>
+        <p:spPr>
+          <a:xfrm flipV="1">
+            <a:off x="7281573" y="1850444"/>
+            <a:ext cx="2055683" cy="3559360"/>
+          </a:xfrm>
+          <a:prstGeom prst="bentConnector2">
+            <a:avLst/>
+          </a:prstGeom>
+          <a:ln w="9525">
+            <a:headEnd type="triangle"/>
+            <a:tailEnd type="none"/>
+          </a:ln>
+        </p:spPr>
+        <p:style>
+          <a:lnRef idx="1">
+            <a:schemeClr val="dk1"/>
+          </a:lnRef>
+          <a:fillRef idx="0">
+            <a:schemeClr val="dk1"/>
+          </a:fillRef>
+          <a:effectRef idx="0">
+            <a:schemeClr val="dk1"/>
+          </a:effectRef>
+          <a:fontRef idx="minor">
+            <a:schemeClr val="tx1"/>
+          </a:fontRef>
+        </p:style>
+      </p:cxnSp>
+      <p:cxnSp>
+        <p:nvCxnSpPr>
+          <p:cNvPr id="113" name="Straight Arrow Connector 112">
+            <a:extLst>
+              <a:ext uri="{FF2B5EF4-FFF2-40B4-BE49-F238E27FC236}">
+                <a16:creationId xmlns:a16="http://schemas.microsoft.com/office/drawing/2014/main" id="{CAB6F798-F0FD-E0C2-B233-C7B5E78A5F22}"/>
+              </a:ext>
+            </a:extLst>
+          </p:cNvPr>
+          <p:cNvCxnSpPr>
+            <a:cxnSpLocks/>
+          </p:cNvCxnSpPr>
+          <p:nvPr/>
+        </p:nvCxnSpPr>
+        <p:spPr>
+          <a:xfrm>
+            <a:off x="8718883" y="1853869"/>
+            <a:ext cx="618376" cy="0"/>
+          </a:xfrm>
+          <a:prstGeom prst="straightConnector1">
+            <a:avLst/>
+          </a:prstGeom>
+          <a:ln w="9525">
+            <a:tailEnd type="none"/>
+          </a:ln>
+        </p:spPr>
+        <p:style>
+          <a:lnRef idx="1">
+            <a:schemeClr val="dk1"/>
+          </a:lnRef>
+          <a:fillRef idx="0">
+            <a:schemeClr val="dk1"/>
+          </a:fillRef>
+          <a:effectRef idx="0">
+            <a:schemeClr val="dk1"/>
+          </a:effectRef>
+          <a:fontRef idx="minor">
+            <a:schemeClr val="tx1"/>
+          </a:fontRef>
+        </p:style>
+      </p:cxnSp>
+      <p:cxnSp>
+        <p:nvCxnSpPr>
+          <p:cNvPr id="117" name="Elbow Connector 116">
+            <a:extLst>
+              <a:ext uri="{FF2B5EF4-FFF2-40B4-BE49-F238E27FC236}">
+                <a16:creationId xmlns:a16="http://schemas.microsoft.com/office/drawing/2014/main" id="{EB339C69-3E82-6207-0A2F-8A392227F2E3}"/>
+              </a:ext>
+            </a:extLst>
+          </p:cNvPr>
+          <p:cNvCxnSpPr>
+            <a:cxnSpLocks/>
+            <a:endCxn id="6" idx="1"/>
+          </p:cNvCxnSpPr>
+          <p:nvPr/>
+        </p:nvCxnSpPr>
+        <p:spPr>
+          <a:xfrm rot="16200000" flipH="1">
+            <a:off x="3589617" y="2159244"/>
+            <a:ext cx="1517712" cy="982868"/>
+          </a:xfrm>
+          <a:prstGeom prst="bentConnector2">
+            <a:avLst/>
+          </a:prstGeom>
+          <a:ln w="9525">
+            <a:tailEnd type="triangle"/>
+          </a:ln>
+        </p:spPr>
+        <p:style>
+          <a:lnRef idx="1">
+            <a:schemeClr val="dk1"/>
+          </a:lnRef>
+          <a:fillRef idx="0">
+            <a:schemeClr val="dk1"/>
+          </a:fillRef>
+          <a:effectRef idx="0">
+            <a:schemeClr val="dk1"/>
+          </a:effectRef>
+          <a:fontRef idx="minor">
+            <a:schemeClr val="tx1"/>
+          </a:fontRef>
+        </p:style>
+      </p:cxnSp>
+      <p:cxnSp>
+        <p:nvCxnSpPr>
+          <p:cNvPr id="120" name="Elbow Connector 119">
+            <a:extLst>
+              <a:ext uri="{FF2B5EF4-FFF2-40B4-BE49-F238E27FC236}">
+                <a16:creationId xmlns:a16="http://schemas.microsoft.com/office/drawing/2014/main" id="{7624F01E-1308-CCFC-E29A-BB16DC56A100}"/>
+              </a:ext>
+            </a:extLst>
+          </p:cNvPr>
+          <p:cNvCxnSpPr>
+            <a:stCxn id="14" idx="4"/>
+          </p:cNvCxnSpPr>
+          <p:nvPr/>
+        </p:nvCxnSpPr>
+        <p:spPr>
+          <a:xfrm rot="5400000">
+            <a:off x="7037333" y="2210439"/>
+            <a:ext cx="1533323" cy="903799"/>
+          </a:xfrm>
+          <a:prstGeom prst="bentConnector3">
+            <a:avLst>
+              <a:gd name="adj1" fmla="val 100009"/>
+            </a:avLst>
+          </a:prstGeom>
+          <a:ln w="9525">
+            <a:tailEnd type="triangle"/>
+          </a:ln>
+        </p:spPr>
+        <p:style>
+          <a:lnRef idx="1">
+            <a:schemeClr val="dk1"/>
+          </a:lnRef>
+          <a:fillRef idx="0">
+            <a:schemeClr val="dk1"/>
+          </a:fillRef>
+          <a:effectRef idx="0">
+            <a:schemeClr val="dk1"/>
+          </a:effectRef>
+          <a:fontRef idx="minor">
+            <a:schemeClr val="tx1"/>
+          </a:fontRef>
+        </p:style>
+      </p:cxnSp>
+      <p:cxnSp>
+        <p:nvCxnSpPr>
+          <p:cNvPr id="124" name="Straight Arrow Connector 123">
+            <a:extLst>
+              <a:ext uri="{FF2B5EF4-FFF2-40B4-BE49-F238E27FC236}">
+                <a16:creationId xmlns:a16="http://schemas.microsoft.com/office/drawing/2014/main" id="{1204439E-27DA-24EA-4810-81F04306B50E}"/>
+              </a:ext>
+            </a:extLst>
+          </p:cNvPr>
+          <p:cNvCxnSpPr>
+            <a:stCxn id="6" idx="0"/>
+            <a:endCxn id="5" idx="2"/>
+          </p:cNvCxnSpPr>
+          <p:nvPr/>
+        </p:nvCxnSpPr>
+        <p:spPr>
+          <a:xfrm flipV="1">
+            <a:off x="6096001" y="2222096"/>
+            <a:ext cx="0" cy="818672"/>
+          </a:xfrm>
+          <a:prstGeom prst="straightConnector1">
+            <a:avLst/>
+          </a:prstGeom>
+          <a:ln w="9525">
+            <a:tailEnd type="triangle"/>
+          </a:ln>
+        </p:spPr>
+        <p:style>
+          <a:lnRef idx="1">
+            <a:schemeClr val="dk1"/>
+          </a:lnRef>
+          <a:fillRef idx="0">
+            <a:schemeClr val="dk1"/>
+          </a:fillRef>
+          <a:effectRef idx="0">
+            <a:schemeClr val="dk1"/>
+          </a:effectRef>
+          <a:fontRef idx="minor">
+            <a:schemeClr val="tx1"/>
+          </a:fontRef>
+        </p:style>
+      </p:cxnSp>
     </p:spTree>
     <p:extLst>
       <p:ext uri="{BB962C8B-B14F-4D97-AF65-F5344CB8AC3E}">

--- a/thesis/figures/figures.pptx
+++ b/thesis/figures/figures.pptx
@@ -197,7 +197,7 @@
           <a:p>
             <a:fld id="{00C16E2E-7B19-E643-BECD-C63E5BB20787}" type="datetimeFigureOut">
               <a:rPr lang="en-DE" smtClean="0"/>
-              <a:t>13.10.23</a:t>
+              <a:t>16.11.23</a:t>
             </a:fld>
             <a:endParaRPr lang="en-DE"/>
           </a:p>
@@ -710,7 +710,7 @@
           <a:p>
             <a:fld id="{F406E1C4-225D-E24F-998F-A895FB905B3C}" type="datetimeFigureOut">
               <a:rPr lang="en-DE" smtClean="0"/>
-              <a:t>13.10.23</a:t>
+              <a:t>16.11.23</a:t>
             </a:fld>
             <a:endParaRPr lang="en-DE"/>
           </a:p>
@@ -910,7 +910,7 @@
           <a:p>
             <a:fld id="{F406E1C4-225D-E24F-998F-A895FB905B3C}" type="datetimeFigureOut">
               <a:rPr lang="en-DE" smtClean="0"/>
-              <a:t>13.10.23</a:t>
+              <a:t>16.11.23</a:t>
             </a:fld>
             <a:endParaRPr lang="en-DE"/>
           </a:p>
@@ -1120,7 +1120,7 @@
           <a:p>
             <a:fld id="{F406E1C4-225D-E24F-998F-A895FB905B3C}" type="datetimeFigureOut">
               <a:rPr lang="en-DE" smtClean="0"/>
-              <a:t>13.10.23</a:t>
+              <a:t>16.11.23</a:t>
             </a:fld>
             <a:endParaRPr lang="en-DE"/>
           </a:p>
@@ -1320,7 +1320,7 @@
           <a:p>
             <a:fld id="{F406E1C4-225D-E24F-998F-A895FB905B3C}" type="datetimeFigureOut">
               <a:rPr lang="en-DE" smtClean="0"/>
-              <a:t>13.10.23</a:t>
+              <a:t>16.11.23</a:t>
             </a:fld>
             <a:endParaRPr lang="en-DE"/>
           </a:p>
@@ -1596,7 +1596,7 @@
           <a:p>
             <a:fld id="{F406E1C4-225D-E24F-998F-A895FB905B3C}" type="datetimeFigureOut">
               <a:rPr lang="en-DE" smtClean="0"/>
-              <a:t>13.10.23</a:t>
+              <a:t>16.11.23</a:t>
             </a:fld>
             <a:endParaRPr lang="en-DE"/>
           </a:p>
@@ -1864,7 +1864,7 @@
           <a:p>
             <a:fld id="{F406E1C4-225D-E24F-998F-A895FB905B3C}" type="datetimeFigureOut">
               <a:rPr lang="en-DE" smtClean="0"/>
-              <a:t>13.10.23</a:t>
+              <a:t>16.11.23</a:t>
             </a:fld>
             <a:endParaRPr lang="en-DE"/>
           </a:p>
@@ -2279,7 +2279,7 @@
           <a:p>
             <a:fld id="{F406E1C4-225D-E24F-998F-A895FB905B3C}" type="datetimeFigureOut">
               <a:rPr lang="en-DE" smtClean="0"/>
-              <a:t>13.10.23</a:t>
+              <a:t>16.11.23</a:t>
             </a:fld>
             <a:endParaRPr lang="en-DE"/>
           </a:p>
@@ -2421,7 +2421,7 @@
           <a:p>
             <a:fld id="{F406E1C4-225D-E24F-998F-A895FB905B3C}" type="datetimeFigureOut">
               <a:rPr lang="en-DE" smtClean="0"/>
-              <a:t>13.10.23</a:t>
+              <a:t>16.11.23</a:t>
             </a:fld>
             <a:endParaRPr lang="en-DE"/>
           </a:p>
@@ -2534,7 +2534,7 @@
           <a:p>
             <a:fld id="{F406E1C4-225D-E24F-998F-A895FB905B3C}" type="datetimeFigureOut">
               <a:rPr lang="en-DE" smtClean="0"/>
-              <a:t>13.10.23</a:t>
+              <a:t>16.11.23</a:t>
             </a:fld>
             <a:endParaRPr lang="en-DE"/>
           </a:p>
@@ -2847,7 +2847,7 @@
           <a:p>
             <a:fld id="{F406E1C4-225D-E24F-998F-A895FB905B3C}" type="datetimeFigureOut">
               <a:rPr lang="en-DE" smtClean="0"/>
-              <a:t>13.10.23</a:t>
+              <a:t>16.11.23</a:t>
             </a:fld>
             <a:endParaRPr lang="en-DE"/>
           </a:p>
@@ -3136,7 +3136,7 @@
           <a:p>
             <a:fld id="{F406E1C4-225D-E24F-998F-A895FB905B3C}" type="datetimeFigureOut">
               <a:rPr lang="en-DE" smtClean="0"/>
-              <a:t>13.10.23</a:t>
+              <a:t>16.11.23</a:t>
             </a:fld>
             <a:endParaRPr lang="en-DE"/>
           </a:p>
@@ -3379,7 +3379,7 @@
           <a:p>
             <a:fld id="{F406E1C4-225D-E24F-998F-A895FB905B3C}" type="datetimeFigureOut">
               <a:rPr lang="en-DE" smtClean="0"/>
-              <a:t>13.10.23</a:t>
+              <a:t>16.11.23</a:t>
             </a:fld>
             <a:endParaRPr lang="en-DE"/>
           </a:p>
@@ -3846,8 +3846,8 @@
           </a:p>
         </p:txBody>
       </p:sp>
-      <mc:AlternateContent xmlns:mc="http://schemas.openxmlformats.org/markup-compatibility/2006">
-        <mc:Choice xmlns:a14="http://schemas.microsoft.com/office/drawing/2010/main" Requires="a14">
+      <mc:AlternateContent xmlns:mc="http://schemas.openxmlformats.org/markup-compatibility/2006" xmlns:a14="http://schemas.microsoft.com/office/drawing/2010/main">
+        <mc:Choice Requires="a14">
           <p:sp>
             <p:nvSpPr>
               <p:cNvPr id="5" name="Rounded Rectangle 4">
@@ -3915,7 +3915,7 @@
             </p:txBody>
           </p:sp>
         </mc:Choice>
-        <mc:Fallback>
+        <mc:Fallback xmlns="">
           <p:sp>
             <p:nvSpPr>
               <p:cNvPr id="5" name="Rounded Rectangle 4">
@@ -4064,8 +4064,8 @@
         </p:nvSpPr>
         <p:spPr>
           <a:xfrm>
-            <a:off x="8216382" y="1812922"/>
-            <a:ext cx="79022" cy="82755"/>
+            <a:off x="8216382" y="1797046"/>
+            <a:ext cx="103128" cy="108000"/>
           </a:xfrm>
           <a:prstGeom prst="ellipse">
             <a:avLst/>
@@ -4280,8 +4280,8 @@
         </p:nvSpPr>
         <p:spPr>
           <a:xfrm>
-            <a:off x="3817528" y="1809067"/>
-            <a:ext cx="79022" cy="82755"/>
+            <a:off x="3803169" y="1795778"/>
+            <a:ext cx="104400" cy="109332"/>
           </a:xfrm>
           <a:prstGeom prst="ellipse">
             <a:avLst/>
@@ -4577,7 +4577,7 @@
             <a:avLst/>
           </a:prstGeom>
           <a:ln w="9525">
-            <a:tailEnd type="triangle"/>
+            <a:tailEnd type="triangle" w="lg" len="lg"/>
           </a:ln>
         </p:spPr>
         <p:style>
@@ -4619,7 +4619,7 @@
             <a:avLst/>
           </a:prstGeom>
           <a:ln w="9525">
-            <a:tailEnd type="triangle"/>
+            <a:tailEnd type="triangle" w="lg" len="lg"/>
           </a:ln>
         </p:spPr>
         <p:style>
@@ -4661,7 +4661,7 @@
             <a:avLst/>
           </a:prstGeom>
           <a:ln w="9525">
-            <a:tailEnd type="triangle"/>
+            <a:tailEnd type="triangle" w="lg" len="lg"/>
           </a:ln>
         </p:spPr>
         <p:style>
@@ -4703,7 +4703,7 @@
             <a:avLst/>
           </a:prstGeom>
           <a:ln w="9525">
-            <a:tailEnd type="triangle"/>
+            <a:tailEnd type="triangle" w="lg" len="lg"/>
           </a:ln>
         </p:spPr>
         <p:style>
@@ -4744,7 +4744,7 @@
             <a:avLst/>
           </a:prstGeom>
           <a:ln w="9525">
-            <a:tailEnd type="triangle"/>
+            <a:tailEnd type="triangle" w="lg" len="lg"/>
           </a:ln>
         </p:spPr>
         <p:style>
@@ -4826,8 +4826,8 @@
             <a:avLst/>
           </a:prstGeom>
           <a:ln w="9525">
-            <a:headEnd type="triangle"/>
-            <a:tailEnd type="none"/>
+            <a:headEnd type="triangle" w="lg" len="lg"/>
+            <a:tailEnd type="none" w="lg" len="lg"/>
           </a:ln>
         </p:spPr>
         <p:style>
@@ -4910,7 +4910,7 @@
             <a:avLst/>
           </a:prstGeom>
           <a:ln w="9525">
-            <a:tailEnd type="triangle"/>
+            <a:tailEnd type="triangle" w="lg" len="lg"/>
           </a:ln>
         </p:spPr>
         <p:style>
@@ -4944,16 +4944,16 @@
         </p:nvCxnSpPr>
         <p:spPr>
           <a:xfrm rot="5400000">
-            <a:off x="7037333" y="2210439"/>
-            <a:ext cx="1533323" cy="903799"/>
+            <a:off x="7055982" y="2201160"/>
+            <a:ext cx="1508079" cy="915850"/>
           </a:xfrm>
           <a:prstGeom prst="bentConnector3">
             <a:avLst>
-              <a:gd name="adj1" fmla="val 100009"/>
+              <a:gd name="adj1" fmla="val 100026"/>
             </a:avLst>
           </a:prstGeom>
           <a:ln w="9525">
-            <a:tailEnd type="triangle"/>
+            <a:tailEnd type="triangle" w="lg" len="lg"/>
           </a:ln>
         </p:spPr>
         <p:style>
@@ -4995,7 +4995,7 @@
             <a:avLst/>
           </a:prstGeom>
           <a:ln w="9525">
-            <a:tailEnd type="triangle"/>
+            <a:tailEnd type="triangle" w="lg" len="lg"/>
           </a:ln>
         </p:spPr>
         <p:style>
